--- a/src/others/フェルミ準位ログ/KEatEF_MBSA1_KeraG.pptx
+++ b/src/others/フェルミ準位ログ/KEatEF_MBSA1_KeraG.pptx
@@ -5,8 +5,8 @@
     <p:sldMasterId id="2147483648" r:id="rId1"/>
   </p:sldMasterIdLst>
   <p:sldIdLst>
-    <p:sldId id="258" r:id="rId2"/>
-    <p:sldId id="259" r:id="rId3"/>
+    <p:sldId id="259" r:id="rId2"/>
+    <p:sldId id="258" r:id="rId3"/>
   </p:sldIdLst>
   <p:sldSz cx="12192000" cy="6858000"/>
   <p:notesSz cx="6858000" cy="9144000"/>
@@ -260,7 +260,7 @@
           <a:p>
             <a:fld id="{F38E8723-237E-428B-967B-E4B6EC1D8BF6}" type="datetimeFigureOut">
               <a:rPr kumimoji="1" lang="ja-JP" altLang="en-US" smtClean="0"/>
-              <a:t>2025/6/16</a:t>
+              <a:t>2025/9/30</a:t>
             </a:fld>
             <a:endParaRPr kumimoji="1" lang="ja-JP" altLang="en-US"/>
           </a:p>
@@ -490,7 +490,7 @@
           <a:p>
             <a:fld id="{F38E8723-237E-428B-967B-E4B6EC1D8BF6}" type="datetimeFigureOut">
               <a:rPr kumimoji="1" lang="ja-JP" altLang="en-US" smtClean="0"/>
-              <a:t>2025/6/16</a:t>
+              <a:t>2025/9/30</a:t>
             </a:fld>
             <a:endParaRPr kumimoji="1" lang="ja-JP" altLang="en-US"/>
           </a:p>
@@ -730,7 +730,7 @@
           <a:p>
             <a:fld id="{F38E8723-237E-428B-967B-E4B6EC1D8BF6}" type="datetimeFigureOut">
               <a:rPr kumimoji="1" lang="ja-JP" altLang="en-US" smtClean="0"/>
-              <a:t>2025/6/16</a:t>
+              <a:t>2025/9/30</a:t>
             </a:fld>
             <a:endParaRPr kumimoji="1" lang="ja-JP" altLang="en-US"/>
           </a:p>
@@ -960,7 +960,7 @@
           <a:p>
             <a:fld id="{F38E8723-237E-428B-967B-E4B6EC1D8BF6}" type="datetimeFigureOut">
               <a:rPr kumimoji="1" lang="ja-JP" altLang="en-US" smtClean="0"/>
-              <a:t>2025/6/16</a:t>
+              <a:t>2025/9/30</a:t>
             </a:fld>
             <a:endParaRPr kumimoji="1" lang="ja-JP" altLang="en-US"/>
           </a:p>
@@ -1235,7 +1235,7 @@
           <a:p>
             <a:fld id="{F38E8723-237E-428B-967B-E4B6EC1D8BF6}" type="datetimeFigureOut">
               <a:rPr kumimoji="1" lang="ja-JP" altLang="en-US" smtClean="0"/>
-              <a:t>2025/6/16</a:t>
+              <a:t>2025/9/30</a:t>
             </a:fld>
             <a:endParaRPr kumimoji="1" lang="ja-JP" altLang="en-US"/>
           </a:p>
@@ -1564,7 +1564,7 @@
           <a:p>
             <a:fld id="{F38E8723-237E-428B-967B-E4B6EC1D8BF6}" type="datetimeFigureOut">
               <a:rPr kumimoji="1" lang="ja-JP" altLang="en-US" smtClean="0"/>
-              <a:t>2025/6/16</a:t>
+              <a:t>2025/9/30</a:t>
             </a:fld>
             <a:endParaRPr kumimoji="1" lang="ja-JP" altLang="en-US"/>
           </a:p>
@@ -2040,7 +2040,7 @@
           <a:p>
             <a:fld id="{F38E8723-237E-428B-967B-E4B6EC1D8BF6}" type="datetimeFigureOut">
               <a:rPr kumimoji="1" lang="ja-JP" altLang="en-US" smtClean="0"/>
-              <a:t>2025/6/16</a:t>
+              <a:t>2025/9/30</a:t>
             </a:fld>
             <a:endParaRPr kumimoji="1" lang="ja-JP" altLang="en-US"/>
           </a:p>
@@ -2181,7 +2181,7 @@
           <a:p>
             <a:fld id="{F38E8723-237E-428B-967B-E4B6EC1D8BF6}" type="datetimeFigureOut">
               <a:rPr kumimoji="1" lang="ja-JP" altLang="en-US" smtClean="0"/>
-              <a:t>2025/6/16</a:t>
+              <a:t>2025/9/30</a:t>
             </a:fld>
             <a:endParaRPr kumimoji="1" lang="ja-JP" altLang="en-US"/>
           </a:p>
@@ -2294,7 +2294,7 @@
           <a:p>
             <a:fld id="{F38E8723-237E-428B-967B-E4B6EC1D8BF6}" type="datetimeFigureOut">
               <a:rPr kumimoji="1" lang="ja-JP" altLang="en-US" smtClean="0"/>
-              <a:t>2025/6/16</a:t>
+              <a:t>2025/9/30</a:t>
             </a:fld>
             <a:endParaRPr kumimoji="1" lang="ja-JP" altLang="en-US"/>
           </a:p>
@@ -2637,7 +2637,7 @@
           <a:p>
             <a:fld id="{F38E8723-237E-428B-967B-E4B6EC1D8BF6}" type="datetimeFigureOut">
               <a:rPr kumimoji="1" lang="ja-JP" altLang="en-US" smtClean="0"/>
-              <a:t>2025/6/16</a:t>
+              <a:t>2025/9/30</a:t>
             </a:fld>
             <a:endParaRPr kumimoji="1" lang="ja-JP" altLang="en-US"/>
           </a:p>
@@ -2925,7 +2925,7 @@
           <a:p>
             <a:fld id="{F38E8723-237E-428B-967B-E4B6EC1D8BF6}" type="datetimeFigureOut">
               <a:rPr kumimoji="1" lang="ja-JP" altLang="en-US" smtClean="0"/>
-              <a:t>2025/6/16</a:t>
+              <a:t>2025/9/30</a:t>
             </a:fld>
             <a:endParaRPr kumimoji="1" lang="ja-JP" altLang="en-US"/>
           </a:p>
@@ -3198,7 +3198,7 @@
           <a:p>
             <a:fld id="{F38E8723-237E-428B-967B-E4B6EC1D8BF6}" type="datetimeFigureOut">
               <a:rPr kumimoji="1" lang="ja-JP" altLang="en-US" smtClean="0"/>
-              <a:t>2025/6/16</a:t>
+              <a:t>2025/9/30</a:t>
             </a:fld>
             <a:endParaRPr kumimoji="1" lang="ja-JP" altLang="en-US"/>
           </a:p>
@@ -3630,6 +3630,3251 @@
           <p:nvPr>
             <p:extLst>
               <p:ext uri="{D42A27DB-BD31-4B8C-83A1-F6EECF244321}">
+                <p14:modId xmlns:p14="http://schemas.microsoft.com/office/powerpoint/2010/main" val="2392569700"/>
+              </p:ext>
+            </p:extLst>
+          </p:nvPr>
+        </p:nvGraphicFramePr>
+        <p:xfrm>
+          <a:off x="0" y="784202"/>
+          <a:ext cx="12192002" cy="4617720"/>
+        </p:xfrm>
+        <a:graphic>
+          <a:graphicData uri="http://schemas.openxmlformats.org/drawingml/2006/table">
+            <a:tbl>
+              <a:tblPr firstRow="1" bandRow="1">
+                <a:tableStyleId>{5C22544A-7EE6-4342-B048-85BDC9FD1C3A}</a:tableStyleId>
+              </a:tblPr>
+              <a:tblGrid>
+                <a:gridCol w="1427630">
+                  <a:extLst>
+                    <a:ext uri="{9D8B030D-6E8A-4147-A177-3AD203B41FA5}">
+                      <a16:colId xmlns:a16="http://schemas.microsoft.com/office/drawing/2014/main" val="3267943048"/>
+                    </a:ext>
+                  </a:extLst>
+                </a:gridCol>
+                <a:gridCol w="896941">
+                  <a:extLst>
+                    <a:ext uri="{9D8B030D-6E8A-4147-A177-3AD203B41FA5}">
+                      <a16:colId xmlns:a16="http://schemas.microsoft.com/office/drawing/2014/main" val="3287194367"/>
+                    </a:ext>
+                  </a:extLst>
+                </a:gridCol>
+                <a:gridCol w="1409633">
+                  <a:extLst>
+                    <a:ext uri="{9D8B030D-6E8A-4147-A177-3AD203B41FA5}">
+                      <a16:colId xmlns:a16="http://schemas.microsoft.com/office/drawing/2014/main" val="3268376557"/>
+                    </a:ext>
+                  </a:extLst>
+                </a:gridCol>
+                <a:gridCol w="1409633">
+                  <a:extLst>
+                    <a:ext uri="{9D8B030D-6E8A-4147-A177-3AD203B41FA5}">
+                      <a16:colId xmlns:a16="http://schemas.microsoft.com/office/drawing/2014/main" val="2468044315"/>
+                    </a:ext>
+                  </a:extLst>
+                </a:gridCol>
+                <a:gridCol w="1409633">
+                  <a:extLst>
+                    <a:ext uri="{9D8B030D-6E8A-4147-A177-3AD203B41FA5}">
+                      <a16:colId xmlns:a16="http://schemas.microsoft.com/office/drawing/2014/main" val="2761048391"/>
+                    </a:ext>
+                  </a:extLst>
+                </a:gridCol>
+                <a:gridCol w="1409633">
+                  <a:extLst>
+                    <a:ext uri="{9D8B030D-6E8A-4147-A177-3AD203B41FA5}">
+                      <a16:colId xmlns:a16="http://schemas.microsoft.com/office/drawing/2014/main" val="2614786515"/>
+                    </a:ext>
+                  </a:extLst>
+                </a:gridCol>
+                <a:gridCol w="1409633">
+                  <a:extLst>
+                    <a:ext uri="{9D8B030D-6E8A-4147-A177-3AD203B41FA5}">
+                      <a16:colId xmlns:a16="http://schemas.microsoft.com/office/drawing/2014/main" val="2631371507"/>
+                    </a:ext>
+                  </a:extLst>
+                </a:gridCol>
+                <a:gridCol w="1409633">
+                  <a:extLst>
+                    <a:ext uri="{9D8B030D-6E8A-4147-A177-3AD203B41FA5}">
+                      <a16:colId xmlns:a16="http://schemas.microsoft.com/office/drawing/2014/main" val="3181379609"/>
+                    </a:ext>
+                  </a:extLst>
+                </a:gridCol>
+                <a:gridCol w="1409633">
+                  <a:extLst>
+                    <a:ext uri="{9D8B030D-6E8A-4147-A177-3AD203B41FA5}">
+                      <a16:colId xmlns:a16="http://schemas.microsoft.com/office/drawing/2014/main" val="840818448"/>
+                    </a:ext>
+                  </a:extLst>
+                </a:gridCol>
+              </a:tblGrid>
+              <a:tr h="370840">
+                <a:tc gridSpan="2">
+                  <a:txBody>
+                    <a:bodyPr/>
+                    <a:lstStyle/>
+                    <a:p>
+                      <a:pPr algn="ctr" fontAlgn="ctr"/>
+                      <a:r>
+                        <a:rPr lang="en-US" sz="1800" b="0" i="0" u="none" strike="noStrike" dirty="0">
+                          <a:solidFill>
+                            <a:schemeClr val="bg1"/>
+                          </a:solidFill>
+                          <a:effectLst/>
+                          <a:latin typeface="+mn-lt"/>
+                          <a:ea typeface="游ゴシック" panose="020B0400000000000000" pitchFamily="50" charset="-128"/>
+                        </a:rPr>
+                        <a:t>Photon Sources</a:t>
+                      </a:r>
+                    </a:p>
+                  </a:txBody>
+                  <a:tcPr marL="6350" marR="6350" marT="6350" marB="0" anchor="ctr"/>
+                </a:tc>
+                <a:tc hMerge="1">
+                  <a:txBody>
+                    <a:bodyPr/>
+                    <a:lstStyle/>
+                    <a:p>
+                      <a:endParaRPr kumimoji="1" lang="ja-JP" altLang="en-US"/>
+                    </a:p>
+                  </a:txBody>
+                  <a:tcPr/>
+                </a:tc>
+                <a:tc>
+                  <a:txBody>
+                    <a:bodyPr/>
+                    <a:lstStyle/>
+                    <a:p>
+                      <a:pPr algn="ctr" fontAlgn="ctr"/>
+                      <a:r>
+                        <a:rPr lang="en-US" sz="1800" b="0" i="0" u="none" strike="noStrike" dirty="0">
+                          <a:solidFill>
+                            <a:schemeClr val="bg1"/>
+                          </a:solidFill>
+                          <a:effectLst/>
+                          <a:latin typeface="+mn-lt"/>
+                          <a:ea typeface="游ゴシック" panose="020B0400000000000000" pitchFamily="50" charset="-128"/>
+                        </a:rPr>
+                        <a:t>He I</a:t>
+                      </a:r>
+                      <a:r>
+                        <a:rPr lang="el-GR" sz="1800" b="0" i="0" u="none" strike="noStrike" dirty="0">
+                          <a:solidFill>
+                            <a:schemeClr val="bg1"/>
+                          </a:solidFill>
+                          <a:effectLst/>
+                          <a:latin typeface="+mn-lt"/>
+                          <a:ea typeface="游ゴシック" panose="020B0400000000000000" pitchFamily="50" charset="-128"/>
+                        </a:rPr>
+                        <a:t>α</a:t>
+                      </a:r>
+                    </a:p>
+                  </a:txBody>
+                  <a:tcPr marL="6350" marR="6350" marT="6350" marB="0" anchor="ctr"/>
+                </a:tc>
+                <a:tc>
+                  <a:txBody>
+                    <a:bodyPr/>
+                    <a:lstStyle/>
+                    <a:p>
+                      <a:pPr algn="ctr" fontAlgn="ctr"/>
+                      <a:r>
+                        <a:rPr lang="en-US" sz="1800" b="0" i="0" u="none" strike="noStrike" dirty="0">
+                          <a:solidFill>
+                            <a:schemeClr val="bg1"/>
+                          </a:solidFill>
+                          <a:effectLst/>
+                          <a:latin typeface="+mn-lt"/>
+                          <a:ea typeface="游ゴシック" panose="020B0400000000000000" pitchFamily="50" charset="-128"/>
+                        </a:rPr>
+                        <a:t>He I</a:t>
+                      </a:r>
+                      <a:r>
+                        <a:rPr lang="el-GR" sz="1800" b="0" i="0" u="none" strike="noStrike" dirty="0">
+                          <a:solidFill>
+                            <a:schemeClr val="bg1"/>
+                          </a:solidFill>
+                          <a:effectLst/>
+                          <a:latin typeface="+mn-lt"/>
+                          <a:ea typeface="游ゴシック" panose="020B0400000000000000" pitchFamily="50" charset="-128"/>
+                        </a:rPr>
+                        <a:t>β</a:t>
+                      </a:r>
+                    </a:p>
+                  </a:txBody>
+                  <a:tcPr marL="6350" marR="6350" marT="6350" marB="0" anchor="ctr"/>
+                </a:tc>
+                <a:tc>
+                  <a:txBody>
+                    <a:bodyPr/>
+                    <a:lstStyle/>
+                    <a:p>
+                      <a:pPr algn="ctr" fontAlgn="ctr"/>
+                      <a:r>
+                        <a:rPr lang="en-US" sz="1800" b="0" i="0" u="none" strike="noStrike" dirty="0">
+                          <a:solidFill>
+                            <a:schemeClr val="bg1"/>
+                          </a:solidFill>
+                          <a:effectLst/>
+                          <a:latin typeface="+mn-lt"/>
+                          <a:ea typeface="游ゴシック" panose="020B0400000000000000" pitchFamily="50" charset="-128"/>
+                        </a:rPr>
+                        <a:t>He II</a:t>
+                      </a:r>
+                      <a:r>
+                        <a:rPr lang="el-GR" sz="1800" b="0" i="0" u="none" strike="noStrike" dirty="0">
+                          <a:solidFill>
+                            <a:schemeClr val="bg1"/>
+                          </a:solidFill>
+                          <a:effectLst/>
+                          <a:latin typeface="+mn-lt"/>
+                          <a:ea typeface="游ゴシック" panose="020B0400000000000000" pitchFamily="50" charset="-128"/>
+                        </a:rPr>
+                        <a:t>α</a:t>
+                      </a:r>
+                    </a:p>
+                  </a:txBody>
+                  <a:tcPr marL="6350" marR="6350" marT="6350" marB="0" anchor="ctr"/>
+                </a:tc>
+                <a:tc>
+                  <a:txBody>
+                    <a:bodyPr/>
+                    <a:lstStyle/>
+                    <a:p>
+                      <a:pPr algn="ctr" fontAlgn="ctr"/>
+                      <a:r>
+                        <a:rPr lang="en-US" sz="1800" b="0" i="0" u="none" strike="noStrike" dirty="0">
+                          <a:solidFill>
+                            <a:schemeClr val="bg1"/>
+                          </a:solidFill>
+                          <a:effectLst/>
+                          <a:latin typeface="+mn-lt"/>
+                          <a:ea typeface="游ゴシック" panose="020B0400000000000000" pitchFamily="50" charset="-128"/>
+                        </a:rPr>
+                        <a:t>Xe I</a:t>
+                      </a:r>
+                      <a:r>
+                        <a:rPr lang="el-GR" sz="1800" b="0" i="0" u="none" strike="noStrike" dirty="0">
+                          <a:solidFill>
+                            <a:schemeClr val="bg1"/>
+                          </a:solidFill>
+                          <a:effectLst/>
+                          <a:latin typeface="+mn-lt"/>
+                          <a:ea typeface="游ゴシック" panose="020B0400000000000000" pitchFamily="50" charset="-128"/>
+                        </a:rPr>
+                        <a:t>α</a:t>
+                      </a:r>
+                      <a:r>
+                        <a:rPr lang="en-US" sz="1800" b="0" i="0" u="none" strike="noStrike" dirty="0">
+                          <a:solidFill>
+                            <a:schemeClr val="bg1"/>
+                          </a:solidFill>
+                          <a:effectLst/>
+                          <a:latin typeface="+mn-lt"/>
+                          <a:ea typeface="游ゴシック" panose="020B0400000000000000" pitchFamily="50" charset="-128"/>
+                        </a:rPr>
+                        <a:t> (</a:t>
+                      </a:r>
+                      <a:r>
+                        <a:rPr lang="en-US" sz="1800" b="0" i="0" u="none" strike="noStrike" baseline="30000" dirty="0">
+                          <a:solidFill>
+                            <a:schemeClr val="bg1"/>
+                          </a:solidFill>
+                          <a:effectLst/>
+                          <a:latin typeface="+mn-lt"/>
+                          <a:ea typeface="游ゴシック" panose="020B0400000000000000" pitchFamily="50" charset="-128"/>
+                        </a:rPr>
+                        <a:t>3</a:t>
+                      </a:r>
+                      <a:r>
+                        <a:rPr lang="en-US" sz="1800" b="0" i="0" u="none" strike="noStrike" dirty="0">
+                          <a:solidFill>
+                            <a:schemeClr val="bg1"/>
+                          </a:solidFill>
+                          <a:effectLst/>
+                          <a:latin typeface="+mn-lt"/>
+                          <a:ea typeface="游ゴシック" panose="020B0400000000000000" pitchFamily="50" charset="-128"/>
+                        </a:rPr>
+                        <a:t>P</a:t>
+                      </a:r>
+                      <a:r>
+                        <a:rPr lang="en-US" sz="1800" b="0" i="0" u="none" strike="noStrike" baseline="-25000" dirty="0">
+                          <a:solidFill>
+                            <a:schemeClr val="bg1"/>
+                          </a:solidFill>
+                          <a:effectLst/>
+                          <a:latin typeface="+mn-lt"/>
+                          <a:ea typeface="游ゴシック" panose="020B0400000000000000" pitchFamily="50" charset="-128"/>
+                        </a:rPr>
+                        <a:t>1</a:t>
+                      </a:r>
+                      <a:r>
+                        <a:rPr lang="en-US" sz="1800" b="0" i="0" u="none" strike="noStrike" dirty="0">
+                          <a:solidFill>
+                            <a:schemeClr val="bg1"/>
+                          </a:solidFill>
+                          <a:effectLst/>
+                          <a:latin typeface="+mn-lt"/>
+                          <a:ea typeface="游ゴシック" panose="020B0400000000000000" pitchFamily="50" charset="-128"/>
+                        </a:rPr>
+                        <a:t>)</a:t>
+                      </a:r>
+                      <a:endParaRPr lang="el-GR" sz="1800" b="0" i="0" u="none" strike="noStrike" dirty="0">
+                        <a:solidFill>
+                          <a:schemeClr val="bg1"/>
+                        </a:solidFill>
+                        <a:effectLst/>
+                        <a:latin typeface="+mn-lt"/>
+                        <a:ea typeface="游ゴシック" panose="020B0400000000000000" pitchFamily="50" charset="-128"/>
+                      </a:endParaRPr>
+                    </a:p>
+                  </a:txBody>
+                  <a:tcPr marL="6350" marR="6350" marT="6350" marB="0" anchor="ctr"/>
+                </a:tc>
+                <a:tc>
+                  <a:txBody>
+                    <a:bodyPr/>
+                    <a:lstStyle/>
+                    <a:p>
+                      <a:pPr marL="0" marR="0" lvl="0" indent="0" algn="ctr" defTabSz="914400" rtl="0" eaLnBrk="1" fontAlgn="auto" latinLnBrk="0" hangingPunct="1">
+                        <a:lnSpc>
+                          <a:spcPct val="100000"/>
+                        </a:lnSpc>
+                        <a:spcBef>
+                          <a:spcPts val="0"/>
+                        </a:spcBef>
+                        <a:spcAft>
+                          <a:spcPts val="0"/>
+                        </a:spcAft>
+                        <a:buClrTx/>
+                        <a:buSzTx/>
+                        <a:buFontTx/>
+                        <a:buNone/>
+                        <a:tabLst/>
+                        <a:defRPr/>
+                      </a:pPr>
+                      <a:r>
+                        <a:rPr lang="en-US" altLang="ja-JP" sz="1800" b="0" i="0" u="none" strike="noStrike" dirty="0">
+                          <a:solidFill>
+                            <a:schemeClr val="bg1"/>
+                          </a:solidFill>
+                          <a:effectLst/>
+                          <a:latin typeface="+mn-lt"/>
+                          <a:ea typeface="+mn-ea"/>
+                        </a:rPr>
+                        <a:t>Xe I</a:t>
+                      </a:r>
+                      <a:r>
+                        <a:rPr lang="el-GR" altLang="ja-JP" sz="1800" b="0" i="0" u="none" strike="noStrike" dirty="0">
+                          <a:solidFill>
+                            <a:schemeClr val="bg1"/>
+                          </a:solidFill>
+                          <a:effectLst/>
+                          <a:latin typeface="+mn-lt"/>
+                          <a:ea typeface="+mn-ea"/>
+                        </a:rPr>
+                        <a:t>α</a:t>
+                      </a:r>
+                      <a:r>
+                        <a:rPr lang="en-US" altLang="ja-JP" sz="1800" b="0" i="0" u="none" strike="noStrike" dirty="0">
+                          <a:solidFill>
+                            <a:schemeClr val="bg1"/>
+                          </a:solidFill>
+                          <a:effectLst/>
+                          <a:latin typeface="+mn-lt"/>
+                          <a:ea typeface="+mn-ea"/>
+                        </a:rPr>
+                        <a:t> (</a:t>
+                      </a:r>
+                      <a:r>
+                        <a:rPr lang="en-US" altLang="ja-JP" sz="1800" b="0" i="0" u="none" strike="noStrike" baseline="30000" dirty="0">
+                          <a:solidFill>
+                            <a:schemeClr val="bg1"/>
+                          </a:solidFill>
+                          <a:effectLst/>
+                          <a:latin typeface="+mn-lt"/>
+                          <a:ea typeface="+mn-ea"/>
+                        </a:rPr>
+                        <a:t>1</a:t>
+                      </a:r>
+                      <a:r>
+                        <a:rPr lang="en-US" altLang="ja-JP" sz="1800" b="0" i="0" u="none" strike="noStrike" dirty="0">
+                          <a:solidFill>
+                            <a:schemeClr val="bg1"/>
+                          </a:solidFill>
+                          <a:effectLst/>
+                          <a:latin typeface="+mn-lt"/>
+                          <a:ea typeface="+mn-ea"/>
+                        </a:rPr>
+                        <a:t>P</a:t>
+                      </a:r>
+                      <a:r>
+                        <a:rPr lang="en-US" altLang="ja-JP" sz="1800" b="0" i="0" u="none" strike="noStrike" baseline="-25000" dirty="0">
+                          <a:solidFill>
+                            <a:schemeClr val="bg1"/>
+                          </a:solidFill>
+                          <a:effectLst/>
+                          <a:latin typeface="+mn-lt"/>
+                          <a:ea typeface="+mn-ea"/>
+                        </a:rPr>
+                        <a:t>1</a:t>
+                      </a:r>
+                      <a:r>
+                        <a:rPr lang="en-US" altLang="ja-JP" sz="1800" b="0" i="0" u="none" strike="noStrike" dirty="0">
+                          <a:solidFill>
+                            <a:schemeClr val="bg1"/>
+                          </a:solidFill>
+                          <a:effectLst/>
+                          <a:latin typeface="+mn-lt"/>
+                          <a:ea typeface="+mn-ea"/>
+                        </a:rPr>
+                        <a:t>)</a:t>
+                      </a:r>
+                      <a:endParaRPr lang="el-GR" altLang="ja-JP" sz="1800" b="0" i="0" u="none" strike="noStrike" dirty="0">
+                        <a:solidFill>
+                          <a:schemeClr val="bg1"/>
+                        </a:solidFill>
+                        <a:effectLst/>
+                        <a:latin typeface="+mn-lt"/>
+                        <a:ea typeface="+mn-ea"/>
+                      </a:endParaRPr>
+                    </a:p>
+                  </a:txBody>
+                  <a:tcPr/>
+                </a:tc>
+                <a:tc>
+                  <a:txBody>
+                    <a:bodyPr/>
+                    <a:lstStyle/>
+                    <a:p>
+                      <a:pPr marL="0" marR="0" lvl="0" indent="0" algn="ctr" defTabSz="914400" rtl="0" eaLnBrk="1" fontAlgn="auto" latinLnBrk="0" hangingPunct="1">
+                        <a:lnSpc>
+                          <a:spcPct val="100000"/>
+                        </a:lnSpc>
+                        <a:spcBef>
+                          <a:spcPts val="0"/>
+                        </a:spcBef>
+                        <a:spcAft>
+                          <a:spcPts val="0"/>
+                        </a:spcAft>
+                        <a:buClrTx/>
+                        <a:buSzTx/>
+                        <a:buFontTx/>
+                        <a:buNone/>
+                        <a:tabLst/>
+                        <a:defRPr/>
+                      </a:pPr>
+                      <a:r>
+                        <a:rPr lang="en-US" altLang="ja-JP" sz="1800" b="0" i="0" u="none" strike="noStrike" dirty="0" err="1">
+                          <a:solidFill>
+                            <a:schemeClr val="bg1"/>
+                          </a:solidFill>
+                          <a:effectLst/>
+                          <a:latin typeface="+mn-lt"/>
+                          <a:ea typeface="+mn-ea"/>
+                        </a:rPr>
+                        <a:t>AlK</a:t>
+                      </a:r>
+                      <a:r>
+                        <a:rPr lang="el-GR" altLang="ja-JP" sz="1800" b="0" i="0" u="none" strike="noStrike" dirty="0">
+                          <a:solidFill>
+                            <a:schemeClr val="bg1"/>
+                          </a:solidFill>
+                          <a:effectLst/>
+                          <a:latin typeface="+mn-lt"/>
+                          <a:ea typeface="+mn-ea"/>
+                        </a:rPr>
+                        <a:t>α</a:t>
+                      </a:r>
+                      <a:r>
+                        <a:rPr lang="en-US" altLang="ja-JP" sz="1800" b="0" i="0" u="none" strike="noStrike" baseline="-25000" dirty="0">
+                          <a:solidFill>
+                            <a:schemeClr val="bg1"/>
+                          </a:solidFill>
+                          <a:effectLst/>
+                          <a:latin typeface="+mn-lt"/>
+                          <a:ea typeface="+mn-ea"/>
+                        </a:rPr>
+                        <a:t>1,2</a:t>
+                      </a:r>
+                      <a:endParaRPr lang="el-GR" altLang="ja-JP" sz="1800" b="0" i="0" u="none" strike="noStrike" baseline="-25000" dirty="0">
+                        <a:solidFill>
+                          <a:schemeClr val="bg1"/>
+                        </a:solidFill>
+                        <a:effectLst/>
+                        <a:latin typeface="+mn-lt"/>
+                        <a:ea typeface="+mn-ea"/>
+                      </a:endParaRPr>
+                    </a:p>
+                  </a:txBody>
+                  <a:tcPr/>
+                </a:tc>
+                <a:tc>
+                  <a:txBody>
+                    <a:bodyPr/>
+                    <a:lstStyle/>
+                    <a:p>
+                      <a:pPr marL="0" marR="0" lvl="0" indent="0" algn="ctr" defTabSz="914400" rtl="0" eaLnBrk="1" fontAlgn="auto" latinLnBrk="0" hangingPunct="1">
+                        <a:lnSpc>
+                          <a:spcPct val="100000"/>
+                        </a:lnSpc>
+                        <a:spcBef>
+                          <a:spcPts val="0"/>
+                        </a:spcBef>
+                        <a:spcAft>
+                          <a:spcPts val="0"/>
+                        </a:spcAft>
+                        <a:buClrTx/>
+                        <a:buSzTx/>
+                        <a:buFontTx/>
+                        <a:buNone/>
+                        <a:tabLst/>
+                        <a:defRPr/>
+                      </a:pPr>
+                      <a:r>
+                        <a:rPr lang="en-US" altLang="ja-JP" sz="1800" b="0" i="0" u="none" strike="noStrike" dirty="0" err="1">
+                          <a:solidFill>
+                            <a:schemeClr val="bg1"/>
+                          </a:solidFill>
+                          <a:effectLst/>
+                          <a:latin typeface="+mn-lt"/>
+                          <a:ea typeface="+mn-ea"/>
+                        </a:rPr>
+                        <a:t>MgK</a:t>
+                      </a:r>
+                      <a:r>
+                        <a:rPr lang="el-GR" altLang="ja-JP" sz="1800" b="0" i="0" u="none" strike="noStrike" dirty="0">
+                          <a:solidFill>
+                            <a:schemeClr val="bg1"/>
+                          </a:solidFill>
+                          <a:effectLst/>
+                          <a:latin typeface="+mn-lt"/>
+                          <a:ea typeface="+mn-ea"/>
+                        </a:rPr>
+                        <a:t>α</a:t>
+                      </a:r>
+                      <a:r>
+                        <a:rPr lang="en-US" altLang="ja-JP" sz="1800" b="0" i="0" u="none" strike="noStrike" baseline="-25000" dirty="0">
+                          <a:solidFill>
+                            <a:schemeClr val="bg1"/>
+                          </a:solidFill>
+                          <a:effectLst/>
+                          <a:latin typeface="+mn-lt"/>
+                          <a:ea typeface="+mn-ea"/>
+                        </a:rPr>
+                        <a:t>1,2</a:t>
+                      </a:r>
+                      <a:endParaRPr lang="el-GR" altLang="ja-JP" sz="1800" b="0" i="0" u="none" strike="noStrike" baseline="-25000" dirty="0">
+                        <a:solidFill>
+                          <a:schemeClr val="bg1"/>
+                        </a:solidFill>
+                        <a:effectLst/>
+                        <a:latin typeface="+mn-lt"/>
+                        <a:ea typeface="+mn-ea"/>
+                      </a:endParaRPr>
+                    </a:p>
+                  </a:txBody>
+                  <a:tcPr/>
+                </a:tc>
+                <a:extLst>
+                  <a:ext uri="{0D108BD9-81ED-4DB2-BD59-A6C34878D82A}">
+                    <a16:rowId xmlns:a16="http://schemas.microsoft.com/office/drawing/2014/main" val="1858280761"/>
+                  </a:ext>
+                </a:extLst>
+              </a:tr>
+              <a:tr h="370840">
+                <a:tc gridSpan="2">
+                  <a:txBody>
+                    <a:bodyPr/>
+                    <a:lstStyle/>
+                    <a:p>
+                      <a:pPr algn="ctr"/>
+                      <a:r>
+                        <a:rPr kumimoji="1" lang="en-US" altLang="ja-JP" sz="1800" b="0" dirty="0">
+                          <a:latin typeface="+mn-lt"/>
+                        </a:rPr>
+                        <a:t>Source transition</a:t>
+                      </a:r>
+                    </a:p>
+                  </a:txBody>
+                  <a:tcPr/>
+                </a:tc>
+                <a:tc hMerge="1">
+                  <a:txBody>
+                    <a:bodyPr/>
+                    <a:lstStyle/>
+                    <a:p>
+                      <a:endParaRPr kumimoji="1" lang="ja-JP" altLang="en-US"/>
+                    </a:p>
+                  </a:txBody>
+                  <a:tcPr/>
+                </a:tc>
+                <a:tc>
+                  <a:txBody>
+                    <a:bodyPr/>
+                    <a:lstStyle/>
+                    <a:p>
+                      <a:pPr algn="ctr"/>
+                      <a:r>
+                        <a:rPr kumimoji="1" lang="en-US" altLang="ja-JP" sz="1800" b="0" dirty="0">
+                          <a:latin typeface="+mn-lt"/>
+                        </a:rPr>
+                        <a:t>1s2p(</a:t>
+                      </a:r>
+                      <a:r>
+                        <a:rPr kumimoji="1" lang="en-US" altLang="ja-JP" sz="1800" b="0" baseline="30000" dirty="0">
+                          <a:latin typeface="+mn-lt"/>
+                        </a:rPr>
+                        <a:t>1</a:t>
+                      </a:r>
+                      <a:r>
+                        <a:rPr kumimoji="1" lang="en-US" altLang="ja-JP" sz="1800" b="0" dirty="0">
+                          <a:latin typeface="+mn-lt"/>
+                        </a:rPr>
+                        <a:t>P</a:t>
+                      </a:r>
+                      <a:r>
+                        <a:rPr kumimoji="1" lang="en-US" altLang="ja-JP" sz="1800" b="0" baseline="-25000" dirty="0">
+                          <a:latin typeface="+mn-lt"/>
+                        </a:rPr>
+                        <a:t>1</a:t>
+                      </a:r>
+                      <a:r>
+                        <a:rPr kumimoji="1" lang="en-US" altLang="ja-JP" sz="1800" b="0" dirty="0">
+                          <a:latin typeface="+mn-lt"/>
+                        </a:rPr>
+                        <a:t>)</a:t>
+                      </a:r>
+                      <a:br>
+                        <a:rPr kumimoji="1" lang="en-US" altLang="ja-JP" sz="1800" b="0" dirty="0">
+                          <a:latin typeface="+mn-lt"/>
+                        </a:rPr>
+                      </a:br>
+                      <a:r>
+                        <a:rPr kumimoji="1" lang="ja-JP" altLang="en-US" sz="1800" b="0">
+                          <a:latin typeface="+mn-lt"/>
+                        </a:rPr>
+                        <a:t>➔</a:t>
+                      </a:r>
+                      <a:r>
+                        <a:rPr kumimoji="1" lang="en-US" altLang="ja-JP" sz="1800" b="0" dirty="0">
+                          <a:latin typeface="+mn-lt"/>
+                        </a:rPr>
+                        <a:t>1s</a:t>
+                      </a:r>
+                      <a:r>
+                        <a:rPr kumimoji="1" lang="en-US" altLang="ja-JP" sz="1800" b="0" baseline="30000" dirty="0">
+                          <a:latin typeface="+mn-lt"/>
+                        </a:rPr>
+                        <a:t>2</a:t>
+                      </a:r>
+                      <a:endParaRPr kumimoji="1" lang="ja-JP" altLang="en-US" sz="1800" b="0" baseline="30000" dirty="0">
+                        <a:latin typeface="+mn-lt"/>
+                      </a:endParaRPr>
+                    </a:p>
+                  </a:txBody>
+                  <a:tcPr/>
+                </a:tc>
+                <a:tc>
+                  <a:txBody>
+                    <a:bodyPr/>
+                    <a:lstStyle/>
+                    <a:p>
+                      <a:pPr marL="0" marR="0" lvl="0" indent="0" algn="ctr" defTabSz="914400" rtl="0" eaLnBrk="1" fontAlgn="auto" latinLnBrk="0" hangingPunct="1">
+                        <a:lnSpc>
+                          <a:spcPct val="100000"/>
+                        </a:lnSpc>
+                        <a:spcBef>
+                          <a:spcPts val="0"/>
+                        </a:spcBef>
+                        <a:spcAft>
+                          <a:spcPts val="0"/>
+                        </a:spcAft>
+                        <a:buClrTx/>
+                        <a:buSzTx/>
+                        <a:buFontTx/>
+                        <a:buNone/>
+                        <a:tabLst/>
+                        <a:defRPr/>
+                      </a:pPr>
+                      <a:r>
+                        <a:rPr kumimoji="1" lang="en-US" altLang="ja-JP" sz="1800" b="0" dirty="0">
+                          <a:latin typeface="+mn-lt"/>
+                        </a:rPr>
+                        <a:t>1s3p(</a:t>
+                      </a:r>
+                      <a:r>
+                        <a:rPr kumimoji="1" lang="en-US" altLang="ja-JP" sz="1800" b="0" baseline="30000" dirty="0">
+                          <a:latin typeface="+mn-lt"/>
+                        </a:rPr>
+                        <a:t>1</a:t>
+                      </a:r>
+                      <a:r>
+                        <a:rPr kumimoji="1" lang="en-US" altLang="ja-JP" sz="1800" b="0" dirty="0">
+                          <a:latin typeface="+mn-lt"/>
+                        </a:rPr>
+                        <a:t>P</a:t>
+                      </a:r>
+                      <a:r>
+                        <a:rPr kumimoji="1" lang="en-US" altLang="ja-JP" sz="1800" b="0" baseline="-25000" dirty="0">
+                          <a:latin typeface="+mn-lt"/>
+                        </a:rPr>
+                        <a:t>1</a:t>
+                      </a:r>
+                      <a:r>
+                        <a:rPr kumimoji="1" lang="en-US" altLang="ja-JP" sz="1800" b="0" dirty="0">
+                          <a:latin typeface="+mn-lt"/>
+                        </a:rPr>
+                        <a:t>)</a:t>
+                      </a:r>
+                      <a:br>
+                        <a:rPr kumimoji="1" lang="en-US" altLang="ja-JP" sz="1800" b="0" dirty="0">
+                          <a:latin typeface="+mn-lt"/>
+                        </a:rPr>
+                      </a:br>
+                      <a:r>
+                        <a:rPr kumimoji="1" lang="ja-JP" altLang="en-US" sz="1800" b="0">
+                          <a:latin typeface="+mn-lt"/>
+                        </a:rPr>
+                        <a:t>➔</a:t>
+                      </a:r>
+                      <a:r>
+                        <a:rPr kumimoji="1" lang="en-US" altLang="ja-JP" sz="1800" b="0" dirty="0">
+                          <a:latin typeface="+mn-lt"/>
+                        </a:rPr>
+                        <a:t>1s</a:t>
+                      </a:r>
+                      <a:r>
+                        <a:rPr kumimoji="1" lang="en-US" altLang="ja-JP" sz="1800" b="0" baseline="30000" dirty="0">
+                          <a:latin typeface="+mn-lt"/>
+                        </a:rPr>
+                        <a:t>2</a:t>
+                      </a:r>
+                      <a:endParaRPr kumimoji="1" lang="ja-JP" altLang="en-US" sz="1800" b="0" baseline="30000" dirty="0">
+                        <a:latin typeface="+mn-lt"/>
+                      </a:endParaRPr>
+                    </a:p>
+                  </a:txBody>
+                  <a:tcPr/>
+                </a:tc>
+                <a:tc>
+                  <a:txBody>
+                    <a:bodyPr/>
+                    <a:lstStyle/>
+                    <a:p>
+                      <a:pPr marL="0" marR="0" lvl="0" indent="0" algn="ctr" defTabSz="914400" rtl="0" eaLnBrk="1" fontAlgn="auto" latinLnBrk="0" hangingPunct="1">
+                        <a:lnSpc>
+                          <a:spcPct val="100000"/>
+                        </a:lnSpc>
+                        <a:spcBef>
+                          <a:spcPts val="0"/>
+                        </a:spcBef>
+                        <a:spcAft>
+                          <a:spcPts val="0"/>
+                        </a:spcAft>
+                        <a:buClrTx/>
+                        <a:buSzTx/>
+                        <a:buFontTx/>
+                        <a:buNone/>
+                        <a:tabLst/>
+                        <a:defRPr/>
+                      </a:pPr>
+                      <a:r>
+                        <a:rPr kumimoji="1" lang="en-US" altLang="ja-JP" sz="1800" b="0" dirty="0">
+                          <a:latin typeface="+mn-lt"/>
+                        </a:rPr>
+                        <a:t>2p(</a:t>
+                      </a:r>
+                      <a:r>
+                        <a:rPr kumimoji="1" lang="en-US" altLang="ja-JP" sz="1800" b="0" baseline="30000" dirty="0">
+                          <a:latin typeface="+mn-lt"/>
+                        </a:rPr>
+                        <a:t>2</a:t>
+                      </a:r>
+                      <a:r>
+                        <a:rPr kumimoji="1" lang="en-US" altLang="ja-JP" sz="1800" b="0" dirty="0">
+                          <a:latin typeface="+mn-lt"/>
+                        </a:rPr>
+                        <a:t>P</a:t>
+                      </a:r>
+                      <a:r>
+                        <a:rPr kumimoji="1" lang="en-US" altLang="ja-JP" sz="1800" b="0" baseline="-25000" dirty="0">
+                          <a:latin typeface="+mn-lt"/>
+                        </a:rPr>
+                        <a:t>3/2</a:t>
+                      </a:r>
+                      <a:r>
+                        <a:rPr kumimoji="1" lang="en-US" altLang="ja-JP" sz="1800" b="0" dirty="0">
+                          <a:latin typeface="+mn-lt"/>
+                        </a:rPr>
+                        <a:t>)</a:t>
+                      </a:r>
+                      <a:br>
+                        <a:rPr kumimoji="1" lang="en-US" altLang="ja-JP" sz="1800" b="0" dirty="0">
+                          <a:latin typeface="+mn-lt"/>
+                        </a:rPr>
+                      </a:br>
+                      <a:r>
+                        <a:rPr kumimoji="1" lang="ja-JP" altLang="en-US" sz="1800" b="0">
+                          <a:latin typeface="+mn-lt"/>
+                        </a:rPr>
+                        <a:t>➔</a:t>
+                      </a:r>
+                      <a:r>
+                        <a:rPr kumimoji="1" lang="en-US" altLang="ja-JP" sz="1800" b="0" dirty="0">
+                          <a:latin typeface="+mn-lt"/>
+                        </a:rPr>
+                        <a:t>1s</a:t>
+                      </a:r>
+                      <a:r>
+                        <a:rPr kumimoji="1" lang="en-US" altLang="ja-JP" sz="1800" b="0" baseline="30000" dirty="0">
+                          <a:latin typeface="+mn-lt"/>
+                        </a:rPr>
+                        <a:t>2</a:t>
+                      </a:r>
+                      <a:endParaRPr kumimoji="1" lang="ja-JP" altLang="en-US" sz="1800" b="0" baseline="30000" dirty="0">
+                        <a:latin typeface="+mn-lt"/>
+                      </a:endParaRPr>
+                    </a:p>
+                  </a:txBody>
+                  <a:tcPr/>
+                </a:tc>
+                <a:tc>
+                  <a:txBody>
+                    <a:bodyPr/>
+                    <a:lstStyle/>
+                    <a:p>
+                      <a:pPr marL="0" marR="0" lvl="0" indent="0" algn="ctr" defTabSz="914400" rtl="0" eaLnBrk="1" fontAlgn="auto" latinLnBrk="0" hangingPunct="1">
+                        <a:lnSpc>
+                          <a:spcPct val="100000"/>
+                        </a:lnSpc>
+                        <a:spcBef>
+                          <a:spcPts val="0"/>
+                        </a:spcBef>
+                        <a:spcAft>
+                          <a:spcPts val="0"/>
+                        </a:spcAft>
+                        <a:buClrTx/>
+                        <a:buSzTx/>
+                        <a:buFontTx/>
+                        <a:buNone/>
+                        <a:tabLst/>
+                        <a:defRPr/>
+                      </a:pPr>
+                      <a:r>
+                        <a:rPr kumimoji="1" lang="en-US" altLang="ja-JP" sz="1800" b="0" dirty="0">
+                          <a:latin typeface="+mn-lt"/>
+                        </a:rPr>
+                        <a:t>5p</a:t>
+                      </a:r>
+                      <a:r>
+                        <a:rPr kumimoji="1" lang="en-US" altLang="ja-JP" sz="1800" b="0" baseline="30000" dirty="0">
+                          <a:latin typeface="+mn-lt"/>
+                        </a:rPr>
+                        <a:t>5</a:t>
+                      </a:r>
+                      <a:r>
+                        <a:rPr kumimoji="1" lang="en-US" altLang="ja-JP" sz="1800" b="0" dirty="0">
+                          <a:latin typeface="+mn-lt"/>
+                        </a:rPr>
+                        <a:t>6s </a:t>
+                      </a:r>
+                      <a:r>
+                        <a:rPr kumimoji="1" lang="en-US" altLang="ja-JP" sz="1800" b="0" dirty="0">
+                          <a:solidFill>
+                            <a:schemeClr val="tx1"/>
+                          </a:solidFill>
+                          <a:latin typeface="+mn-lt"/>
+                        </a:rPr>
+                        <a:t>(</a:t>
+                      </a:r>
+                      <a:r>
+                        <a:rPr lang="en-US" altLang="ja-JP" sz="1800" b="0" i="0" u="none" strike="noStrike" baseline="30000" dirty="0">
+                          <a:solidFill>
+                            <a:schemeClr val="tx1"/>
+                          </a:solidFill>
+                          <a:effectLst/>
+                          <a:latin typeface="+mn-lt"/>
+                          <a:ea typeface="游ゴシック" panose="020B0400000000000000" pitchFamily="50" charset="-128"/>
+                        </a:rPr>
+                        <a:t>3</a:t>
+                      </a:r>
+                      <a:r>
+                        <a:rPr lang="en-US" altLang="ja-JP" sz="1800" b="0" i="0" u="none" strike="noStrike" dirty="0">
+                          <a:solidFill>
+                            <a:schemeClr val="tx1"/>
+                          </a:solidFill>
+                          <a:effectLst/>
+                          <a:latin typeface="+mn-lt"/>
+                          <a:ea typeface="游ゴシック" panose="020B0400000000000000" pitchFamily="50" charset="-128"/>
+                        </a:rPr>
+                        <a:t>P</a:t>
+                      </a:r>
+                      <a:r>
+                        <a:rPr lang="en-US" altLang="ja-JP" sz="1800" b="0" i="0" u="none" strike="noStrike" baseline="-25000" dirty="0">
+                          <a:solidFill>
+                            <a:schemeClr val="tx1"/>
+                          </a:solidFill>
+                          <a:effectLst/>
+                          <a:latin typeface="+mn-lt"/>
+                          <a:ea typeface="游ゴシック" panose="020B0400000000000000" pitchFamily="50" charset="-128"/>
+                        </a:rPr>
+                        <a:t>1</a:t>
+                      </a:r>
+                      <a:r>
+                        <a:rPr kumimoji="1" lang="en-US" altLang="ja-JP" sz="1800" b="0" dirty="0">
+                          <a:latin typeface="+mn-lt"/>
+                        </a:rPr>
+                        <a:t>)</a:t>
+                      </a:r>
+                      <a:r>
+                        <a:rPr kumimoji="1" lang="ja-JP" altLang="en-US" sz="1800" b="0" dirty="0">
+                          <a:latin typeface="+mn-lt"/>
+                        </a:rPr>
+                        <a:t>➔</a:t>
+                      </a:r>
+                      <a:r>
+                        <a:rPr kumimoji="1" lang="en-US" altLang="ja-JP" sz="1800" b="0" dirty="0">
+                          <a:latin typeface="+mn-lt"/>
+                        </a:rPr>
+                        <a:t>5p</a:t>
+                      </a:r>
+                      <a:r>
+                        <a:rPr kumimoji="1" lang="en-US" altLang="ja-JP" sz="1800" b="0" baseline="30000" dirty="0">
+                          <a:latin typeface="+mn-lt"/>
+                        </a:rPr>
+                        <a:t>6</a:t>
+                      </a:r>
+                      <a:endParaRPr kumimoji="1" lang="ja-JP" altLang="en-US" sz="1800" b="0" baseline="30000" dirty="0">
+                        <a:latin typeface="+mn-lt"/>
+                      </a:endParaRPr>
+                    </a:p>
+                  </a:txBody>
+                  <a:tcPr/>
+                </a:tc>
+                <a:tc>
+                  <a:txBody>
+                    <a:bodyPr/>
+                    <a:lstStyle/>
+                    <a:p>
+                      <a:pPr marL="0" marR="0" lvl="0" indent="0" algn="ctr" defTabSz="914400" rtl="0" eaLnBrk="1" fontAlgn="auto" latinLnBrk="0" hangingPunct="1">
+                        <a:lnSpc>
+                          <a:spcPct val="100000"/>
+                        </a:lnSpc>
+                        <a:spcBef>
+                          <a:spcPts val="0"/>
+                        </a:spcBef>
+                        <a:spcAft>
+                          <a:spcPts val="0"/>
+                        </a:spcAft>
+                        <a:buClrTx/>
+                        <a:buSzTx/>
+                        <a:buFontTx/>
+                        <a:buNone/>
+                        <a:tabLst/>
+                        <a:defRPr/>
+                      </a:pPr>
+                      <a:r>
+                        <a:rPr kumimoji="1" lang="en-US" altLang="ja-JP" sz="1800" b="0" dirty="0">
+                          <a:latin typeface="+mn-lt"/>
+                        </a:rPr>
+                        <a:t>5p</a:t>
+                      </a:r>
+                      <a:r>
+                        <a:rPr kumimoji="1" lang="en-US" altLang="ja-JP" sz="1800" b="0" baseline="30000" dirty="0">
+                          <a:latin typeface="+mn-lt"/>
+                        </a:rPr>
+                        <a:t>5</a:t>
+                      </a:r>
+                      <a:r>
+                        <a:rPr kumimoji="1" lang="en-US" altLang="ja-JP" sz="1800" b="0" dirty="0">
+                          <a:latin typeface="+mn-lt"/>
+                        </a:rPr>
+                        <a:t>6s </a:t>
+                      </a:r>
+                      <a:r>
+                        <a:rPr kumimoji="1" lang="en-US" altLang="ja-JP" sz="1800" b="0" dirty="0">
+                          <a:solidFill>
+                            <a:schemeClr val="tx1"/>
+                          </a:solidFill>
+                          <a:latin typeface="+mn-lt"/>
+                        </a:rPr>
+                        <a:t>(</a:t>
+                      </a:r>
+                      <a:r>
+                        <a:rPr lang="en-US" altLang="ja-JP" sz="1800" b="0" i="0" u="none" strike="noStrike" baseline="30000" dirty="0">
+                          <a:solidFill>
+                            <a:schemeClr val="tx1"/>
+                          </a:solidFill>
+                          <a:effectLst/>
+                          <a:latin typeface="+mn-lt"/>
+                          <a:ea typeface="游ゴシック" panose="020B0400000000000000" pitchFamily="50" charset="-128"/>
+                        </a:rPr>
+                        <a:t>1</a:t>
+                      </a:r>
+                      <a:r>
+                        <a:rPr lang="en-US" altLang="ja-JP" sz="1800" b="0" i="0" u="none" strike="noStrike" dirty="0">
+                          <a:solidFill>
+                            <a:schemeClr val="tx1"/>
+                          </a:solidFill>
+                          <a:effectLst/>
+                          <a:latin typeface="+mn-lt"/>
+                          <a:ea typeface="游ゴシック" panose="020B0400000000000000" pitchFamily="50" charset="-128"/>
+                        </a:rPr>
+                        <a:t>P</a:t>
+                      </a:r>
+                      <a:r>
+                        <a:rPr lang="en-US" altLang="ja-JP" sz="1800" b="0" i="0" u="none" strike="noStrike" baseline="-25000" dirty="0">
+                          <a:solidFill>
+                            <a:schemeClr val="tx1"/>
+                          </a:solidFill>
+                          <a:effectLst/>
+                          <a:latin typeface="+mn-lt"/>
+                          <a:ea typeface="游ゴシック" panose="020B0400000000000000" pitchFamily="50" charset="-128"/>
+                        </a:rPr>
+                        <a:t>1</a:t>
+                      </a:r>
+                      <a:r>
+                        <a:rPr kumimoji="1" lang="en-US" altLang="ja-JP" sz="1800" b="0" dirty="0">
+                          <a:latin typeface="+mn-lt"/>
+                        </a:rPr>
+                        <a:t>)</a:t>
+                      </a:r>
+                      <a:r>
+                        <a:rPr kumimoji="1" lang="ja-JP" altLang="en-US" sz="1800" b="0" dirty="0">
+                          <a:latin typeface="+mn-lt"/>
+                        </a:rPr>
+                        <a:t>➔</a:t>
+                      </a:r>
+                      <a:r>
+                        <a:rPr kumimoji="1" lang="en-US" altLang="ja-JP" sz="1800" b="0" dirty="0">
+                          <a:latin typeface="+mn-lt"/>
+                        </a:rPr>
+                        <a:t>5p</a:t>
+                      </a:r>
+                      <a:r>
+                        <a:rPr kumimoji="1" lang="en-US" altLang="ja-JP" sz="1800" b="0" baseline="30000" dirty="0">
+                          <a:latin typeface="+mn-lt"/>
+                        </a:rPr>
+                        <a:t>6</a:t>
+                      </a:r>
+                      <a:endParaRPr kumimoji="1" lang="ja-JP" altLang="en-US" sz="1800" b="0" baseline="30000" dirty="0">
+                        <a:latin typeface="+mn-lt"/>
+                      </a:endParaRPr>
+                    </a:p>
+                  </a:txBody>
+                  <a:tcPr/>
+                </a:tc>
+                <a:tc>
+                  <a:txBody>
+                    <a:bodyPr/>
+                    <a:lstStyle/>
+                    <a:p>
+                      <a:pPr algn="ctr"/>
+                      <a:r>
+                        <a:rPr kumimoji="1" lang="en-US" altLang="ja-JP" sz="1800" b="0" dirty="0">
+                          <a:latin typeface="+mn-lt"/>
+                        </a:rPr>
+                        <a:t>K-L</a:t>
+                      </a:r>
+                      <a:r>
+                        <a:rPr kumimoji="1" lang="en-US" altLang="ja-JP" sz="1800" b="0" baseline="-25000" dirty="0">
+                          <a:latin typeface="+mn-lt"/>
+                        </a:rPr>
+                        <a:t>2 </a:t>
+                      </a:r>
+                      <a:r>
+                        <a:rPr kumimoji="1" lang="en-US" altLang="ja-JP" sz="1800" b="0" baseline="0" dirty="0">
+                          <a:latin typeface="+mn-lt"/>
+                        </a:rPr>
+                        <a:t>and </a:t>
+                      </a:r>
+                      <a:br>
+                        <a:rPr kumimoji="1" lang="en-US" altLang="ja-JP" sz="1800" b="0" baseline="0" dirty="0">
+                          <a:latin typeface="+mn-lt"/>
+                        </a:rPr>
+                      </a:br>
+                      <a:r>
+                        <a:rPr kumimoji="1" lang="en-US" altLang="ja-JP" sz="1800" b="0" baseline="0" dirty="0">
+                          <a:latin typeface="+mn-lt"/>
+                        </a:rPr>
+                        <a:t>K-L</a:t>
+                      </a:r>
+                      <a:r>
+                        <a:rPr kumimoji="1" lang="en-US" altLang="ja-JP" sz="1800" b="0" baseline="-25000" dirty="0">
+                          <a:latin typeface="+mn-lt"/>
+                        </a:rPr>
+                        <a:t>3</a:t>
+                      </a:r>
+                      <a:endParaRPr kumimoji="1" lang="ja-JP" altLang="en-US" sz="1800" b="0" baseline="-25000" dirty="0">
+                        <a:latin typeface="+mn-lt"/>
+                      </a:endParaRPr>
+                    </a:p>
+                  </a:txBody>
+                  <a:tcPr/>
+                </a:tc>
+                <a:tc>
+                  <a:txBody>
+                    <a:bodyPr/>
+                    <a:lstStyle/>
+                    <a:p>
+                      <a:pPr marL="0" marR="0" lvl="0" indent="0" algn="ctr" defTabSz="914400" rtl="0" eaLnBrk="1" fontAlgn="auto" latinLnBrk="0" hangingPunct="1">
+                        <a:lnSpc>
+                          <a:spcPct val="100000"/>
+                        </a:lnSpc>
+                        <a:spcBef>
+                          <a:spcPts val="0"/>
+                        </a:spcBef>
+                        <a:spcAft>
+                          <a:spcPts val="0"/>
+                        </a:spcAft>
+                        <a:buClrTx/>
+                        <a:buSzTx/>
+                        <a:buFontTx/>
+                        <a:buNone/>
+                        <a:tabLst/>
+                        <a:defRPr/>
+                      </a:pPr>
+                      <a:r>
+                        <a:rPr kumimoji="1" lang="en-US" altLang="ja-JP" sz="1800" b="0" dirty="0">
+                          <a:latin typeface="+mn-lt"/>
+                        </a:rPr>
+                        <a:t>K-L</a:t>
+                      </a:r>
+                      <a:r>
+                        <a:rPr kumimoji="1" lang="en-US" altLang="ja-JP" sz="1800" b="0" baseline="-25000" dirty="0">
+                          <a:latin typeface="+mn-lt"/>
+                        </a:rPr>
+                        <a:t>2 </a:t>
+                      </a:r>
+                      <a:r>
+                        <a:rPr kumimoji="1" lang="en-US" altLang="ja-JP" sz="1800" b="0" baseline="0" dirty="0">
+                          <a:latin typeface="+mn-lt"/>
+                        </a:rPr>
+                        <a:t>and </a:t>
+                      </a:r>
+                      <a:br>
+                        <a:rPr kumimoji="1" lang="en-US" altLang="ja-JP" sz="1800" b="0" baseline="0" dirty="0">
+                          <a:latin typeface="+mn-lt"/>
+                        </a:rPr>
+                      </a:br>
+                      <a:r>
+                        <a:rPr kumimoji="1" lang="en-US" altLang="ja-JP" sz="1800" b="0" baseline="0" dirty="0">
+                          <a:latin typeface="+mn-lt"/>
+                        </a:rPr>
+                        <a:t>K-L</a:t>
+                      </a:r>
+                      <a:r>
+                        <a:rPr kumimoji="1" lang="en-US" altLang="ja-JP" sz="1800" b="0" baseline="-25000" dirty="0">
+                          <a:latin typeface="+mn-lt"/>
+                        </a:rPr>
+                        <a:t>3</a:t>
+                      </a:r>
+                      <a:endParaRPr kumimoji="1" lang="ja-JP" altLang="en-US" sz="1800" b="0" baseline="-25000" dirty="0">
+                        <a:latin typeface="+mn-lt"/>
+                      </a:endParaRPr>
+                    </a:p>
+                  </a:txBody>
+                  <a:tcPr/>
+                </a:tc>
+                <a:extLst>
+                  <a:ext uri="{0D108BD9-81ED-4DB2-BD59-A6C34878D82A}">
+                    <a16:rowId xmlns:a16="http://schemas.microsoft.com/office/drawing/2014/main" val="1889707634"/>
+                  </a:ext>
+                </a:extLst>
+              </a:tr>
+              <a:tr h="370840">
+                <a:tc gridSpan="2">
+                  <a:txBody>
+                    <a:bodyPr/>
+                    <a:lstStyle/>
+                    <a:p>
+                      <a:pPr algn="ctr"/>
+                      <a:r>
+                        <a:rPr kumimoji="1" lang="en-US" altLang="ja-JP" sz="1800" b="0" dirty="0">
+                          <a:latin typeface="+mn-lt"/>
+                        </a:rPr>
+                        <a:t>Intensity</a:t>
+                      </a:r>
+                      <a:r>
+                        <a:rPr kumimoji="1" lang="ja-JP" altLang="en-US" sz="1800" b="0">
+                          <a:latin typeface="+mn-lt"/>
+                        </a:rPr>
+                        <a:t> </a:t>
+                      </a:r>
+                      <a:r>
+                        <a:rPr kumimoji="1" lang="en-US" altLang="ja-JP" sz="1800" b="0" dirty="0">
+                          <a:latin typeface="+mn-lt"/>
+                        </a:rPr>
+                        <a:t>(% of </a:t>
+                      </a:r>
+                      <a:br>
+                        <a:rPr kumimoji="1" lang="en-US" altLang="ja-JP" sz="1800" b="0" dirty="0">
+                          <a:latin typeface="+mn-lt"/>
+                        </a:rPr>
+                      </a:br>
+                      <a:r>
+                        <a:rPr kumimoji="1" lang="en-US" altLang="ja-JP" sz="1800" b="0" dirty="0">
+                          <a:latin typeface="+mn-lt"/>
+                        </a:rPr>
+                        <a:t>the total intensity)</a:t>
+                      </a:r>
+                    </a:p>
+                  </a:txBody>
+                  <a:tcPr/>
+                </a:tc>
+                <a:tc hMerge="1">
+                  <a:txBody>
+                    <a:bodyPr/>
+                    <a:lstStyle/>
+                    <a:p>
+                      <a:endParaRPr kumimoji="1" lang="ja-JP" altLang="en-US"/>
+                    </a:p>
+                  </a:txBody>
+                  <a:tcPr/>
+                </a:tc>
+                <a:tc>
+                  <a:txBody>
+                    <a:bodyPr/>
+                    <a:lstStyle/>
+                    <a:p>
+                      <a:pPr algn="ctr"/>
+                      <a:r>
+                        <a:rPr kumimoji="1" lang="en-US" altLang="ja-JP" sz="1800" b="0" dirty="0">
+                          <a:latin typeface="+mn-lt"/>
+                        </a:rPr>
+                        <a:t>Strongest of He</a:t>
+                      </a:r>
+                      <a:endParaRPr kumimoji="1" lang="ja-JP" altLang="en-US" sz="1800" b="0" dirty="0">
+                        <a:latin typeface="+mn-lt"/>
+                      </a:endParaRPr>
+                    </a:p>
+                  </a:txBody>
+                  <a:tcPr/>
+                </a:tc>
+                <a:tc>
+                  <a:txBody>
+                    <a:bodyPr/>
+                    <a:lstStyle/>
+                    <a:p>
+                      <a:pPr algn="ctr"/>
+                      <a:r>
+                        <a:rPr kumimoji="1" lang="en-US" altLang="ja-JP" sz="1800" b="0" dirty="0">
+                          <a:latin typeface="+mn-lt"/>
+                        </a:rPr>
+                        <a:t>6 % of </a:t>
+                      </a:r>
+                      <a:br>
+                        <a:rPr kumimoji="1" lang="en-US" altLang="ja-JP" sz="1800" b="0" dirty="0">
+                          <a:latin typeface="+mn-lt"/>
+                        </a:rPr>
+                      </a:br>
+                      <a:r>
+                        <a:rPr kumimoji="1" lang="en-US" altLang="ja-JP" sz="1800" b="0" dirty="0">
+                          <a:latin typeface="+mn-lt"/>
+                        </a:rPr>
+                        <a:t>He I</a:t>
+                      </a:r>
+                      <a:r>
+                        <a:rPr kumimoji="1" lang="el-GR" altLang="ja-JP" sz="1800" b="0" dirty="0">
+                          <a:latin typeface="+mn-lt"/>
+                        </a:rPr>
+                        <a:t>α</a:t>
+                      </a:r>
+                      <a:endParaRPr kumimoji="1" lang="ja-JP" altLang="en-US" sz="1800" b="0" dirty="0">
+                        <a:latin typeface="+mn-lt"/>
+                      </a:endParaRPr>
+                    </a:p>
+                  </a:txBody>
+                  <a:tcPr/>
+                </a:tc>
+                <a:tc>
+                  <a:txBody>
+                    <a:bodyPr/>
+                    <a:lstStyle/>
+                    <a:p>
+                      <a:pPr marL="0" marR="0" lvl="0" indent="0" algn="ctr" defTabSz="914400" rtl="0" eaLnBrk="1" fontAlgn="auto" latinLnBrk="0" hangingPunct="1">
+                        <a:lnSpc>
+                          <a:spcPct val="100000"/>
+                        </a:lnSpc>
+                        <a:spcBef>
+                          <a:spcPts val="0"/>
+                        </a:spcBef>
+                        <a:spcAft>
+                          <a:spcPts val="0"/>
+                        </a:spcAft>
+                        <a:buClrTx/>
+                        <a:buSzTx/>
+                        <a:buFontTx/>
+                        <a:buNone/>
+                        <a:tabLst/>
+                        <a:defRPr/>
+                      </a:pPr>
+                      <a:r>
+                        <a:rPr kumimoji="1" lang="en-US" altLang="ja-JP" sz="1800" b="0" dirty="0">
+                          <a:latin typeface="+mn-lt"/>
+                        </a:rPr>
+                        <a:t>6 % of </a:t>
+                      </a:r>
+                      <a:br>
+                        <a:rPr kumimoji="1" lang="en-US" altLang="ja-JP" sz="1800" b="0" dirty="0">
+                          <a:latin typeface="+mn-lt"/>
+                        </a:rPr>
+                      </a:br>
+                      <a:r>
+                        <a:rPr kumimoji="1" lang="en-US" altLang="ja-JP" sz="1800" b="0" dirty="0">
+                          <a:latin typeface="+mn-lt"/>
+                        </a:rPr>
+                        <a:t>He I</a:t>
+                      </a:r>
+                      <a:r>
+                        <a:rPr kumimoji="1" lang="el-GR" altLang="ja-JP" sz="1800" b="0" dirty="0">
+                          <a:latin typeface="+mn-lt"/>
+                        </a:rPr>
+                        <a:t>α</a:t>
+                      </a:r>
+                      <a:endParaRPr kumimoji="1" lang="ja-JP" altLang="en-US" sz="1800" b="0" dirty="0">
+                        <a:latin typeface="+mn-lt"/>
+                      </a:endParaRPr>
+                    </a:p>
+                  </a:txBody>
+                  <a:tcPr/>
+                </a:tc>
+                <a:tc>
+                  <a:txBody>
+                    <a:bodyPr/>
+                    <a:lstStyle/>
+                    <a:p>
+                      <a:pPr marL="0" marR="0" lvl="0" indent="0" algn="ctr" defTabSz="914400" rtl="0" eaLnBrk="1" fontAlgn="auto" latinLnBrk="0" hangingPunct="1">
+                        <a:lnSpc>
+                          <a:spcPct val="100000"/>
+                        </a:lnSpc>
+                        <a:spcBef>
+                          <a:spcPts val="0"/>
+                        </a:spcBef>
+                        <a:spcAft>
+                          <a:spcPts val="0"/>
+                        </a:spcAft>
+                        <a:buClrTx/>
+                        <a:buSzTx/>
+                        <a:buFontTx/>
+                        <a:buNone/>
+                        <a:tabLst/>
+                        <a:defRPr/>
+                      </a:pPr>
+                      <a:r>
+                        <a:rPr kumimoji="1" lang="en-US" altLang="ja-JP" sz="1800" b="0" dirty="0">
+                          <a:latin typeface="+mn-lt"/>
+                        </a:rPr>
+                        <a:t>Strongest of Xe I</a:t>
+                      </a:r>
+                      <a:r>
+                        <a:rPr kumimoji="1" lang="el-GR" altLang="ja-JP" sz="1800" b="0" dirty="0">
+                          <a:latin typeface="+mn-lt"/>
+                        </a:rPr>
+                        <a:t>α</a:t>
+                      </a:r>
+                      <a:endParaRPr kumimoji="1" lang="ja-JP" altLang="en-US" sz="1800" b="0" dirty="0">
+                        <a:latin typeface="+mn-lt"/>
+                      </a:endParaRPr>
+                    </a:p>
+                  </a:txBody>
+                  <a:tcPr/>
+                </a:tc>
+                <a:tc>
+                  <a:txBody>
+                    <a:bodyPr/>
+                    <a:lstStyle/>
+                    <a:p>
+                      <a:pPr marL="0" marR="0" lvl="0" indent="0" algn="ctr" defTabSz="914400" rtl="0" eaLnBrk="1" fontAlgn="auto" latinLnBrk="0" hangingPunct="1">
+                        <a:lnSpc>
+                          <a:spcPct val="100000"/>
+                        </a:lnSpc>
+                        <a:spcBef>
+                          <a:spcPts val="0"/>
+                        </a:spcBef>
+                        <a:spcAft>
+                          <a:spcPts val="0"/>
+                        </a:spcAft>
+                        <a:buClrTx/>
+                        <a:buSzTx/>
+                        <a:buFontTx/>
+                        <a:buNone/>
+                        <a:tabLst/>
+                        <a:defRPr/>
+                      </a:pPr>
+                      <a:r>
+                        <a:rPr kumimoji="1" lang="en-US" altLang="ja-JP" sz="1800" b="0" dirty="0">
+                          <a:latin typeface="+mn-lt"/>
+                        </a:rPr>
+                        <a:t>18 % of </a:t>
+                      </a:r>
+                      <a:br>
+                        <a:rPr kumimoji="1" lang="en-US" altLang="ja-JP" sz="1800" b="0" dirty="0">
+                          <a:latin typeface="+mn-lt"/>
+                        </a:rPr>
+                      </a:br>
+                      <a:r>
+                        <a:rPr kumimoji="1" lang="en-US" altLang="ja-JP" sz="1800" b="0" dirty="0">
+                          <a:latin typeface="+mn-lt"/>
+                        </a:rPr>
+                        <a:t>Xe I</a:t>
+                      </a:r>
+                      <a:r>
+                        <a:rPr kumimoji="1" lang="el-GR" altLang="ja-JP" sz="1800" b="0" dirty="0">
+                          <a:latin typeface="+mn-lt"/>
+                        </a:rPr>
+                        <a:t>α</a:t>
+                      </a:r>
+                      <a:endParaRPr kumimoji="1" lang="ja-JP" altLang="en-US" sz="1800" b="0" dirty="0">
+                        <a:latin typeface="+mn-lt"/>
+                      </a:endParaRPr>
+                    </a:p>
+                  </a:txBody>
+                  <a:tcPr/>
+                </a:tc>
+                <a:tc>
+                  <a:txBody>
+                    <a:bodyPr/>
+                    <a:lstStyle/>
+                    <a:p>
+                      <a:pPr algn="ctr"/>
+                      <a:r>
+                        <a:rPr kumimoji="1" lang="en-US" altLang="ja-JP" sz="1800" b="0" dirty="0">
+                          <a:latin typeface="+mn-lt"/>
+                        </a:rPr>
+                        <a:t>-</a:t>
+                      </a:r>
+                      <a:endParaRPr kumimoji="1" lang="ja-JP" altLang="en-US" sz="1800" b="0" dirty="0">
+                        <a:latin typeface="+mn-lt"/>
+                      </a:endParaRPr>
+                    </a:p>
+                  </a:txBody>
+                  <a:tcPr/>
+                </a:tc>
+                <a:tc>
+                  <a:txBody>
+                    <a:bodyPr/>
+                    <a:lstStyle/>
+                    <a:p>
+                      <a:pPr algn="ctr"/>
+                      <a:r>
+                        <a:rPr kumimoji="1" lang="en-US" altLang="ja-JP" sz="1800" b="0" dirty="0">
+                          <a:latin typeface="+mn-lt"/>
+                        </a:rPr>
+                        <a:t>-</a:t>
+                      </a:r>
+                      <a:endParaRPr kumimoji="1" lang="ja-JP" altLang="en-US" sz="1800" b="0" dirty="0">
+                        <a:latin typeface="+mn-lt"/>
+                      </a:endParaRPr>
+                    </a:p>
+                  </a:txBody>
+                  <a:tcPr/>
+                </a:tc>
+                <a:extLst>
+                  <a:ext uri="{0D108BD9-81ED-4DB2-BD59-A6C34878D82A}">
+                    <a16:rowId xmlns:a16="http://schemas.microsoft.com/office/drawing/2014/main" val="1095485988"/>
+                  </a:ext>
+                </a:extLst>
+              </a:tr>
+              <a:tr h="370840">
+                <a:tc gridSpan="2">
+                  <a:txBody>
+                    <a:bodyPr/>
+                    <a:lstStyle/>
+                    <a:p>
+                      <a:pPr algn="ctr"/>
+                      <a:r>
+                        <a:rPr kumimoji="1" lang="en-US" altLang="ja-JP" sz="1800" b="0" dirty="0">
+                          <a:latin typeface="+mn-lt"/>
+                        </a:rPr>
+                        <a:t>Photon energy</a:t>
+                      </a:r>
+                      <a:endParaRPr kumimoji="1" lang="ja-JP" altLang="en-US" sz="1800" b="0" dirty="0">
+                        <a:latin typeface="+mn-lt"/>
+                      </a:endParaRPr>
+                    </a:p>
+                  </a:txBody>
+                  <a:tcPr/>
+                </a:tc>
+                <a:tc hMerge="1">
+                  <a:txBody>
+                    <a:bodyPr/>
+                    <a:lstStyle/>
+                    <a:p>
+                      <a:endParaRPr kumimoji="1" lang="ja-JP" altLang="en-US"/>
+                    </a:p>
+                  </a:txBody>
+                  <a:tcPr/>
+                </a:tc>
+                <a:tc>
+                  <a:txBody>
+                    <a:bodyPr/>
+                    <a:lstStyle/>
+                    <a:p>
+                      <a:pPr algn="ctr"/>
+                      <a:r>
+                        <a:rPr kumimoji="1" lang="en-US" altLang="ja-JP" sz="1800" b="0" dirty="0">
+                          <a:latin typeface="+mn-lt"/>
+                        </a:rPr>
+                        <a:t>21.218 eV</a:t>
+                      </a:r>
+                      <a:endParaRPr kumimoji="1" lang="ja-JP" altLang="en-US" sz="1800" b="0" dirty="0">
+                        <a:latin typeface="+mn-lt"/>
+                      </a:endParaRPr>
+                    </a:p>
+                  </a:txBody>
+                  <a:tcPr/>
+                </a:tc>
+                <a:tc>
+                  <a:txBody>
+                    <a:bodyPr/>
+                    <a:lstStyle/>
+                    <a:p>
+                      <a:pPr algn="ctr"/>
+                      <a:r>
+                        <a:rPr kumimoji="1" lang="en-US" altLang="ja-JP" sz="1800" b="0" dirty="0">
+                          <a:latin typeface="+mn-lt"/>
+                        </a:rPr>
+                        <a:t>23.087 eV</a:t>
+                      </a:r>
+                      <a:endParaRPr kumimoji="1" lang="ja-JP" altLang="en-US" sz="1800" b="0" dirty="0">
+                        <a:latin typeface="+mn-lt"/>
+                      </a:endParaRPr>
+                    </a:p>
+                  </a:txBody>
+                  <a:tcPr/>
+                </a:tc>
+                <a:tc>
+                  <a:txBody>
+                    <a:bodyPr/>
+                    <a:lstStyle/>
+                    <a:p>
+                      <a:pPr algn="ctr"/>
+                      <a:r>
+                        <a:rPr kumimoji="1" lang="en-US" altLang="ja-JP" sz="1800" b="0" dirty="0">
+                          <a:latin typeface="+mn-lt"/>
+                        </a:rPr>
+                        <a:t>40.814 eV</a:t>
+                      </a:r>
+                      <a:endParaRPr kumimoji="1" lang="ja-JP" altLang="en-US" sz="1800" b="0" dirty="0">
+                        <a:latin typeface="+mn-lt"/>
+                      </a:endParaRPr>
+                    </a:p>
+                  </a:txBody>
+                  <a:tcPr/>
+                </a:tc>
+                <a:tc>
+                  <a:txBody>
+                    <a:bodyPr/>
+                    <a:lstStyle/>
+                    <a:p>
+                      <a:pPr algn="ctr"/>
+                      <a:r>
+                        <a:rPr kumimoji="1" lang="en-US" altLang="ja-JP" sz="1800" b="0" dirty="0">
+                          <a:latin typeface="+mn-lt"/>
+                        </a:rPr>
+                        <a:t>8.437 eV</a:t>
+                      </a:r>
+                      <a:endParaRPr kumimoji="1" lang="ja-JP" altLang="en-US" sz="1800" b="0" dirty="0">
+                        <a:latin typeface="+mn-lt"/>
+                      </a:endParaRPr>
+                    </a:p>
+                  </a:txBody>
+                  <a:tcPr/>
+                </a:tc>
+                <a:tc>
+                  <a:txBody>
+                    <a:bodyPr/>
+                    <a:lstStyle/>
+                    <a:p>
+                      <a:pPr algn="ctr"/>
+                      <a:r>
+                        <a:rPr kumimoji="1" lang="en-US" altLang="ja-JP" sz="1800" b="0" dirty="0">
+                          <a:latin typeface="+mn-lt"/>
+                        </a:rPr>
+                        <a:t>9.570 eV</a:t>
+                      </a:r>
+                      <a:endParaRPr kumimoji="1" lang="ja-JP" altLang="en-US" sz="1800" b="0" dirty="0">
+                        <a:latin typeface="+mn-lt"/>
+                      </a:endParaRPr>
+                    </a:p>
+                  </a:txBody>
+                  <a:tcPr/>
+                </a:tc>
+                <a:tc>
+                  <a:txBody>
+                    <a:bodyPr/>
+                    <a:lstStyle/>
+                    <a:p>
+                      <a:pPr algn="ctr"/>
+                      <a:r>
+                        <a:rPr kumimoji="1" lang="en-US" altLang="ja-JP" sz="1800" b="0" dirty="0">
+                          <a:latin typeface="+mn-lt"/>
+                        </a:rPr>
+                        <a:t>1486.65 eV</a:t>
+                      </a:r>
+                      <a:endParaRPr kumimoji="1" lang="ja-JP" altLang="en-US" sz="1800" b="0" dirty="0">
+                        <a:latin typeface="+mn-lt"/>
+                      </a:endParaRPr>
+                    </a:p>
+                  </a:txBody>
+                  <a:tcPr/>
+                </a:tc>
+                <a:tc>
+                  <a:txBody>
+                    <a:bodyPr/>
+                    <a:lstStyle/>
+                    <a:p>
+                      <a:pPr algn="ctr"/>
+                      <a:r>
+                        <a:rPr kumimoji="1" lang="en-US" altLang="ja-JP" sz="1800" b="0" dirty="0">
+                          <a:latin typeface="+mn-lt"/>
+                        </a:rPr>
+                        <a:t>1253.64 eV</a:t>
+                      </a:r>
+                      <a:endParaRPr kumimoji="1" lang="ja-JP" altLang="en-US" sz="1800" b="0" dirty="0">
+                        <a:latin typeface="+mn-lt"/>
+                      </a:endParaRPr>
+                    </a:p>
+                  </a:txBody>
+                  <a:tcPr/>
+                </a:tc>
+                <a:extLst>
+                  <a:ext uri="{0D108BD9-81ED-4DB2-BD59-A6C34878D82A}">
+                    <a16:rowId xmlns:a16="http://schemas.microsoft.com/office/drawing/2014/main" val="2469385879"/>
+                  </a:ext>
+                </a:extLst>
+              </a:tr>
+              <a:tr h="370840">
+                <a:tc gridSpan="2">
+                  <a:txBody>
+                    <a:bodyPr/>
+                    <a:lstStyle/>
+                    <a:p>
+                      <a:pPr algn="ctr"/>
+                      <a:r>
+                        <a:rPr kumimoji="1" lang="en-US" altLang="ja-JP" sz="1800" b="0" dirty="0">
+                          <a:latin typeface="+mn-lt"/>
+                        </a:rPr>
+                        <a:t>Photon linewidth</a:t>
+                      </a:r>
+                      <a:endParaRPr kumimoji="1" lang="ja-JP" altLang="en-US" sz="1800" b="0" dirty="0">
+                        <a:latin typeface="+mn-lt"/>
+                      </a:endParaRPr>
+                    </a:p>
+                  </a:txBody>
+                  <a:tcPr/>
+                </a:tc>
+                <a:tc hMerge="1">
+                  <a:txBody>
+                    <a:bodyPr/>
+                    <a:lstStyle/>
+                    <a:p>
+                      <a:endParaRPr kumimoji="1" lang="ja-JP" altLang="en-US"/>
+                    </a:p>
+                  </a:txBody>
+                  <a:tcPr/>
+                </a:tc>
+                <a:tc>
+                  <a:txBody>
+                    <a:bodyPr/>
+                    <a:lstStyle/>
+                    <a:p>
+                      <a:pPr algn="ctr"/>
+                      <a:r>
+                        <a:rPr kumimoji="1" lang="en-US" altLang="ja-JP" sz="1800" b="0" dirty="0">
+                          <a:latin typeface="+mn-lt"/>
+                        </a:rPr>
+                        <a:t>&lt;1 </a:t>
+                      </a:r>
+                      <a:r>
+                        <a:rPr kumimoji="1" lang="en-US" altLang="ja-JP" sz="1800" b="0" dirty="0" err="1">
+                          <a:latin typeface="+mn-lt"/>
+                        </a:rPr>
+                        <a:t>meV</a:t>
+                      </a:r>
+                      <a:endParaRPr kumimoji="1" lang="ja-JP" altLang="en-US" sz="1800" b="0" dirty="0">
+                        <a:latin typeface="+mn-lt"/>
+                      </a:endParaRPr>
+                    </a:p>
+                  </a:txBody>
+                  <a:tcPr/>
+                </a:tc>
+                <a:tc>
+                  <a:txBody>
+                    <a:bodyPr/>
+                    <a:lstStyle/>
+                    <a:p>
+                      <a:pPr marL="0" marR="0" lvl="0" indent="0" algn="ctr" defTabSz="914400" rtl="0" eaLnBrk="1" fontAlgn="auto" latinLnBrk="0" hangingPunct="1">
+                        <a:lnSpc>
+                          <a:spcPct val="100000"/>
+                        </a:lnSpc>
+                        <a:spcBef>
+                          <a:spcPts val="0"/>
+                        </a:spcBef>
+                        <a:spcAft>
+                          <a:spcPts val="0"/>
+                        </a:spcAft>
+                        <a:buClrTx/>
+                        <a:buSzTx/>
+                        <a:buFontTx/>
+                        <a:buNone/>
+                        <a:tabLst/>
+                        <a:defRPr/>
+                      </a:pPr>
+                      <a:r>
+                        <a:rPr kumimoji="1" lang="en-US" altLang="ja-JP" sz="1800" b="0" dirty="0">
+                          <a:latin typeface="+mn-lt"/>
+                        </a:rPr>
+                        <a:t>&lt;1 </a:t>
+                      </a:r>
+                      <a:r>
+                        <a:rPr kumimoji="1" lang="en-US" altLang="ja-JP" sz="1800" b="0" dirty="0" err="1">
+                          <a:latin typeface="+mn-lt"/>
+                        </a:rPr>
+                        <a:t>meV</a:t>
+                      </a:r>
+                      <a:endParaRPr kumimoji="1" lang="ja-JP" altLang="en-US" sz="1800" b="0" dirty="0">
+                        <a:latin typeface="+mn-lt"/>
+                      </a:endParaRPr>
+                    </a:p>
+                  </a:txBody>
+                  <a:tcPr/>
+                </a:tc>
+                <a:tc>
+                  <a:txBody>
+                    <a:bodyPr/>
+                    <a:lstStyle/>
+                    <a:p>
+                      <a:pPr marL="0" marR="0" lvl="0" indent="0" algn="ctr" defTabSz="914400" rtl="0" eaLnBrk="1" fontAlgn="auto" latinLnBrk="0" hangingPunct="1">
+                        <a:lnSpc>
+                          <a:spcPct val="100000"/>
+                        </a:lnSpc>
+                        <a:spcBef>
+                          <a:spcPts val="0"/>
+                        </a:spcBef>
+                        <a:spcAft>
+                          <a:spcPts val="0"/>
+                        </a:spcAft>
+                        <a:buClrTx/>
+                        <a:buSzTx/>
+                        <a:buFontTx/>
+                        <a:buNone/>
+                        <a:tabLst/>
+                        <a:defRPr/>
+                      </a:pPr>
+                      <a:r>
+                        <a:rPr kumimoji="1" lang="en-US" altLang="ja-JP" sz="1800" b="0" dirty="0">
+                          <a:latin typeface="+mn-lt"/>
+                        </a:rPr>
+                        <a:t>&lt;1 </a:t>
+                      </a:r>
+                      <a:r>
+                        <a:rPr kumimoji="1" lang="en-US" altLang="ja-JP" sz="1800" b="0" dirty="0" err="1">
+                          <a:latin typeface="+mn-lt"/>
+                        </a:rPr>
+                        <a:t>meV</a:t>
+                      </a:r>
+                      <a:endParaRPr kumimoji="1" lang="ja-JP" altLang="en-US" sz="1800" b="0" dirty="0">
+                        <a:latin typeface="+mn-lt"/>
+                      </a:endParaRPr>
+                    </a:p>
+                  </a:txBody>
+                  <a:tcPr/>
+                </a:tc>
+                <a:tc>
+                  <a:txBody>
+                    <a:bodyPr/>
+                    <a:lstStyle/>
+                    <a:p>
+                      <a:pPr marL="0" marR="0" lvl="0" indent="0" algn="ctr" defTabSz="914400" rtl="0" eaLnBrk="1" fontAlgn="auto" latinLnBrk="0" hangingPunct="1">
+                        <a:lnSpc>
+                          <a:spcPct val="100000"/>
+                        </a:lnSpc>
+                        <a:spcBef>
+                          <a:spcPts val="0"/>
+                        </a:spcBef>
+                        <a:spcAft>
+                          <a:spcPts val="0"/>
+                        </a:spcAft>
+                        <a:buClrTx/>
+                        <a:buSzTx/>
+                        <a:buFontTx/>
+                        <a:buNone/>
+                        <a:tabLst/>
+                        <a:defRPr/>
+                      </a:pPr>
+                      <a:r>
+                        <a:rPr kumimoji="1" lang="en-US" altLang="ja-JP" sz="1800" b="0" dirty="0">
+                          <a:latin typeface="+mn-lt"/>
+                        </a:rPr>
+                        <a:t>&lt;1 </a:t>
+                      </a:r>
+                      <a:r>
+                        <a:rPr kumimoji="1" lang="en-US" altLang="ja-JP" sz="1800" b="0" dirty="0" err="1">
+                          <a:latin typeface="+mn-lt"/>
+                        </a:rPr>
+                        <a:t>meV</a:t>
+                      </a:r>
+                      <a:endParaRPr kumimoji="1" lang="ja-JP" altLang="en-US" sz="1800" b="0" dirty="0">
+                        <a:latin typeface="+mn-lt"/>
+                      </a:endParaRPr>
+                    </a:p>
+                  </a:txBody>
+                  <a:tcPr/>
+                </a:tc>
+                <a:tc>
+                  <a:txBody>
+                    <a:bodyPr/>
+                    <a:lstStyle/>
+                    <a:p>
+                      <a:pPr marL="0" marR="0" lvl="0" indent="0" algn="ctr" defTabSz="914400" rtl="0" eaLnBrk="1" fontAlgn="auto" latinLnBrk="0" hangingPunct="1">
+                        <a:lnSpc>
+                          <a:spcPct val="100000"/>
+                        </a:lnSpc>
+                        <a:spcBef>
+                          <a:spcPts val="0"/>
+                        </a:spcBef>
+                        <a:spcAft>
+                          <a:spcPts val="0"/>
+                        </a:spcAft>
+                        <a:buClrTx/>
+                        <a:buSzTx/>
+                        <a:buFontTx/>
+                        <a:buNone/>
+                        <a:tabLst/>
+                        <a:defRPr/>
+                      </a:pPr>
+                      <a:r>
+                        <a:rPr kumimoji="1" lang="en-US" altLang="ja-JP" sz="1800" b="0" dirty="0">
+                          <a:latin typeface="+mn-lt"/>
+                        </a:rPr>
+                        <a:t>&lt;1 </a:t>
+                      </a:r>
+                      <a:r>
+                        <a:rPr kumimoji="1" lang="en-US" altLang="ja-JP" sz="1800" b="0" dirty="0" err="1">
+                          <a:latin typeface="+mn-lt"/>
+                        </a:rPr>
+                        <a:t>meV</a:t>
+                      </a:r>
+                      <a:endParaRPr kumimoji="1" lang="ja-JP" altLang="en-US" sz="1800" b="0" dirty="0">
+                        <a:latin typeface="+mn-lt"/>
+                      </a:endParaRPr>
+                    </a:p>
+                  </a:txBody>
+                  <a:tcPr/>
+                </a:tc>
+                <a:tc>
+                  <a:txBody>
+                    <a:bodyPr/>
+                    <a:lstStyle/>
+                    <a:p>
+                      <a:pPr algn="ctr"/>
+                      <a:r>
+                        <a:rPr kumimoji="1" lang="en-US" altLang="ja-JP" sz="1800" b="0" dirty="0">
+                          <a:latin typeface="+mn-lt"/>
+                        </a:rPr>
+                        <a:t>850 </a:t>
+                      </a:r>
+                      <a:r>
+                        <a:rPr kumimoji="1" lang="en-US" altLang="ja-JP" sz="1800" b="0" dirty="0" err="1">
+                          <a:latin typeface="+mn-lt"/>
+                        </a:rPr>
+                        <a:t>meV</a:t>
+                      </a:r>
+                      <a:endParaRPr kumimoji="1" lang="ja-JP" altLang="en-US" sz="1800" b="0" dirty="0">
+                        <a:latin typeface="+mn-lt"/>
+                      </a:endParaRPr>
+                    </a:p>
+                  </a:txBody>
+                  <a:tcPr/>
+                </a:tc>
+                <a:tc>
+                  <a:txBody>
+                    <a:bodyPr/>
+                    <a:lstStyle/>
+                    <a:p>
+                      <a:pPr algn="ctr"/>
+                      <a:r>
+                        <a:rPr kumimoji="1" lang="en-US" altLang="ja-JP" sz="1800" b="0" dirty="0">
+                          <a:latin typeface="+mn-lt"/>
+                        </a:rPr>
+                        <a:t>680 </a:t>
+                      </a:r>
+                      <a:r>
+                        <a:rPr kumimoji="1" lang="en-US" altLang="ja-JP" sz="1800" b="0" dirty="0" err="1">
+                          <a:latin typeface="+mn-lt"/>
+                        </a:rPr>
+                        <a:t>meV</a:t>
+                      </a:r>
+                      <a:endParaRPr kumimoji="1" lang="ja-JP" altLang="en-US" sz="1800" b="0" dirty="0">
+                        <a:latin typeface="+mn-lt"/>
+                      </a:endParaRPr>
+                    </a:p>
+                  </a:txBody>
+                  <a:tcPr/>
+                </a:tc>
+                <a:extLst>
+                  <a:ext uri="{0D108BD9-81ED-4DB2-BD59-A6C34878D82A}">
+                    <a16:rowId xmlns:a16="http://schemas.microsoft.com/office/drawing/2014/main" val="1956036962"/>
+                  </a:ext>
+                </a:extLst>
+              </a:tr>
+              <a:tr h="370840">
+                <a:tc rowSpan="6">
+                  <a:txBody>
+                    <a:bodyPr/>
+                    <a:lstStyle/>
+                    <a:p>
+                      <a:pPr algn="ctr"/>
+                      <a:endParaRPr kumimoji="1" lang="en-US" altLang="ja-JP" sz="1800" b="0" dirty="0">
+                        <a:latin typeface="+mn-lt"/>
+                      </a:endParaRPr>
+                    </a:p>
+                    <a:p>
+                      <a:pPr algn="ctr"/>
+                      <a:endParaRPr kumimoji="1" lang="en-US" altLang="ja-JP" sz="1800" b="0" dirty="0">
+                        <a:latin typeface="+mn-lt"/>
+                      </a:endParaRPr>
+                    </a:p>
+                    <a:p>
+                      <a:pPr algn="ctr"/>
+                      <a:r>
+                        <a:rPr kumimoji="1" lang="en-US" altLang="ja-JP" sz="1800" b="0" dirty="0">
+                          <a:latin typeface="+mn-lt"/>
+                        </a:rPr>
+                        <a:t>Kinetic energy at E</a:t>
+                      </a:r>
+                      <a:r>
+                        <a:rPr kumimoji="1" lang="en-US" altLang="ja-JP" sz="1800" b="0" baseline="-25000" dirty="0">
+                          <a:latin typeface="+mn-lt"/>
+                        </a:rPr>
+                        <a:t>F </a:t>
+                      </a:r>
+                      <a:r>
+                        <a:rPr kumimoji="1" lang="en-US" altLang="ja-JP" sz="1800" b="0" baseline="0" dirty="0">
+                          <a:latin typeface="+mn-lt"/>
+                        </a:rPr>
+                        <a:t>(eV)</a:t>
+                      </a:r>
+                      <a:endParaRPr kumimoji="1" lang="ja-JP" altLang="en-US" sz="1800" b="0" baseline="0" dirty="0">
+                        <a:latin typeface="+mn-lt"/>
+                      </a:endParaRPr>
+                    </a:p>
+                  </a:txBody>
+                  <a:tcPr/>
+                </a:tc>
+                <a:tc>
+                  <a:txBody>
+                    <a:bodyPr/>
+                    <a:lstStyle/>
+                    <a:p>
+                      <a:pPr algn="ctr"/>
+                      <a:r>
+                        <a:rPr kumimoji="1" lang="en-US" altLang="ja-JP" sz="1800" b="0" dirty="0">
+                          <a:latin typeface="+mn-lt"/>
+                        </a:rPr>
+                        <a:t>PE02</a:t>
+                      </a:r>
+                      <a:endParaRPr kumimoji="1" lang="ja-JP" altLang="en-US" sz="1800" b="0" dirty="0">
+                        <a:latin typeface="+mn-lt"/>
+                      </a:endParaRPr>
+                    </a:p>
+                  </a:txBody>
+                  <a:tcPr/>
+                </a:tc>
+                <a:tc>
+                  <a:txBody>
+                    <a:bodyPr/>
+                    <a:lstStyle/>
+                    <a:p>
+                      <a:pPr algn="ctr"/>
+                      <a:r>
+                        <a:rPr kumimoji="1" lang="en-US" altLang="ja-JP" sz="1600" b="1" dirty="0">
+                          <a:latin typeface="+mn-lt"/>
+                        </a:rPr>
+                        <a:t>16.95</a:t>
+                      </a:r>
+                      <a:endParaRPr kumimoji="1" lang="ja-JP" altLang="en-US" sz="1600" b="1" dirty="0">
+                        <a:latin typeface="+mn-lt"/>
+                      </a:endParaRPr>
+                    </a:p>
+                  </a:txBody>
+                  <a:tcPr/>
+                </a:tc>
+                <a:tc>
+                  <a:txBody>
+                    <a:bodyPr/>
+                    <a:lstStyle/>
+                    <a:p>
+                      <a:pPr algn="ctr"/>
+                      <a:r>
+                        <a:rPr kumimoji="1" lang="en-US" altLang="ja-JP" sz="1600" b="0" dirty="0">
+                          <a:latin typeface="+mn-lt"/>
+                        </a:rPr>
+                        <a:t>(18.82)</a:t>
+                      </a:r>
+                      <a:endParaRPr kumimoji="1" lang="ja-JP" altLang="en-US" sz="1600" b="0" dirty="0">
+                        <a:latin typeface="+mn-lt"/>
+                      </a:endParaRPr>
+                    </a:p>
+                  </a:txBody>
+                  <a:tcPr/>
+                </a:tc>
+                <a:tc>
+                  <a:txBody>
+                    <a:bodyPr/>
+                    <a:lstStyle/>
+                    <a:p>
+                      <a:pPr algn="ctr"/>
+                      <a:r>
+                        <a:rPr kumimoji="1" lang="en-US" altLang="ja-JP" sz="1600" b="0" dirty="0">
+                          <a:latin typeface="+mn-lt"/>
+                        </a:rPr>
+                        <a:t>(36.55)</a:t>
+                      </a:r>
+                      <a:endParaRPr kumimoji="1" lang="ja-JP" altLang="en-US" sz="1600" b="0" dirty="0">
+                        <a:latin typeface="+mn-lt"/>
+                      </a:endParaRPr>
+                    </a:p>
+                  </a:txBody>
+                  <a:tcPr/>
+                </a:tc>
+                <a:tc>
+                  <a:txBody>
+                    <a:bodyPr/>
+                    <a:lstStyle/>
+                    <a:p>
+                      <a:pPr algn="ctr"/>
+                      <a:r>
+                        <a:rPr kumimoji="1" lang="en-US" altLang="ja-JP" sz="1600" b="1" dirty="0">
+                          <a:latin typeface="+mn-lt"/>
+                        </a:rPr>
+                        <a:t>4.17</a:t>
+                      </a:r>
+                      <a:r>
+                        <a:rPr kumimoji="1" lang="ja-JP" altLang="en-US" sz="1600" b="1">
+                          <a:latin typeface="+mn-lt"/>
+                        </a:rPr>
+                        <a:t> </a:t>
+                      </a:r>
+                      <a:r>
+                        <a:rPr kumimoji="1" lang="en-US" altLang="ja-JP" sz="1600" b="0" dirty="0">
+                          <a:latin typeface="+mn-lt"/>
+                        </a:rPr>
+                        <a:t>(4.17)</a:t>
+                      </a:r>
+                      <a:endParaRPr kumimoji="1" lang="ja-JP" altLang="en-US" sz="1600" b="0" dirty="0">
+                        <a:latin typeface="+mn-lt"/>
+                      </a:endParaRPr>
+                    </a:p>
+                  </a:txBody>
+                  <a:tcPr/>
+                </a:tc>
+                <a:tc>
+                  <a:txBody>
+                    <a:bodyPr/>
+                    <a:lstStyle/>
+                    <a:p>
+                      <a:pPr algn="ctr"/>
+                      <a:r>
+                        <a:rPr kumimoji="1" lang="en-US" altLang="ja-JP" sz="1600" b="0" dirty="0">
+                          <a:latin typeface="+mn-lt"/>
+                        </a:rPr>
+                        <a:t>(5.30)</a:t>
+                      </a:r>
+                      <a:endParaRPr kumimoji="1" lang="ja-JP" altLang="en-US" sz="1600" b="0" dirty="0">
+                        <a:latin typeface="+mn-lt"/>
+                      </a:endParaRPr>
+                    </a:p>
+                  </a:txBody>
+                  <a:tcPr/>
+                </a:tc>
+                <a:tc>
+                  <a:txBody>
+                    <a:bodyPr/>
+                    <a:lstStyle/>
+                    <a:p>
+                      <a:pPr algn="ctr"/>
+                      <a:endParaRPr kumimoji="1" lang="ja-JP" altLang="en-US" sz="1600" b="0" dirty="0">
+                        <a:latin typeface="+mn-lt"/>
+                      </a:endParaRPr>
+                    </a:p>
+                  </a:txBody>
+                  <a:tcPr/>
+                </a:tc>
+                <a:tc>
+                  <a:txBody>
+                    <a:bodyPr/>
+                    <a:lstStyle/>
+                    <a:p>
+                      <a:pPr algn="ctr"/>
+                      <a:endParaRPr kumimoji="1" lang="ja-JP" altLang="en-US" sz="1600" b="0" dirty="0">
+                        <a:latin typeface="+mn-lt"/>
+                      </a:endParaRPr>
+                    </a:p>
+                  </a:txBody>
+                  <a:tcPr/>
+                </a:tc>
+                <a:extLst>
+                  <a:ext uri="{0D108BD9-81ED-4DB2-BD59-A6C34878D82A}">
+                    <a16:rowId xmlns:a16="http://schemas.microsoft.com/office/drawing/2014/main" val="680268685"/>
+                  </a:ext>
+                </a:extLst>
+              </a:tr>
+              <a:tr h="370840">
+                <a:tc vMerge="1">
+                  <a:txBody>
+                    <a:bodyPr/>
+                    <a:lstStyle/>
+                    <a:p>
+                      <a:endParaRPr kumimoji="1" lang="ja-JP" altLang="en-US" sz="1800" dirty="0"/>
+                    </a:p>
+                  </a:txBody>
+                  <a:tcPr/>
+                </a:tc>
+                <a:tc>
+                  <a:txBody>
+                    <a:bodyPr/>
+                    <a:lstStyle/>
+                    <a:p>
+                      <a:pPr algn="ctr"/>
+                      <a:r>
+                        <a:rPr kumimoji="1" lang="en-US" altLang="ja-JP" sz="1800" b="0" dirty="0">
+                          <a:latin typeface="+mn-lt"/>
+                        </a:rPr>
+                        <a:t>PE05</a:t>
+                      </a:r>
+                      <a:endParaRPr kumimoji="1" lang="ja-JP" altLang="en-US" sz="1800" b="0" dirty="0">
+                        <a:latin typeface="+mn-lt"/>
+                      </a:endParaRPr>
+                    </a:p>
+                  </a:txBody>
+                  <a:tcPr/>
+                </a:tc>
+                <a:tc>
+                  <a:txBody>
+                    <a:bodyPr/>
+                    <a:lstStyle/>
+                    <a:p>
+                      <a:pPr algn="ctr"/>
+                      <a:r>
+                        <a:rPr kumimoji="1" lang="en-US" altLang="ja-JP" sz="1600" b="1" dirty="0">
+                          <a:latin typeface="+mn-lt"/>
+                        </a:rPr>
+                        <a:t>16.95</a:t>
+                      </a:r>
+                      <a:endParaRPr kumimoji="1" lang="ja-JP" altLang="en-US" sz="1600" b="1" dirty="0">
+                        <a:latin typeface="+mn-lt"/>
+                      </a:endParaRPr>
+                    </a:p>
+                  </a:txBody>
+                  <a:tcPr/>
+                </a:tc>
+                <a:tc>
+                  <a:txBody>
+                    <a:bodyPr/>
+                    <a:lstStyle/>
+                    <a:p>
+                      <a:pPr algn="ctr"/>
+                      <a:r>
+                        <a:rPr kumimoji="1" lang="en-US" altLang="ja-JP" sz="1600" b="0" dirty="0">
+                          <a:latin typeface="+mn-lt"/>
+                        </a:rPr>
+                        <a:t>(18.82)</a:t>
+                      </a:r>
+                      <a:endParaRPr kumimoji="1" lang="ja-JP" altLang="en-US" sz="1600" b="0" dirty="0">
+                        <a:latin typeface="+mn-lt"/>
+                      </a:endParaRPr>
+                    </a:p>
+                  </a:txBody>
+                  <a:tcPr/>
+                </a:tc>
+                <a:tc>
+                  <a:txBody>
+                    <a:bodyPr/>
+                    <a:lstStyle/>
+                    <a:p>
+                      <a:pPr algn="ctr"/>
+                      <a:r>
+                        <a:rPr kumimoji="1" lang="en-US" altLang="ja-JP" sz="1600" b="0" dirty="0">
+                          <a:latin typeface="+mn-lt"/>
+                        </a:rPr>
+                        <a:t>(36.55)</a:t>
+                      </a:r>
+                      <a:endParaRPr kumimoji="1" lang="ja-JP" altLang="en-US" sz="1600" b="1" dirty="0">
+                        <a:latin typeface="+mn-lt"/>
+                      </a:endParaRPr>
+                    </a:p>
+                  </a:txBody>
+                  <a:tcPr/>
+                </a:tc>
+                <a:tc>
+                  <a:txBody>
+                    <a:bodyPr/>
+                    <a:lstStyle/>
+                    <a:p>
+                      <a:pPr algn="ctr"/>
+                      <a:r>
+                        <a:rPr kumimoji="1" lang="en-US" altLang="ja-JP" sz="1600" b="1" dirty="0">
+                          <a:latin typeface="+mn-lt"/>
+                        </a:rPr>
+                        <a:t>4.17 </a:t>
+                      </a:r>
+                      <a:r>
+                        <a:rPr kumimoji="1" lang="en-US" altLang="ja-JP" sz="1600" b="0" dirty="0">
+                          <a:latin typeface="+mn-lt"/>
+                        </a:rPr>
+                        <a:t>(4.17)</a:t>
+                      </a:r>
+                      <a:endParaRPr kumimoji="1" lang="ja-JP" altLang="en-US" sz="1600" b="1" dirty="0">
+                        <a:latin typeface="+mn-lt"/>
+                      </a:endParaRPr>
+                    </a:p>
+                  </a:txBody>
+                  <a:tcPr/>
+                </a:tc>
+                <a:tc>
+                  <a:txBody>
+                    <a:bodyPr/>
+                    <a:lstStyle/>
+                    <a:p>
+                      <a:pPr marL="0" marR="0" lvl="0" indent="0" algn="ctr" defTabSz="914400" rtl="0" eaLnBrk="1" fontAlgn="auto" latinLnBrk="0" hangingPunct="1">
+                        <a:lnSpc>
+                          <a:spcPct val="100000"/>
+                        </a:lnSpc>
+                        <a:spcBef>
+                          <a:spcPts val="0"/>
+                        </a:spcBef>
+                        <a:spcAft>
+                          <a:spcPts val="0"/>
+                        </a:spcAft>
+                        <a:buClrTx/>
+                        <a:buSzTx/>
+                        <a:buFontTx/>
+                        <a:buNone/>
+                        <a:tabLst/>
+                        <a:defRPr/>
+                      </a:pPr>
+                      <a:r>
+                        <a:rPr kumimoji="1" lang="en-US" altLang="ja-JP" sz="1600" b="0" dirty="0">
+                          <a:latin typeface="+mn-lt"/>
+                        </a:rPr>
+                        <a:t>(5.30)</a:t>
+                      </a:r>
+                      <a:endParaRPr kumimoji="1" lang="ja-JP" altLang="en-US" sz="1600" b="0">
+                        <a:latin typeface="+mn-lt"/>
+                      </a:endParaRPr>
+                    </a:p>
+                  </a:txBody>
+                  <a:tcPr/>
+                </a:tc>
+                <a:tc>
+                  <a:txBody>
+                    <a:bodyPr/>
+                    <a:lstStyle/>
+                    <a:p>
+                      <a:pPr algn="ctr"/>
+                      <a:endParaRPr kumimoji="1" lang="ja-JP" altLang="en-US" sz="1600" b="0" dirty="0">
+                        <a:latin typeface="+mn-lt"/>
+                      </a:endParaRPr>
+                    </a:p>
+                  </a:txBody>
+                  <a:tcPr/>
+                </a:tc>
+                <a:tc>
+                  <a:txBody>
+                    <a:bodyPr/>
+                    <a:lstStyle/>
+                    <a:p>
+                      <a:pPr algn="ctr"/>
+                      <a:endParaRPr kumimoji="1" lang="ja-JP" altLang="en-US" sz="1600" b="0" dirty="0">
+                        <a:latin typeface="+mn-lt"/>
+                      </a:endParaRPr>
+                    </a:p>
+                  </a:txBody>
+                  <a:tcPr/>
+                </a:tc>
+                <a:extLst>
+                  <a:ext uri="{0D108BD9-81ED-4DB2-BD59-A6C34878D82A}">
+                    <a16:rowId xmlns:a16="http://schemas.microsoft.com/office/drawing/2014/main" val="2021533185"/>
+                  </a:ext>
+                </a:extLst>
+              </a:tr>
+              <a:tr h="370840">
+                <a:tc vMerge="1">
+                  <a:txBody>
+                    <a:bodyPr/>
+                    <a:lstStyle/>
+                    <a:p>
+                      <a:endParaRPr kumimoji="1" lang="ja-JP" altLang="en-US" sz="1800" dirty="0"/>
+                    </a:p>
+                  </a:txBody>
+                  <a:tcPr/>
+                </a:tc>
+                <a:tc>
+                  <a:txBody>
+                    <a:bodyPr/>
+                    <a:lstStyle/>
+                    <a:p>
+                      <a:pPr algn="ctr"/>
+                      <a:r>
+                        <a:rPr kumimoji="1" lang="en-US" altLang="ja-JP" sz="1800" b="0" dirty="0">
+                          <a:latin typeface="+mn-lt"/>
+                        </a:rPr>
+                        <a:t>PE10</a:t>
+                      </a:r>
+                      <a:endParaRPr kumimoji="1" lang="ja-JP" altLang="en-US" sz="1800" b="0" dirty="0">
+                        <a:latin typeface="+mn-lt"/>
+                      </a:endParaRPr>
+                    </a:p>
+                  </a:txBody>
+                  <a:tcPr/>
+                </a:tc>
+                <a:tc>
+                  <a:txBody>
+                    <a:bodyPr/>
+                    <a:lstStyle/>
+                    <a:p>
+                      <a:pPr algn="ctr"/>
+                      <a:r>
+                        <a:rPr kumimoji="1" lang="en-US" altLang="ja-JP" sz="1600" b="1" dirty="0">
+                          <a:latin typeface="+mn-lt"/>
+                        </a:rPr>
+                        <a:t>16.96</a:t>
+                      </a:r>
+                      <a:endParaRPr kumimoji="1" lang="ja-JP" altLang="en-US" sz="1600" b="1" dirty="0">
+                        <a:latin typeface="+mn-lt"/>
+                      </a:endParaRPr>
+                    </a:p>
+                  </a:txBody>
+                  <a:tcPr/>
+                </a:tc>
+                <a:tc>
+                  <a:txBody>
+                    <a:bodyPr/>
+                    <a:lstStyle/>
+                    <a:p>
+                      <a:pPr algn="ctr"/>
+                      <a:r>
+                        <a:rPr kumimoji="1" lang="en-US" altLang="ja-JP" sz="1600" b="0" dirty="0">
+                          <a:latin typeface="+mn-lt"/>
+                        </a:rPr>
+                        <a:t>(18.83)</a:t>
+                      </a:r>
+                      <a:endParaRPr kumimoji="1" lang="ja-JP" altLang="en-US" sz="1600" b="0" dirty="0">
+                        <a:latin typeface="+mn-lt"/>
+                      </a:endParaRPr>
+                    </a:p>
+                  </a:txBody>
+                  <a:tcPr/>
+                </a:tc>
+                <a:tc>
+                  <a:txBody>
+                    <a:bodyPr/>
+                    <a:lstStyle/>
+                    <a:p>
+                      <a:pPr algn="ctr"/>
+                      <a:r>
+                        <a:rPr kumimoji="1" lang="en-US" altLang="ja-JP" sz="1600" b="1" dirty="0">
+                          <a:latin typeface="+mn-lt"/>
+                        </a:rPr>
+                        <a:t>36.56 </a:t>
+                      </a:r>
+                      <a:r>
+                        <a:rPr kumimoji="1" lang="en-US" altLang="ja-JP" sz="1600" b="0" dirty="0">
+                          <a:latin typeface="+mn-lt"/>
+                        </a:rPr>
+                        <a:t>(36.56)</a:t>
+                      </a:r>
+                      <a:endParaRPr kumimoji="1" lang="ja-JP" altLang="en-US" sz="1600" b="0" dirty="0">
+                        <a:latin typeface="+mn-lt"/>
+                      </a:endParaRPr>
+                    </a:p>
+                  </a:txBody>
+                  <a:tcPr/>
+                </a:tc>
+                <a:tc>
+                  <a:txBody>
+                    <a:bodyPr/>
+                    <a:lstStyle/>
+                    <a:p>
+                      <a:pPr algn="ctr"/>
+                      <a:r>
+                        <a:rPr kumimoji="1" lang="en-US" altLang="ja-JP" sz="1600" b="1" dirty="0">
+                          <a:latin typeface="+mn-lt"/>
+                        </a:rPr>
+                        <a:t>4.19 </a:t>
+                      </a:r>
+                      <a:r>
+                        <a:rPr kumimoji="1" lang="en-US" altLang="ja-JP" sz="1600" b="0" dirty="0">
+                          <a:latin typeface="+mn-lt"/>
+                        </a:rPr>
+                        <a:t>(4.18)</a:t>
+                      </a:r>
+                      <a:endParaRPr kumimoji="1" lang="ja-JP" altLang="en-US" sz="1600" b="0" dirty="0">
+                        <a:latin typeface="+mn-lt"/>
+                      </a:endParaRPr>
+                    </a:p>
+                  </a:txBody>
+                  <a:tcPr/>
+                </a:tc>
+                <a:tc>
+                  <a:txBody>
+                    <a:bodyPr/>
+                    <a:lstStyle/>
+                    <a:p>
+                      <a:pPr marL="0" marR="0" lvl="0" indent="0" algn="ctr" defTabSz="914400" rtl="0" eaLnBrk="1" fontAlgn="auto" latinLnBrk="0" hangingPunct="1">
+                        <a:lnSpc>
+                          <a:spcPct val="100000"/>
+                        </a:lnSpc>
+                        <a:spcBef>
+                          <a:spcPts val="0"/>
+                        </a:spcBef>
+                        <a:spcAft>
+                          <a:spcPts val="0"/>
+                        </a:spcAft>
+                        <a:buClrTx/>
+                        <a:buSzTx/>
+                        <a:buFontTx/>
+                        <a:buNone/>
+                        <a:tabLst/>
+                        <a:defRPr/>
+                      </a:pPr>
+                      <a:r>
+                        <a:rPr kumimoji="1" lang="en-US" altLang="ja-JP" sz="1600" b="0" dirty="0">
+                          <a:latin typeface="+mn-lt"/>
+                        </a:rPr>
+                        <a:t>(5.31)</a:t>
+                      </a:r>
+                      <a:endParaRPr kumimoji="1" lang="ja-JP" altLang="en-US" sz="1600" b="0">
+                        <a:latin typeface="+mn-lt"/>
+                      </a:endParaRPr>
+                    </a:p>
+                  </a:txBody>
+                  <a:tcPr/>
+                </a:tc>
+                <a:tc>
+                  <a:txBody>
+                    <a:bodyPr/>
+                    <a:lstStyle/>
+                    <a:p>
+                      <a:pPr algn="ctr"/>
+                      <a:endParaRPr kumimoji="1" lang="ja-JP" altLang="en-US" sz="1600" b="0" dirty="0">
+                        <a:latin typeface="+mn-lt"/>
+                      </a:endParaRPr>
+                    </a:p>
+                  </a:txBody>
+                  <a:tcPr/>
+                </a:tc>
+                <a:tc>
+                  <a:txBody>
+                    <a:bodyPr/>
+                    <a:lstStyle/>
+                    <a:p>
+                      <a:pPr algn="ctr"/>
+                      <a:endParaRPr kumimoji="1" lang="ja-JP" altLang="en-US" sz="1600" b="0" dirty="0">
+                        <a:latin typeface="+mn-lt"/>
+                      </a:endParaRPr>
+                    </a:p>
+                  </a:txBody>
+                  <a:tcPr/>
+                </a:tc>
+                <a:extLst>
+                  <a:ext uri="{0D108BD9-81ED-4DB2-BD59-A6C34878D82A}">
+                    <a16:rowId xmlns:a16="http://schemas.microsoft.com/office/drawing/2014/main" val="1049391835"/>
+                  </a:ext>
+                </a:extLst>
+              </a:tr>
+              <a:tr h="370840">
+                <a:tc vMerge="1">
+                  <a:txBody>
+                    <a:bodyPr/>
+                    <a:lstStyle/>
+                    <a:p>
+                      <a:endParaRPr kumimoji="1" lang="ja-JP" altLang="en-US" sz="1800" dirty="0"/>
+                    </a:p>
+                  </a:txBody>
+                  <a:tcPr/>
+                </a:tc>
+                <a:tc>
+                  <a:txBody>
+                    <a:bodyPr/>
+                    <a:lstStyle/>
+                    <a:p>
+                      <a:pPr algn="ctr"/>
+                      <a:r>
+                        <a:rPr kumimoji="1" lang="en-US" altLang="ja-JP" sz="1800" b="0" dirty="0">
+                          <a:latin typeface="+mn-lt"/>
+                        </a:rPr>
+                        <a:t>PE20</a:t>
+                      </a:r>
+                      <a:endParaRPr kumimoji="1" lang="ja-JP" altLang="en-US" sz="1800" b="0" dirty="0">
+                        <a:latin typeface="+mn-lt"/>
+                      </a:endParaRPr>
+                    </a:p>
+                  </a:txBody>
+                  <a:tcPr/>
+                </a:tc>
+                <a:tc>
+                  <a:txBody>
+                    <a:bodyPr/>
+                    <a:lstStyle/>
+                    <a:p>
+                      <a:pPr algn="ctr"/>
+                      <a:endParaRPr kumimoji="1" lang="ja-JP" altLang="en-US" sz="1600" b="1" dirty="0">
+                        <a:latin typeface="+mn-lt"/>
+                      </a:endParaRPr>
+                    </a:p>
+                  </a:txBody>
+                  <a:tcPr/>
+                </a:tc>
+                <a:tc>
+                  <a:txBody>
+                    <a:bodyPr/>
+                    <a:lstStyle/>
+                    <a:p>
+                      <a:pPr algn="ctr"/>
+                      <a:endParaRPr kumimoji="1" lang="ja-JP" altLang="en-US" sz="1600" b="1" dirty="0">
+                        <a:latin typeface="+mn-lt"/>
+                      </a:endParaRPr>
+                    </a:p>
+                  </a:txBody>
+                  <a:tcPr/>
+                </a:tc>
+                <a:tc>
+                  <a:txBody>
+                    <a:bodyPr/>
+                    <a:lstStyle/>
+                    <a:p>
+                      <a:pPr algn="ctr"/>
+                      <a:r>
+                        <a:rPr kumimoji="1" lang="en-US" altLang="ja-JP" sz="1600" b="1" dirty="0">
+                          <a:latin typeface="+mn-lt"/>
+                        </a:rPr>
+                        <a:t>36.56</a:t>
+                      </a:r>
+                      <a:endParaRPr kumimoji="1" lang="ja-JP" altLang="en-US" sz="1600" b="1" dirty="0">
+                        <a:latin typeface="+mn-lt"/>
+                      </a:endParaRPr>
+                    </a:p>
+                  </a:txBody>
+                  <a:tcPr/>
+                </a:tc>
+                <a:tc>
+                  <a:txBody>
+                    <a:bodyPr/>
+                    <a:lstStyle/>
+                    <a:p>
+                      <a:pPr algn="ctr"/>
+                      <a:endParaRPr kumimoji="1" lang="ja-JP" altLang="en-US" sz="1600" b="0" dirty="0">
+                        <a:latin typeface="+mn-lt"/>
+                      </a:endParaRPr>
+                    </a:p>
+                  </a:txBody>
+                  <a:tcPr/>
+                </a:tc>
+                <a:tc>
+                  <a:txBody>
+                    <a:bodyPr/>
+                    <a:lstStyle/>
+                    <a:p>
+                      <a:pPr marL="0" marR="0" lvl="0" indent="0" algn="ctr" defTabSz="914400" rtl="0" eaLnBrk="1" fontAlgn="auto" latinLnBrk="0" hangingPunct="1">
+                        <a:lnSpc>
+                          <a:spcPct val="100000"/>
+                        </a:lnSpc>
+                        <a:spcBef>
+                          <a:spcPts val="0"/>
+                        </a:spcBef>
+                        <a:spcAft>
+                          <a:spcPts val="0"/>
+                        </a:spcAft>
+                        <a:buClrTx/>
+                        <a:buSzTx/>
+                        <a:buFontTx/>
+                        <a:buNone/>
+                        <a:tabLst/>
+                        <a:defRPr/>
+                      </a:pPr>
+                      <a:endParaRPr kumimoji="1" lang="ja-JP" altLang="en-US" sz="1600" b="0">
+                        <a:latin typeface="+mn-lt"/>
+                      </a:endParaRPr>
+                    </a:p>
+                  </a:txBody>
+                  <a:tcPr/>
+                </a:tc>
+                <a:tc>
+                  <a:txBody>
+                    <a:bodyPr/>
+                    <a:lstStyle/>
+                    <a:p>
+                      <a:pPr algn="ctr"/>
+                      <a:endParaRPr kumimoji="1" lang="ja-JP" altLang="en-US" sz="1600" b="0" dirty="0">
+                        <a:latin typeface="+mn-lt"/>
+                      </a:endParaRPr>
+                    </a:p>
+                  </a:txBody>
+                  <a:tcPr/>
+                </a:tc>
+                <a:tc>
+                  <a:txBody>
+                    <a:bodyPr/>
+                    <a:lstStyle/>
+                    <a:p>
+                      <a:pPr algn="ctr"/>
+                      <a:endParaRPr kumimoji="1" lang="ja-JP" altLang="en-US" sz="1600" b="0" dirty="0">
+                        <a:latin typeface="+mn-lt"/>
+                      </a:endParaRPr>
+                    </a:p>
+                  </a:txBody>
+                  <a:tcPr/>
+                </a:tc>
+                <a:extLst>
+                  <a:ext uri="{0D108BD9-81ED-4DB2-BD59-A6C34878D82A}">
+                    <a16:rowId xmlns:a16="http://schemas.microsoft.com/office/drawing/2014/main" val="837740997"/>
+                  </a:ext>
+                </a:extLst>
+              </a:tr>
+              <a:tr h="370840">
+                <a:tc vMerge="1">
+                  <a:txBody>
+                    <a:bodyPr/>
+                    <a:lstStyle/>
+                    <a:p>
+                      <a:pPr algn="ctr"/>
+                      <a:endParaRPr kumimoji="1" lang="ja-JP" altLang="en-US" sz="1800" b="1" baseline="0" dirty="0">
+                        <a:latin typeface="+mn-lt"/>
+                      </a:endParaRPr>
+                    </a:p>
+                  </a:txBody>
+                  <a:tcPr/>
+                </a:tc>
+                <a:tc>
+                  <a:txBody>
+                    <a:bodyPr/>
+                    <a:lstStyle/>
+                    <a:p>
+                      <a:pPr algn="ctr"/>
+                      <a:r>
+                        <a:rPr kumimoji="1" lang="en-US" altLang="ja-JP" sz="1800" b="0" dirty="0">
+                          <a:latin typeface="+mn-lt"/>
+                        </a:rPr>
+                        <a:t>PE100</a:t>
+                      </a:r>
+                      <a:endParaRPr kumimoji="1" lang="ja-JP" altLang="en-US" sz="1800" b="0" dirty="0">
+                        <a:latin typeface="+mn-lt"/>
+                      </a:endParaRPr>
+                    </a:p>
+                  </a:txBody>
+                  <a:tcPr/>
+                </a:tc>
+                <a:tc>
+                  <a:txBody>
+                    <a:bodyPr/>
+                    <a:lstStyle/>
+                    <a:p>
+                      <a:pPr algn="ctr"/>
+                      <a:endParaRPr kumimoji="1" lang="ja-JP" altLang="en-US" sz="1600" b="0" dirty="0">
+                        <a:latin typeface="+mn-lt"/>
+                      </a:endParaRPr>
+                    </a:p>
+                  </a:txBody>
+                  <a:tcPr/>
+                </a:tc>
+                <a:tc>
+                  <a:txBody>
+                    <a:bodyPr/>
+                    <a:lstStyle/>
+                    <a:p>
+                      <a:pPr algn="ctr"/>
+                      <a:endParaRPr kumimoji="1" lang="ja-JP" altLang="en-US" sz="1600" b="0" dirty="0">
+                        <a:latin typeface="+mn-lt"/>
+                      </a:endParaRPr>
+                    </a:p>
+                  </a:txBody>
+                  <a:tcPr/>
+                </a:tc>
+                <a:tc>
+                  <a:txBody>
+                    <a:bodyPr/>
+                    <a:lstStyle/>
+                    <a:p>
+                      <a:pPr algn="ctr"/>
+                      <a:endParaRPr kumimoji="1" lang="ja-JP" altLang="en-US" sz="1600" b="0" dirty="0">
+                        <a:latin typeface="+mn-lt"/>
+                      </a:endParaRPr>
+                    </a:p>
+                  </a:txBody>
+                  <a:tcPr/>
+                </a:tc>
+                <a:tc>
+                  <a:txBody>
+                    <a:bodyPr/>
+                    <a:lstStyle/>
+                    <a:p>
+                      <a:pPr algn="ctr"/>
+                      <a:endParaRPr kumimoji="1" lang="ja-JP" altLang="en-US" sz="1600" b="0" dirty="0">
+                        <a:latin typeface="+mn-lt"/>
+                      </a:endParaRPr>
+                    </a:p>
+                  </a:txBody>
+                  <a:tcPr/>
+                </a:tc>
+                <a:tc>
+                  <a:txBody>
+                    <a:bodyPr/>
+                    <a:lstStyle/>
+                    <a:p>
+                      <a:pPr algn="ctr"/>
+                      <a:endParaRPr kumimoji="1" lang="ja-JP" altLang="en-US" sz="1600" b="0" dirty="0">
+                        <a:latin typeface="+mn-lt"/>
+                      </a:endParaRPr>
+                    </a:p>
+                  </a:txBody>
+                  <a:tcPr/>
+                </a:tc>
+                <a:tc>
+                  <a:txBody>
+                    <a:bodyPr/>
+                    <a:lstStyle/>
+                    <a:p>
+                      <a:pPr algn="ctr"/>
+                      <a:r>
+                        <a:rPr kumimoji="1" lang="en-US" altLang="ja-JP" sz="1600" b="1" dirty="0">
+                          <a:latin typeface="+mn-lt"/>
+                        </a:rPr>
+                        <a:t>1482.08</a:t>
+                      </a:r>
+                      <a:endParaRPr kumimoji="1" lang="ja-JP" altLang="en-US" sz="1600" b="1" dirty="0">
+                        <a:latin typeface="+mn-lt"/>
+                      </a:endParaRPr>
+                    </a:p>
+                  </a:txBody>
+                  <a:tcPr/>
+                </a:tc>
+                <a:tc>
+                  <a:txBody>
+                    <a:bodyPr/>
+                    <a:lstStyle/>
+                    <a:p>
+                      <a:pPr algn="ctr"/>
+                      <a:r>
+                        <a:rPr kumimoji="1" lang="en-US" altLang="ja-JP" sz="1600" b="1" dirty="0">
+                          <a:latin typeface="+mn-lt"/>
+                        </a:rPr>
+                        <a:t>1249.10</a:t>
+                      </a:r>
+                      <a:endParaRPr kumimoji="1" lang="ja-JP" altLang="en-US" sz="1600" b="1" dirty="0">
+                        <a:latin typeface="+mn-lt"/>
+                      </a:endParaRPr>
+                    </a:p>
+                  </a:txBody>
+                  <a:tcPr/>
+                </a:tc>
+                <a:extLst>
+                  <a:ext uri="{0D108BD9-81ED-4DB2-BD59-A6C34878D82A}">
+                    <a16:rowId xmlns:a16="http://schemas.microsoft.com/office/drawing/2014/main" val="1548272617"/>
+                  </a:ext>
+                </a:extLst>
+              </a:tr>
+              <a:tr h="370840">
+                <a:tc vMerge="1">
+                  <a:txBody>
+                    <a:bodyPr/>
+                    <a:lstStyle/>
+                    <a:p>
+                      <a:pPr algn="ctr"/>
+                      <a:endParaRPr kumimoji="1" lang="ja-JP" altLang="en-US" sz="1800" b="1" baseline="0" dirty="0">
+                        <a:latin typeface="+mn-lt"/>
+                      </a:endParaRPr>
+                    </a:p>
+                  </a:txBody>
+                  <a:tcPr/>
+                </a:tc>
+                <a:tc>
+                  <a:txBody>
+                    <a:bodyPr/>
+                    <a:lstStyle/>
+                    <a:p>
+                      <a:pPr algn="ctr"/>
+                      <a:r>
+                        <a:rPr kumimoji="1" lang="en-US" altLang="ja-JP" sz="1800" b="0" dirty="0">
+                          <a:latin typeface="+mn-lt"/>
+                        </a:rPr>
+                        <a:t>PE200</a:t>
+                      </a:r>
+                      <a:endParaRPr kumimoji="1" lang="ja-JP" altLang="en-US" sz="1800" b="0" dirty="0">
+                        <a:latin typeface="+mn-lt"/>
+                      </a:endParaRPr>
+                    </a:p>
+                  </a:txBody>
+                  <a:tcPr/>
+                </a:tc>
+                <a:tc>
+                  <a:txBody>
+                    <a:bodyPr/>
+                    <a:lstStyle/>
+                    <a:p>
+                      <a:pPr algn="ctr"/>
+                      <a:endParaRPr kumimoji="1" lang="ja-JP" altLang="en-US" sz="1600" b="0" dirty="0">
+                        <a:latin typeface="+mn-lt"/>
+                      </a:endParaRPr>
+                    </a:p>
+                  </a:txBody>
+                  <a:tcPr/>
+                </a:tc>
+                <a:tc>
+                  <a:txBody>
+                    <a:bodyPr/>
+                    <a:lstStyle/>
+                    <a:p>
+                      <a:pPr algn="ctr"/>
+                      <a:endParaRPr kumimoji="1" lang="ja-JP" altLang="en-US" sz="1600" b="0" dirty="0">
+                        <a:latin typeface="+mn-lt"/>
+                      </a:endParaRPr>
+                    </a:p>
+                  </a:txBody>
+                  <a:tcPr/>
+                </a:tc>
+                <a:tc>
+                  <a:txBody>
+                    <a:bodyPr/>
+                    <a:lstStyle/>
+                    <a:p>
+                      <a:pPr algn="ctr"/>
+                      <a:endParaRPr kumimoji="1" lang="ja-JP" altLang="en-US" sz="1600" b="0" dirty="0">
+                        <a:latin typeface="+mn-lt"/>
+                      </a:endParaRPr>
+                    </a:p>
+                  </a:txBody>
+                  <a:tcPr/>
+                </a:tc>
+                <a:tc>
+                  <a:txBody>
+                    <a:bodyPr/>
+                    <a:lstStyle/>
+                    <a:p>
+                      <a:pPr algn="ctr"/>
+                      <a:endParaRPr kumimoji="1" lang="ja-JP" altLang="en-US" sz="1600" b="0" dirty="0">
+                        <a:latin typeface="+mn-lt"/>
+                      </a:endParaRPr>
+                    </a:p>
+                  </a:txBody>
+                  <a:tcPr/>
+                </a:tc>
+                <a:tc>
+                  <a:txBody>
+                    <a:bodyPr/>
+                    <a:lstStyle/>
+                    <a:p>
+                      <a:pPr algn="ctr"/>
+                      <a:endParaRPr kumimoji="1" lang="ja-JP" altLang="en-US" sz="1600" b="0" dirty="0">
+                        <a:latin typeface="+mn-lt"/>
+                      </a:endParaRPr>
+                    </a:p>
+                  </a:txBody>
+                  <a:tcPr/>
+                </a:tc>
+                <a:tc>
+                  <a:txBody>
+                    <a:bodyPr/>
+                    <a:lstStyle/>
+                    <a:p>
+                      <a:pPr algn="ctr"/>
+                      <a:endParaRPr kumimoji="1" lang="ja-JP" altLang="en-US" sz="1600" b="0" dirty="0">
+                        <a:latin typeface="+mn-lt"/>
+                      </a:endParaRPr>
+                    </a:p>
+                  </a:txBody>
+                  <a:tcPr/>
+                </a:tc>
+                <a:tc>
+                  <a:txBody>
+                    <a:bodyPr/>
+                    <a:lstStyle/>
+                    <a:p>
+                      <a:pPr algn="ctr"/>
+                      <a:endParaRPr kumimoji="1" lang="ja-JP" altLang="en-US" sz="1600" b="0" dirty="0">
+                        <a:latin typeface="+mn-lt"/>
+                      </a:endParaRPr>
+                    </a:p>
+                  </a:txBody>
+                  <a:tcPr/>
+                </a:tc>
+                <a:extLst>
+                  <a:ext uri="{0D108BD9-81ED-4DB2-BD59-A6C34878D82A}">
+                    <a16:rowId xmlns:a16="http://schemas.microsoft.com/office/drawing/2014/main" val="4043768493"/>
+                  </a:ext>
+                </a:extLst>
+              </a:tr>
+            </a:tbl>
+          </a:graphicData>
+        </a:graphic>
+      </p:graphicFrame>
+      <p:pic>
+        <p:nvPicPr>
+          <p:cNvPr id="6" name="図 5">
+            <a:extLst>
+              <a:ext uri="{FF2B5EF4-FFF2-40B4-BE49-F238E27FC236}">
+                <a16:creationId xmlns:a16="http://schemas.microsoft.com/office/drawing/2014/main" id="{5203189F-1294-530A-318E-E8480FF9DB90}"/>
+              </a:ext>
+            </a:extLst>
+          </p:cNvPr>
+          <p:cNvPicPr>
+            <a:picLocks noChangeAspect="1"/>
+          </p:cNvPicPr>
+          <p:nvPr/>
+        </p:nvPicPr>
+        <p:blipFill>
+          <a:blip r:embed="rId2"/>
+          <a:srcRect l="5204" t="5432"/>
+          <a:stretch/>
+        </p:blipFill>
+        <p:spPr>
+          <a:xfrm>
+            <a:off x="9443436" y="5523408"/>
+            <a:ext cx="2451549" cy="1100779"/>
+          </a:xfrm>
+          <a:prstGeom prst="rect">
+            <a:avLst/>
+          </a:prstGeom>
+        </p:spPr>
+      </p:pic>
+      <p:sp>
+        <p:nvSpPr>
+          <p:cNvPr id="2" name="テキスト ボックス 1">
+            <a:extLst>
+              <a:ext uri="{FF2B5EF4-FFF2-40B4-BE49-F238E27FC236}">
+                <a16:creationId xmlns:a16="http://schemas.microsoft.com/office/drawing/2014/main" id="{784292DD-F111-8997-EC4B-846AA8E18766}"/>
+              </a:ext>
+            </a:extLst>
+          </p:cNvPr>
+          <p:cNvSpPr txBox="1"/>
+          <p:nvPr/>
+        </p:nvSpPr>
+        <p:spPr>
+          <a:xfrm>
+            <a:off x="346841" y="309005"/>
+            <a:ext cx="2383746" cy="369332"/>
+          </a:xfrm>
+          <a:prstGeom prst="rect">
+            <a:avLst/>
+          </a:prstGeom>
+          <a:noFill/>
+        </p:spPr>
+        <p:txBody>
+          <a:bodyPr wrap="square" rtlCol="0">
+            <a:spAutoFit/>
+          </a:bodyPr>
+          <a:lstStyle/>
+          <a:p>
+            <a:r>
+              <a:rPr kumimoji="1" lang="en-US" altLang="ja-JP" dirty="0"/>
+              <a:t>Date: 2025/05/07</a:t>
+            </a:r>
+            <a:endParaRPr kumimoji="1" lang="ja-JP" altLang="en-US" dirty="0"/>
+          </a:p>
+        </p:txBody>
+      </p:sp>
+      <p:sp>
+        <p:nvSpPr>
+          <p:cNvPr id="5" name="テキスト ボックス 4">
+            <a:extLst>
+              <a:ext uri="{FF2B5EF4-FFF2-40B4-BE49-F238E27FC236}">
+                <a16:creationId xmlns:a16="http://schemas.microsoft.com/office/drawing/2014/main" id="{E57E5500-AADC-4417-EBF2-3761A654E1DE}"/>
+              </a:ext>
+            </a:extLst>
+          </p:cNvPr>
+          <p:cNvSpPr txBox="1"/>
+          <p:nvPr/>
+        </p:nvSpPr>
+        <p:spPr>
+          <a:xfrm>
+            <a:off x="656882" y="5750631"/>
+            <a:ext cx="7058343" cy="646331"/>
+          </a:xfrm>
+          <a:prstGeom prst="rect">
+            <a:avLst/>
+          </a:prstGeom>
+          <a:noFill/>
+        </p:spPr>
+        <p:txBody>
+          <a:bodyPr wrap="none" rtlCol="0">
+            <a:spAutoFit/>
+          </a:bodyPr>
+          <a:lstStyle/>
+          <a:p>
+            <a:r>
+              <a:rPr lang="ja-JP" altLang="en-US" b="1"/>
+              <a:t>太字</a:t>
+            </a:r>
+            <a:r>
+              <a:rPr lang="en-US" altLang="ja-JP" dirty="0"/>
+              <a:t>…</a:t>
+            </a:r>
+            <a:r>
+              <a:rPr lang="ja-JP" altLang="en-US"/>
+              <a:t>実測スペクトルの</a:t>
+            </a:r>
+            <a:r>
+              <a:rPr lang="en-US" altLang="ja-JP" dirty="0"/>
+              <a:t>Fitting</a:t>
+            </a:r>
+            <a:r>
+              <a:rPr lang="ja-JP" altLang="en-US"/>
+              <a:t>で求めた値</a:t>
+            </a:r>
+            <a:endParaRPr lang="en-US" altLang="ja-JP" dirty="0"/>
+          </a:p>
+          <a:p>
+            <a:r>
+              <a:rPr lang="en-US" altLang="ja-JP" dirty="0"/>
+              <a:t>(</a:t>
+            </a:r>
+            <a:r>
+              <a:rPr lang="ja-JP" altLang="en-US"/>
+              <a:t>細字</a:t>
+            </a:r>
+            <a:r>
+              <a:rPr lang="en-US" altLang="ja-JP" dirty="0"/>
+              <a:t>)…HeIa</a:t>
+            </a:r>
+            <a:r>
+              <a:rPr lang="ja-JP" altLang="en-US"/>
+              <a:t>の値を基準にして、励起光エネの差分から算出した値</a:t>
+            </a:r>
+            <a:endParaRPr lang="en-US" altLang="ja-JP" dirty="0"/>
+          </a:p>
+        </p:txBody>
+      </p:sp>
+      <p:sp>
+        <p:nvSpPr>
+          <p:cNvPr id="7" name="テキスト ボックス 6">
+            <a:extLst>
+              <a:ext uri="{FF2B5EF4-FFF2-40B4-BE49-F238E27FC236}">
+                <a16:creationId xmlns:a16="http://schemas.microsoft.com/office/drawing/2014/main" id="{2D80C33A-8A8D-EA9B-0EF2-7944E648C2DA}"/>
+              </a:ext>
+            </a:extLst>
+          </p:cNvPr>
+          <p:cNvSpPr txBox="1"/>
+          <p:nvPr/>
+        </p:nvSpPr>
+        <p:spPr>
+          <a:xfrm>
+            <a:off x="3863318" y="-646331"/>
+            <a:ext cx="1242648" cy="646331"/>
+          </a:xfrm>
+          <a:prstGeom prst="rect">
+            <a:avLst/>
+          </a:prstGeom>
+          <a:noFill/>
+        </p:spPr>
+        <p:txBody>
+          <a:bodyPr wrap="none" rtlCol="0">
+            <a:spAutoFit/>
+          </a:bodyPr>
+          <a:lstStyle/>
+          <a:p>
+            <a:r>
+              <a:rPr kumimoji="1" lang="en-US" altLang="ja-JP" dirty="0"/>
+              <a:t>HeIb-HeIa</a:t>
+            </a:r>
+          </a:p>
+          <a:p>
+            <a:r>
+              <a:rPr kumimoji="1" lang="en-US" altLang="ja-JP" dirty="0"/>
+              <a:t>=1.869 eV</a:t>
+            </a:r>
+            <a:endParaRPr kumimoji="1" lang="ja-JP" altLang="en-US"/>
+          </a:p>
+        </p:txBody>
+      </p:sp>
+      <p:sp>
+        <p:nvSpPr>
+          <p:cNvPr id="8" name="テキスト ボックス 7">
+            <a:extLst>
+              <a:ext uri="{FF2B5EF4-FFF2-40B4-BE49-F238E27FC236}">
+                <a16:creationId xmlns:a16="http://schemas.microsoft.com/office/drawing/2014/main" id="{FC92A7D1-3F44-9D2D-BF65-ADBDAA23F329}"/>
+              </a:ext>
+            </a:extLst>
+          </p:cNvPr>
+          <p:cNvSpPr txBox="1"/>
+          <p:nvPr/>
+        </p:nvSpPr>
+        <p:spPr>
+          <a:xfrm>
+            <a:off x="5170086" y="-646332"/>
+            <a:ext cx="1370888" cy="646331"/>
+          </a:xfrm>
+          <a:prstGeom prst="rect">
+            <a:avLst/>
+          </a:prstGeom>
+          <a:noFill/>
+        </p:spPr>
+        <p:txBody>
+          <a:bodyPr wrap="none" rtlCol="0">
+            <a:spAutoFit/>
+          </a:bodyPr>
+          <a:lstStyle/>
+          <a:p>
+            <a:r>
+              <a:rPr kumimoji="1" lang="en-US" altLang="ja-JP" dirty="0" err="1"/>
+              <a:t>HeIIa</a:t>
+            </a:r>
+            <a:r>
+              <a:rPr kumimoji="1" lang="en-US" altLang="ja-JP" dirty="0"/>
+              <a:t>-HeIa</a:t>
+            </a:r>
+          </a:p>
+          <a:p>
+            <a:r>
+              <a:rPr kumimoji="1" lang="en-US" altLang="ja-JP" dirty="0"/>
+              <a:t>=19.596 eV</a:t>
+            </a:r>
+            <a:endParaRPr kumimoji="1" lang="ja-JP" altLang="en-US"/>
+          </a:p>
+        </p:txBody>
+      </p:sp>
+      <p:sp>
+        <p:nvSpPr>
+          <p:cNvPr id="9" name="テキスト ボックス 8">
+            <a:extLst>
+              <a:ext uri="{FF2B5EF4-FFF2-40B4-BE49-F238E27FC236}">
+                <a16:creationId xmlns:a16="http://schemas.microsoft.com/office/drawing/2014/main" id="{86EAFACC-0A43-C8EB-D290-FC05F418D4C3}"/>
+              </a:ext>
+            </a:extLst>
+          </p:cNvPr>
+          <p:cNvSpPr txBox="1"/>
+          <p:nvPr/>
+        </p:nvSpPr>
+        <p:spPr>
+          <a:xfrm>
+            <a:off x="6540974" y="-646331"/>
+            <a:ext cx="1447832" cy="646331"/>
+          </a:xfrm>
+          <a:prstGeom prst="rect">
+            <a:avLst/>
+          </a:prstGeom>
+          <a:noFill/>
+        </p:spPr>
+        <p:txBody>
+          <a:bodyPr wrap="none" rtlCol="0">
+            <a:spAutoFit/>
+          </a:bodyPr>
+          <a:lstStyle/>
+          <a:p>
+            <a:r>
+              <a:rPr kumimoji="1" lang="en-US" altLang="ja-JP" dirty="0" err="1"/>
+              <a:t>XeIa</a:t>
+            </a:r>
+            <a:r>
+              <a:rPr kumimoji="1" lang="en-US" altLang="ja-JP" dirty="0"/>
+              <a:t>-HeIa</a:t>
+            </a:r>
+          </a:p>
+          <a:p>
+            <a:r>
+              <a:rPr kumimoji="1" lang="en-US" altLang="ja-JP" dirty="0"/>
+              <a:t>=-12.781 eV</a:t>
+            </a:r>
+            <a:endParaRPr kumimoji="1" lang="ja-JP" altLang="en-US"/>
+          </a:p>
+        </p:txBody>
+      </p:sp>
+      <p:sp>
+        <p:nvSpPr>
+          <p:cNvPr id="10" name="テキスト ボックス 9">
+            <a:extLst>
+              <a:ext uri="{FF2B5EF4-FFF2-40B4-BE49-F238E27FC236}">
+                <a16:creationId xmlns:a16="http://schemas.microsoft.com/office/drawing/2014/main" id="{5028239E-E281-6071-A3FC-D71792F8141B}"/>
+              </a:ext>
+            </a:extLst>
+          </p:cNvPr>
+          <p:cNvSpPr txBox="1"/>
+          <p:nvPr/>
+        </p:nvSpPr>
+        <p:spPr>
+          <a:xfrm>
+            <a:off x="7928981" y="-646333"/>
+            <a:ext cx="1430713" cy="646331"/>
+          </a:xfrm>
+          <a:prstGeom prst="rect">
+            <a:avLst/>
+          </a:prstGeom>
+          <a:noFill/>
+        </p:spPr>
+        <p:txBody>
+          <a:bodyPr wrap="none" rtlCol="0">
+            <a:spAutoFit/>
+          </a:bodyPr>
+          <a:lstStyle/>
+          <a:p>
+            <a:r>
+              <a:rPr kumimoji="1" lang="en-US" altLang="ja-JP" dirty="0" err="1"/>
+              <a:t>XeIa</a:t>
+            </a:r>
+            <a:r>
+              <a:rPr kumimoji="1" lang="en-US" altLang="ja-JP" dirty="0"/>
+              <a:t>-HeIa</a:t>
+            </a:r>
+          </a:p>
+          <a:p>
+            <a:r>
+              <a:rPr kumimoji="1" lang="en-US" altLang="ja-JP" dirty="0"/>
+              <a:t>=-11.648 eV</a:t>
+            </a:r>
+            <a:endParaRPr kumimoji="1" lang="ja-JP" altLang="en-US"/>
+          </a:p>
+        </p:txBody>
+      </p:sp>
+    </p:spTree>
+    <p:extLst>
+      <p:ext uri="{BB962C8B-B14F-4D97-AF65-F5344CB8AC3E}">
+        <p14:creationId xmlns:p14="http://schemas.microsoft.com/office/powerpoint/2010/main" val="3938522206"/>
+      </p:ext>
+    </p:extLst>
+  </p:cSld>
+  <p:clrMapOvr>
+    <a:masterClrMapping/>
+  </p:clrMapOvr>
+</p:sld>
+</file>
+
+<file path=ppt/slides/slide2.xml><?xml version="1.0" encoding="utf-8"?>
+<p:sld xmlns:a="http://schemas.openxmlformats.org/drawingml/2006/main" xmlns:r="http://schemas.openxmlformats.org/officeDocument/2006/relationships" xmlns:p="http://schemas.openxmlformats.org/presentationml/2006/main">
+  <p:cSld>
+    <p:spTree>
+      <p:nvGrpSpPr>
+        <p:cNvPr id="1" name=""/>
+        <p:cNvGrpSpPr/>
+        <p:nvPr/>
+      </p:nvGrpSpPr>
+      <p:grpSpPr>
+        <a:xfrm>
+          <a:off x="0" y="0"/>
+          <a:ext cx="0" cy="0"/>
+          <a:chOff x="0" y="0"/>
+          <a:chExt cx="0" cy="0"/>
+        </a:xfrm>
+      </p:grpSpPr>
+      <p:graphicFrame>
+        <p:nvGraphicFramePr>
+          <p:cNvPr id="4" name="表 3">
+            <a:extLst>
+              <a:ext uri="{FF2B5EF4-FFF2-40B4-BE49-F238E27FC236}">
+                <a16:creationId xmlns:a16="http://schemas.microsoft.com/office/drawing/2014/main" id="{A980DEC4-71C7-D07C-160A-DF782D3BAB7F}"/>
+              </a:ext>
+            </a:extLst>
+          </p:cNvPr>
+          <p:cNvGraphicFramePr>
+            <a:graphicFrameLocks noGrp="1"/>
+          </p:cNvGraphicFramePr>
+          <p:nvPr>
+            <p:extLst>
+              <p:ext uri="{D42A27DB-BD31-4B8C-83A1-F6EECF244321}">
                 <p14:modId xmlns:p14="http://schemas.microsoft.com/office/powerpoint/2010/main" val="3656025965"/>
               </p:ext>
             </p:extLst>
@@ -6397,3251 +9642,6 @@
     <p:extLst>
       <p:ext uri="{BB962C8B-B14F-4D97-AF65-F5344CB8AC3E}">
         <p14:creationId xmlns:p14="http://schemas.microsoft.com/office/powerpoint/2010/main" val="101743813"/>
-      </p:ext>
-    </p:extLst>
-  </p:cSld>
-  <p:clrMapOvr>
-    <a:masterClrMapping/>
-  </p:clrMapOvr>
-</p:sld>
-</file>
-
-<file path=ppt/slides/slide2.xml><?xml version="1.0" encoding="utf-8"?>
-<p:sld xmlns:a="http://schemas.openxmlformats.org/drawingml/2006/main" xmlns:r="http://schemas.openxmlformats.org/officeDocument/2006/relationships" xmlns:p="http://schemas.openxmlformats.org/presentationml/2006/main">
-  <p:cSld>
-    <p:spTree>
-      <p:nvGrpSpPr>
-        <p:cNvPr id="1" name=""/>
-        <p:cNvGrpSpPr/>
-        <p:nvPr/>
-      </p:nvGrpSpPr>
-      <p:grpSpPr>
-        <a:xfrm>
-          <a:off x="0" y="0"/>
-          <a:ext cx="0" cy="0"/>
-          <a:chOff x="0" y="0"/>
-          <a:chExt cx="0" cy="0"/>
-        </a:xfrm>
-      </p:grpSpPr>
-      <p:graphicFrame>
-        <p:nvGraphicFramePr>
-          <p:cNvPr id="4" name="表 3">
-            <a:extLst>
-              <a:ext uri="{FF2B5EF4-FFF2-40B4-BE49-F238E27FC236}">
-                <a16:creationId xmlns:a16="http://schemas.microsoft.com/office/drawing/2014/main" id="{A980DEC4-71C7-D07C-160A-DF782D3BAB7F}"/>
-              </a:ext>
-            </a:extLst>
-          </p:cNvPr>
-          <p:cNvGraphicFramePr>
-            <a:graphicFrameLocks noGrp="1"/>
-          </p:cNvGraphicFramePr>
-          <p:nvPr>
-            <p:extLst>
-              <p:ext uri="{D42A27DB-BD31-4B8C-83A1-F6EECF244321}">
-                <p14:modId xmlns:p14="http://schemas.microsoft.com/office/powerpoint/2010/main" val="2392569700"/>
-              </p:ext>
-            </p:extLst>
-          </p:nvPr>
-        </p:nvGraphicFramePr>
-        <p:xfrm>
-          <a:off x="0" y="784202"/>
-          <a:ext cx="12192002" cy="4617720"/>
-        </p:xfrm>
-        <a:graphic>
-          <a:graphicData uri="http://schemas.openxmlformats.org/drawingml/2006/table">
-            <a:tbl>
-              <a:tblPr firstRow="1" bandRow="1">
-                <a:tableStyleId>{5C22544A-7EE6-4342-B048-85BDC9FD1C3A}</a:tableStyleId>
-              </a:tblPr>
-              <a:tblGrid>
-                <a:gridCol w="1427630">
-                  <a:extLst>
-                    <a:ext uri="{9D8B030D-6E8A-4147-A177-3AD203B41FA5}">
-                      <a16:colId xmlns:a16="http://schemas.microsoft.com/office/drawing/2014/main" val="3267943048"/>
-                    </a:ext>
-                  </a:extLst>
-                </a:gridCol>
-                <a:gridCol w="896941">
-                  <a:extLst>
-                    <a:ext uri="{9D8B030D-6E8A-4147-A177-3AD203B41FA5}">
-                      <a16:colId xmlns:a16="http://schemas.microsoft.com/office/drawing/2014/main" val="3287194367"/>
-                    </a:ext>
-                  </a:extLst>
-                </a:gridCol>
-                <a:gridCol w="1409633">
-                  <a:extLst>
-                    <a:ext uri="{9D8B030D-6E8A-4147-A177-3AD203B41FA5}">
-                      <a16:colId xmlns:a16="http://schemas.microsoft.com/office/drawing/2014/main" val="3268376557"/>
-                    </a:ext>
-                  </a:extLst>
-                </a:gridCol>
-                <a:gridCol w="1409633">
-                  <a:extLst>
-                    <a:ext uri="{9D8B030D-6E8A-4147-A177-3AD203B41FA5}">
-                      <a16:colId xmlns:a16="http://schemas.microsoft.com/office/drawing/2014/main" val="2468044315"/>
-                    </a:ext>
-                  </a:extLst>
-                </a:gridCol>
-                <a:gridCol w="1409633">
-                  <a:extLst>
-                    <a:ext uri="{9D8B030D-6E8A-4147-A177-3AD203B41FA5}">
-                      <a16:colId xmlns:a16="http://schemas.microsoft.com/office/drawing/2014/main" val="2761048391"/>
-                    </a:ext>
-                  </a:extLst>
-                </a:gridCol>
-                <a:gridCol w="1409633">
-                  <a:extLst>
-                    <a:ext uri="{9D8B030D-6E8A-4147-A177-3AD203B41FA5}">
-                      <a16:colId xmlns:a16="http://schemas.microsoft.com/office/drawing/2014/main" val="2614786515"/>
-                    </a:ext>
-                  </a:extLst>
-                </a:gridCol>
-                <a:gridCol w="1409633">
-                  <a:extLst>
-                    <a:ext uri="{9D8B030D-6E8A-4147-A177-3AD203B41FA5}">
-                      <a16:colId xmlns:a16="http://schemas.microsoft.com/office/drawing/2014/main" val="2631371507"/>
-                    </a:ext>
-                  </a:extLst>
-                </a:gridCol>
-                <a:gridCol w="1409633">
-                  <a:extLst>
-                    <a:ext uri="{9D8B030D-6E8A-4147-A177-3AD203B41FA5}">
-                      <a16:colId xmlns:a16="http://schemas.microsoft.com/office/drawing/2014/main" val="3181379609"/>
-                    </a:ext>
-                  </a:extLst>
-                </a:gridCol>
-                <a:gridCol w="1409633">
-                  <a:extLst>
-                    <a:ext uri="{9D8B030D-6E8A-4147-A177-3AD203B41FA5}">
-                      <a16:colId xmlns:a16="http://schemas.microsoft.com/office/drawing/2014/main" val="840818448"/>
-                    </a:ext>
-                  </a:extLst>
-                </a:gridCol>
-              </a:tblGrid>
-              <a:tr h="370840">
-                <a:tc gridSpan="2">
-                  <a:txBody>
-                    <a:bodyPr/>
-                    <a:lstStyle/>
-                    <a:p>
-                      <a:pPr algn="ctr" fontAlgn="ctr"/>
-                      <a:r>
-                        <a:rPr lang="en-US" sz="1800" b="0" i="0" u="none" strike="noStrike" dirty="0">
-                          <a:solidFill>
-                            <a:schemeClr val="bg1"/>
-                          </a:solidFill>
-                          <a:effectLst/>
-                          <a:latin typeface="+mn-lt"/>
-                          <a:ea typeface="游ゴシック" panose="020B0400000000000000" pitchFamily="50" charset="-128"/>
-                        </a:rPr>
-                        <a:t>Photon Sources</a:t>
-                      </a:r>
-                    </a:p>
-                  </a:txBody>
-                  <a:tcPr marL="6350" marR="6350" marT="6350" marB="0" anchor="ctr"/>
-                </a:tc>
-                <a:tc hMerge="1">
-                  <a:txBody>
-                    <a:bodyPr/>
-                    <a:lstStyle/>
-                    <a:p>
-                      <a:endParaRPr kumimoji="1" lang="ja-JP" altLang="en-US"/>
-                    </a:p>
-                  </a:txBody>
-                  <a:tcPr/>
-                </a:tc>
-                <a:tc>
-                  <a:txBody>
-                    <a:bodyPr/>
-                    <a:lstStyle/>
-                    <a:p>
-                      <a:pPr algn="ctr" fontAlgn="ctr"/>
-                      <a:r>
-                        <a:rPr lang="en-US" sz="1800" b="0" i="0" u="none" strike="noStrike" dirty="0">
-                          <a:solidFill>
-                            <a:schemeClr val="bg1"/>
-                          </a:solidFill>
-                          <a:effectLst/>
-                          <a:latin typeface="+mn-lt"/>
-                          <a:ea typeface="游ゴシック" panose="020B0400000000000000" pitchFamily="50" charset="-128"/>
-                        </a:rPr>
-                        <a:t>He I</a:t>
-                      </a:r>
-                      <a:r>
-                        <a:rPr lang="el-GR" sz="1800" b="0" i="0" u="none" strike="noStrike" dirty="0">
-                          <a:solidFill>
-                            <a:schemeClr val="bg1"/>
-                          </a:solidFill>
-                          <a:effectLst/>
-                          <a:latin typeface="+mn-lt"/>
-                          <a:ea typeface="游ゴシック" panose="020B0400000000000000" pitchFamily="50" charset="-128"/>
-                        </a:rPr>
-                        <a:t>α</a:t>
-                      </a:r>
-                    </a:p>
-                  </a:txBody>
-                  <a:tcPr marL="6350" marR="6350" marT="6350" marB="0" anchor="ctr"/>
-                </a:tc>
-                <a:tc>
-                  <a:txBody>
-                    <a:bodyPr/>
-                    <a:lstStyle/>
-                    <a:p>
-                      <a:pPr algn="ctr" fontAlgn="ctr"/>
-                      <a:r>
-                        <a:rPr lang="en-US" sz="1800" b="0" i="0" u="none" strike="noStrike" dirty="0">
-                          <a:solidFill>
-                            <a:schemeClr val="bg1"/>
-                          </a:solidFill>
-                          <a:effectLst/>
-                          <a:latin typeface="+mn-lt"/>
-                          <a:ea typeface="游ゴシック" panose="020B0400000000000000" pitchFamily="50" charset="-128"/>
-                        </a:rPr>
-                        <a:t>He I</a:t>
-                      </a:r>
-                      <a:r>
-                        <a:rPr lang="el-GR" sz="1800" b="0" i="0" u="none" strike="noStrike" dirty="0">
-                          <a:solidFill>
-                            <a:schemeClr val="bg1"/>
-                          </a:solidFill>
-                          <a:effectLst/>
-                          <a:latin typeface="+mn-lt"/>
-                          <a:ea typeface="游ゴシック" panose="020B0400000000000000" pitchFamily="50" charset="-128"/>
-                        </a:rPr>
-                        <a:t>β</a:t>
-                      </a:r>
-                    </a:p>
-                  </a:txBody>
-                  <a:tcPr marL="6350" marR="6350" marT="6350" marB="0" anchor="ctr"/>
-                </a:tc>
-                <a:tc>
-                  <a:txBody>
-                    <a:bodyPr/>
-                    <a:lstStyle/>
-                    <a:p>
-                      <a:pPr algn="ctr" fontAlgn="ctr"/>
-                      <a:r>
-                        <a:rPr lang="en-US" sz="1800" b="0" i="0" u="none" strike="noStrike" dirty="0">
-                          <a:solidFill>
-                            <a:schemeClr val="bg1"/>
-                          </a:solidFill>
-                          <a:effectLst/>
-                          <a:latin typeface="+mn-lt"/>
-                          <a:ea typeface="游ゴシック" panose="020B0400000000000000" pitchFamily="50" charset="-128"/>
-                        </a:rPr>
-                        <a:t>He II</a:t>
-                      </a:r>
-                      <a:r>
-                        <a:rPr lang="el-GR" sz="1800" b="0" i="0" u="none" strike="noStrike" dirty="0">
-                          <a:solidFill>
-                            <a:schemeClr val="bg1"/>
-                          </a:solidFill>
-                          <a:effectLst/>
-                          <a:latin typeface="+mn-lt"/>
-                          <a:ea typeface="游ゴシック" panose="020B0400000000000000" pitchFamily="50" charset="-128"/>
-                        </a:rPr>
-                        <a:t>α</a:t>
-                      </a:r>
-                    </a:p>
-                  </a:txBody>
-                  <a:tcPr marL="6350" marR="6350" marT="6350" marB="0" anchor="ctr"/>
-                </a:tc>
-                <a:tc>
-                  <a:txBody>
-                    <a:bodyPr/>
-                    <a:lstStyle/>
-                    <a:p>
-                      <a:pPr algn="ctr" fontAlgn="ctr"/>
-                      <a:r>
-                        <a:rPr lang="en-US" sz="1800" b="0" i="0" u="none" strike="noStrike" dirty="0">
-                          <a:solidFill>
-                            <a:schemeClr val="bg1"/>
-                          </a:solidFill>
-                          <a:effectLst/>
-                          <a:latin typeface="+mn-lt"/>
-                          <a:ea typeface="游ゴシック" panose="020B0400000000000000" pitchFamily="50" charset="-128"/>
-                        </a:rPr>
-                        <a:t>Xe I</a:t>
-                      </a:r>
-                      <a:r>
-                        <a:rPr lang="el-GR" sz="1800" b="0" i="0" u="none" strike="noStrike" dirty="0">
-                          <a:solidFill>
-                            <a:schemeClr val="bg1"/>
-                          </a:solidFill>
-                          <a:effectLst/>
-                          <a:latin typeface="+mn-lt"/>
-                          <a:ea typeface="游ゴシック" panose="020B0400000000000000" pitchFamily="50" charset="-128"/>
-                        </a:rPr>
-                        <a:t>α</a:t>
-                      </a:r>
-                      <a:r>
-                        <a:rPr lang="en-US" sz="1800" b="0" i="0" u="none" strike="noStrike" dirty="0">
-                          <a:solidFill>
-                            <a:schemeClr val="bg1"/>
-                          </a:solidFill>
-                          <a:effectLst/>
-                          <a:latin typeface="+mn-lt"/>
-                          <a:ea typeface="游ゴシック" panose="020B0400000000000000" pitchFamily="50" charset="-128"/>
-                        </a:rPr>
-                        <a:t> (</a:t>
-                      </a:r>
-                      <a:r>
-                        <a:rPr lang="en-US" sz="1800" b="0" i="0" u="none" strike="noStrike" baseline="30000" dirty="0">
-                          <a:solidFill>
-                            <a:schemeClr val="bg1"/>
-                          </a:solidFill>
-                          <a:effectLst/>
-                          <a:latin typeface="+mn-lt"/>
-                          <a:ea typeface="游ゴシック" panose="020B0400000000000000" pitchFamily="50" charset="-128"/>
-                        </a:rPr>
-                        <a:t>3</a:t>
-                      </a:r>
-                      <a:r>
-                        <a:rPr lang="en-US" sz="1800" b="0" i="0" u="none" strike="noStrike" dirty="0">
-                          <a:solidFill>
-                            <a:schemeClr val="bg1"/>
-                          </a:solidFill>
-                          <a:effectLst/>
-                          <a:latin typeface="+mn-lt"/>
-                          <a:ea typeface="游ゴシック" panose="020B0400000000000000" pitchFamily="50" charset="-128"/>
-                        </a:rPr>
-                        <a:t>P</a:t>
-                      </a:r>
-                      <a:r>
-                        <a:rPr lang="en-US" sz="1800" b="0" i="0" u="none" strike="noStrike" baseline="-25000" dirty="0">
-                          <a:solidFill>
-                            <a:schemeClr val="bg1"/>
-                          </a:solidFill>
-                          <a:effectLst/>
-                          <a:latin typeface="+mn-lt"/>
-                          <a:ea typeface="游ゴシック" panose="020B0400000000000000" pitchFamily="50" charset="-128"/>
-                        </a:rPr>
-                        <a:t>1</a:t>
-                      </a:r>
-                      <a:r>
-                        <a:rPr lang="en-US" sz="1800" b="0" i="0" u="none" strike="noStrike" dirty="0">
-                          <a:solidFill>
-                            <a:schemeClr val="bg1"/>
-                          </a:solidFill>
-                          <a:effectLst/>
-                          <a:latin typeface="+mn-lt"/>
-                          <a:ea typeface="游ゴシック" panose="020B0400000000000000" pitchFamily="50" charset="-128"/>
-                        </a:rPr>
-                        <a:t>)</a:t>
-                      </a:r>
-                      <a:endParaRPr lang="el-GR" sz="1800" b="0" i="0" u="none" strike="noStrike" dirty="0">
-                        <a:solidFill>
-                          <a:schemeClr val="bg1"/>
-                        </a:solidFill>
-                        <a:effectLst/>
-                        <a:latin typeface="+mn-lt"/>
-                        <a:ea typeface="游ゴシック" panose="020B0400000000000000" pitchFamily="50" charset="-128"/>
-                      </a:endParaRPr>
-                    </a:p>
-                  </a:txBody>
-                  <a:tcPr marL="6350" marR="6350" marT="6350" marB="0" anchor="ctr"/>
-                </a:tc>
-                <a:tc>
-                  <a:txBody>
-                    <a:bodyPr/>
-                    <a:lstStyle/>
-                    <a:p>
-                      <a:pPr marL="0" marR="0" lvl="0" indent="0" algn="ctr" defTabSz="914400" rtl="0" eaLnBrk="1" fontAlgn="auto" latinLnBrk="0" hangingPunct="1">
-                        <a:lnSpc>
-                          <a:spcPct val="100000"/>
-                        </a:lnSpc>
-                        <a:spcBef>
-                          <a:spcPts val="0"/>
-                        </a:spcBef>
-                        <a:spcAft>
-                          <a:spcPts val="0"/>
-                        </a:spcAft>
-                        <a:buClrTx/>
-                        <a:buSzTx/>
-                        <a:buFontTx/>
-                        <a:buNone/>
-                        <a:tabLst/>
-                        <a:defRPr/>
-                      </a:pPr>
-                      <a:r>
-                        <a:rPr lang="en-US" altLang="ja-JP" sz="1800" b="0" i="0" u="none" strike="noStrike" dirty="0">
-                          <a:solidFill>
-                            <a:schemeClr val="bg1"/>
-                          </a:solidFill>
-                          <a:effectLst/>
-                          <a:latin typeface="+mn-lt"/>
-                          <a:ea typeface="+mn-ea"/>
-                        </a:rPr>
-                        <a:t>Xe I</a:t>
-                      </a:r>
-                      <a:r>
-                        <a:rPr lang="el-GR" altLang="ja-JP" sz="1800" b="0" i="0" u="none" strike="noStrike" dirty="0">
-                          <a:solidFill>
-                            <a:schemeClr val="bg1"/>
-                          </a:solidFill>
-                          <a:effectLst/>
-                          <a:latin typeface="+mn-lt"/>
-                          <a:ea typeface="+mn-ea"/>
-                        </a:rPr>
-                        <a:t>α</a:t>
-                      </a:r>
-                      <a:r>
-                        <a:rPr lang="en-US" altLang="ja-JP" sz="1800" b="0" i="0" u="none" strike="noStrike" dirty="0">
-                          <a:solidFill>
-                            <a:schemeClr val="bg1"/>
-                          </a:solidFill>
-                          <a:effectLst/>
-                          <a:latin typeface="+mn-lt"/>
-                          <a:ea typeface="+mn-ea"/>
-                        </a:rPr>
-                        <a:t> (</a:t>
-                      </a:r>
-                      <a:r>
-                        <a:rPr lang="en-US" altLang="ja-JP" sz="1800" b="0" i="0" u="none" strike="noStrike" baseline="30000" dirty="0">
-                          <a:solidFill>
-                            <a:schemeClr val="bg1"/>
-                          </a:solidFill>
-                          <a:effectLst/>
-                          <a:latin typeface="+mn-lt"/>
-                          <a:ea typeface="+mn-ea"/>
-                        </a:rPr>
-                        <a:t>1</a:t>
-                      </a:r>
-                      <a:r>
-                        <a:rPr lang="en-US" altLang="ja-JP" sz="1800" b="0" i="0" u="none" strike="noStrike" dirty="0">
-                          <a:solidFill>
-                            <a:schemeClr val="bg1"/>
-                          </a:solidFill>
-                          <a:effectLst/>
-                          <a:latin typeface="+mn-lt"/>
-                          <a:ea typeface="+mn-ea"/>
-                        </a:rPr>
-                        <a:t>P</a:t>
-                      </a:r>
-                      <a:r>
-                        <a:rPr lang="en-US" altLang="ja-JP" sz="1800" b="0" i="0" u="none" strike="noStrike" baseline="-25000" dirty="0">
-                          <a:solidFill>
-                            <a:schemeClr val="bg1"/>
-                          </a:solidFill>
-                          <a:effectLst/>
-                          <a:latin typeface="+mn-lt"/>
-                          <a:ea typeface="+mn-ea"/>
-                        </a:rPr>
-                        <a:t>1</a:t>
-                      </a:r>
-                      <a:r>
-                        <a:rPr lang="en-US" altLang="ja-JP" sz="1800" b="0" i="0" u="none" strike="noStrike" dirty="0">
-                          <a:solidFill>
-                            <a:schemeClr val="bg1"/>
-                          </a:solidFill>
-                          <a:effectLst/>
-                          <a:latin typeface="+mn-lt"/>
-                          <a:ea typeface="+mn-ea"/>
-                        </a:rPr>
-                        <a:t>)</a:t>
-                      </a:r>
-                      <a:endParaRPr lang="el-GR" altLang="ja-JP" sz="1800" b="0" i="0" u="none" strike="noStrike" dirty="0">
-                        <a:solidFill>
-                          <a:schemeClr val="bg1"/>
-                        </a:solidFill>
-                        <a:effectLst/>
-                        <a:latin typeface="+mn-lt"/>
-                        <a:ea typeface="+mn-ea"/>
-                      </a:endParaRPr>
-                    </a:p>
-                  </a:txBody>
-                  <a:tcPr/>
-                </a:tc>
-                <a:tc>
-                  <a:txBody>
-                    <a:bodyPr/>
-                    <a:lstStyle/>
-                    <a:p>
-                      <a:pPr marL="0" marR="0" lvl="0" indent="0" algn="ctr" defTabSz="914400" rtl="0" eaLnBrk="1" fontAlgn="auto" latinLnBrk="0" hangingPunct="1">
-                        <a:lnSpc>
-                          <a:spcPct val="100000"/>
-                        </a:lnSpc>
-                        <a:spcBef>
-                          <a:spcPts val="0"/>
-                        </a:spcBef>
-                        <a:spcAft>
-                          <a:spcPts val="0"/>
-                        </a:spcAft>
-                        <a:buClrTx/>
-                        <a:buSzTx/>
-                        <a:buFontTx/>
-                        <a:buNone/>
-                        <a:tabLst/>
-                        <a:defRPr/>
-                      </a:pPr>
-                      <a:r>
-                        <a:rPr lang="en-US" altLang="ja-JP" sz="1800" b="0" i="0" u="none" strike="noStrike" dirty="0" err="1">
-                          <a:solidFill>
-                            <a:schemeClr val="bg1"/>
-                          </a:solidFill>
-                          <a:effectLst/>
-                          <a:latin typeface="+mn-lt"/>
-                          <a:ea typeface="+mn-ea"/>
-                        </a:rPr>
-                        <a:t>AlK</a:t>
-                      </a:r>
-                      <a:r>
-                        <a:rPr lang="el-GR" altLang="ja-JP" sz="1800" b="0" i="0" u="none" strike="noStrike" dirty="0">
-                          <a:solidFill>
-                            <a:schemeClr val="bg1"/>
-                          </a:solidFill>
-                          <a:effectLst/>
-                          <a:latin typeface="+mn-lt"/>
-                          <a:ea typeface="+mn-ea"/>
-                        </a:rPr>
-                        <a:t>α</a:t>
-                      </a:r>
-                      <a:r>
-                        <a:rPr lang="en-US" altLang="ja-JP" sz="1800" b="0" i="0" u="none" strike="noStrike" baseline="-25000" dirty="0">
-                          <a:solidFill>
-                            <a:schemeClr val="bg1"/>
-                          </a:solidFill>
-                          <a:effectLst/>
-                          <a:latin typeface="+mn-lt"/>
-                          <a:ea typeface="+mn-ea"/>
-                        </a:rPr>
-                        <a:t>1,2</a:t>
-                      </a:r>
-                      <a:endParaRPr lang="el-GR" altLang="ja-JP" sz="1800" b="0" i="0" u="none" strike="noStrike" baseline="-25000" dirty="0">
-                        <a:solidFill>
-                          <a:schemeClr val="bg1"/>
-                        </a:solidFill>
-                        <a:effectLst/>
-                        <a:latin typeface="+mn-lt"/>
-                        <a:ea typeface="+mn-ea"/>
-                      </a:endParaRPr>
-                    </a:p>
-                  </a:txBody>
-                  <a:tcPr/>
-                </a:tc>
-                <a:tc>
-                  <a:txBody>
-                    <a:bodyPr/>
-                    <a:lstStyle/>
-                    <a:p>
-                      <a:pPr marL="0" marR="0" lvl="0" indent="0" algn="ctr" defTabSz="914400" rtl="0" eaLnBrk="1" fontAlgn="auto" latinLnBrk="0" hangingPunct="1">
-                        <a:lnSpc>
-                          <a:spcPct val="100000"/>
-                        </a:lnSpc>
-                        <a:spcBef>
-                          <a:spcPts val="0"/>
-                        </a:spcBef>
-                        <a:spcAft>
-                          <a:spcPts val="0"/>
-                        </a:spcAft>
-                        <a:buClrTx/>
-                        <a:buSzTx/>
-                        <a:buFontTx/>
-                        <a:buNone/>
-                        <a:tabLst/>
-                        <a:defRPr/>
-                      </a:pPr>
-                      <a:r>
-                        <a:rPr lang="en-US" altLang="ja-JP" sz="1800" b="0" i="0" u="none" strike="noStrike" dirty="0" err="1">
-                          <a:solidFill>
-                            <a:schemeClr val="bg1"/>
-                          </a:solidFill>
-                          <a:effectLst/>
-                          <a:latin typeface="+mn-lt"/>
-                          <a:ea typeface="+mn-ea"/>
-                        </a:rPr>
-                        <a:t>MgK</a:t>
-                      </a:r>
-                      <a:r>
-                        <a:rPr lang="el-GR" altLang="ja-JP" sz="1800" b="0" i="0" u="none" strike="noStrike" dirty="0">
-                          <a:solidFill>
-                            <a:schemeClr val="bg1"/>
-                          </a:solidFill>
-                          <a:effectLst/>
-                          <a:latin typeface="+mn-lt"/>
-                          <a:ea typeface="+mn-ea"/>
-                        </a:rPr>
-                        <a:t>α</a:t>
-                      </a:r>
-                      <a:r>
-                        <a:rPr lang="en-US" altLang="ja-JP" sz="1800" b="0" i="0" u="none" strike="noStrike" baseline="-25000" dirty="0">
-                          <a:solidFill>
-                            <a:schemeClr val="bg1"/>
-                          </a:solidFill>
-                          <a:effectLst/>
-                          <a:latin typeface="+mn-lt"/>
-                          <a:ea typeface="+mn-ea"/>
-                        </a:rPr>
-                        <a:t>1,2</a:t>
-                      </a:r>
-                      <a:endParaRPr lang="el-GR" altLang="ja-JP" sz="1800" b="0" i="0" u="none" strike="noStrike" baseline="-25000" dirty="0">
-                        <a:solidFill>
-                          <a:schemeClr val="bg1"/>
-                        </a:solidFill>
-                        <a:effectLst/>
-                        <a:latin typeface="+mn-lt"/>
-                        <a:ea typeface="+mn-ea"/>
-                      </a:endParaRPr>
-                    </a:p>
-                  </a:txBody>
-                  <a:tcPr/>
-                </a:tc>
-                <a:extLst>
-                  <a:ext uri="{0D108BD9-81ED-4DB2-BD59-A6C34878D82A}">
-                    <a16:rowId xmlns:a16="http://schemas.microsoft.com/office/drawing/2014/main" val="1858280761"/>
-                  </a:ext>
-                </a:extLst>
-              </a:tr>
-              <a:tr h="370840">
-                <a:tc gridSpan="2">
-                  <a:txBody>
-                    <a:bodyPr/>
-                    <a:lstStyle/>
-                    <a:p>
-                      <a:pPr algn="ctr"/>
-                      <a:r>
-                        <a:rPr kumimoji="1" lang="en-US" altLang="ja-JP" sz="1800" b="0" dirty="0">
-                          <a:latin typeface="+mn-lt"/>
-                        </a:rPr>
-                        <a:t>Source transition</a:t>
-                      </a:r>
-                    </a:p>
-                  </a:txBody>
-                  <a:tcPr/>
-                </a:tc>
-                <a:tc hMerge="1">
-                  <a:txBody>
-                    <a:bodyPr/>
-                    <a:lstStyle/>
-                    <a:p>
-                      <a:endParaRPr kumimoji="1" lang="ja-JP" altLang="en-US"/>
-                    </a:p>
-                  </a:txBody>
-                  <a:tcPr/>
-                </a:tc>
-                <a:tc>
-                  <a:txBody>
-                    <a:bodyPr/>
-                    <a:lstStyle/>
-                    <a:p>
-                      <a:pPr algn="ctr"/>
-                      <a:r>
-                        <a:rPr kumimoji="1" lang="en-US" altLang="ja-JP" sz="1800" b="0" dirty="0">
-                          <a:latin typeface="+mn-lt"/>
-                        </a:rPr>
-                        <a:t>1s2p(</a:t>
-                      </a:r>
-                      <a:r>
-                        <a:rPr kumimoji="1" lang="en-US" altLang="ja-JP" sz="1800" b="0" baseline="30000" dirty="0">
-                          <a:latin typeface="+mn-lt"/>
-                        </a:rPr>
-                        <a:t>1</a:t>
-                      </a:r>
-                      <a:r>
-                        <a:rPr kumimoji="1" lang="en-US" altLang="ja-JP" sz="1800" b="0" dirty="0">
-                          <a:latin typeface="+mn-lt"/>
-                        </a:rPr>
-                        <a:t>P</a:t>
-                      </a:r>
-                      <a:r>
-                        <a:rPr kumimoji="1" lang="en-US" altLang="ja-JP" sz="1800" b="0" baseline="-25000" dirty="0">
-                          <a:latin typeface="+mn-lt"/>
-                        </a:rPr>
-                        <a:t>1</a:t>
-                      </a:r>
-                      <a:r>
-                        <a:rPr kumimoji="1" lang="en-US" altLang="ja-JP" sz="1800" b="0" dirty="0">
-                          <a:latin typeface="+mn-lt"/>
-                        </a:rPr>
-                        <a:t>)</a:t>
-                      </a:r>
-                      <a:br>
-                        <a:rPr kumimoji="1" lang="en-US" altLang="ja-JP" sz="1800" b="0" dirty="0">
-                          <a:latin typeface="+mn-lt"/>
-                        </a:rPr>
-                      </a:br>
-                      <a:r>
-                        <a:rPr kumimoji="1" lang="ja-JP" altLang="en-US" sz="1800" b="0">
-                          <a:latin typeface="+mn-lt"/>
-                        </a:rPr>
-                        <a:t>➔</a:t>
-                      </a:r>
-                      <a:r>
-                        <a:rPr kumimoji="1" lang="en-US" altLang="ja-JP" sz="1800" b="0" dirty="0">
-                          <a:latin typeface="+mn-lt"/>
-                        </a:rPr>
-                        <a:t>1s</a:t>
-                      </a:r>
-                      <a:r>
-                        <a:rPr kumimoji="1" lang="en-US" altLang="ja-JP" sz="1800" b="0" baseline="30000" dirty="0">
-                          <a:latin typeface="+mn-lt"/>
-                        </a:rPr>
-                        <a:t>2</a:t>
-                      </a:r>
-                      <a:endParaRPr kumimoji="1" lang="ja-JP" altLang="en-US" sz="1800" b="0" baseline="30000" dirty="0">
-                        <a:latin typeface="+mn-lt"/>
-                      </a:endParaRPr>
-                    </a:p>
-                  </a:txBody>
-                  <a:tcPr/>
-                </a:tc>
-                <a:tc>
-                  <a:txBody>
-                    <a:bodyPr/>
-                    <a:lstStyle/>
-                    <a:p>
-                      <a:pPr marL="0" marR="0" lvl="0" indent="0" algn="ctr" defTabSz="914400" rtl="0" eaLnBrk="1" fontAlgn="auto" latinLnBrk="0" hangingPunct="1">
-                        <a:lnSpc>
-                          <a:spcPct val="100000"/>
-                        </a:lnSpc>
-                        <a:spcBef>
-                          <a:spcPts val="0"/>
-                        </a:spcBef>
-                        <a:spcAft>
-                          <a:spcPts val="0"/>
-                        </a:spcAft>
-                        <a:buClrTx/>
-                        <a:buSzTx/>
-                        <a:buFontTx/>
-                        <a:buNone/>
-                        <a:tabLst/>
-                        <a:defRPr/>
-                      </a:pPr>
-                      <a:r>
-                        <a:rPr kumimoji="1" lang="en-US" altLang="ja-JP" sz="1800" b="0" dirty="0">
-                          <a:latin typeface="+mn-lt"/>
-                        </a:rPr>
-                        <a:t>1s3p(</a:t>
-                      </a:r>
-                      <a:r>
-                        <a:rPr kumimoji="1" lang="en-US" altLang="ja-JP" sz="1800" b="0" baseline="30000" dirty="0">
-                          <a:latin typeface="+mn-lt"/>
-                        </a:rPr>
-                        <a:t>1</a:t>
-                      </a:r>
-                      <a:r>
-                        <a:rPr kumimoji="1" lang="en-US" altLang="ja-JP" sz="1800" b="0" dirty="0">
-                          <a:latin typeface="+mn-lt"/>
-                        </a:rPr>
-                        <a:t>P</a:t>
-                      </a:r>
-                      <a:r>
-                        <a:rPr kumimoji="1" lang="en-US" altLang="ja-JP" sz="1800" b="0" baseline="-25000" dirty="0">
-                          <a:latin typeface="+mn-lt"/>
-                        </a:rPr>
-                        <a:t>1</a:t>
-                      </a:r>
-                      <a:r>
-                        <a:rPr kumimoji="1" lang="en-US" altLang="ja-JP" sz="1800" b="0" dirty="0">
-                          <a:latin typeface="+mn-lt"/>
-                        </a:rPr>
-                        <a:t>)</a:t>
-                      </a:r>
-                      <a:br>
-                        <a:rPr kumimoji="1" lang="en-US" altLang="ja-JP" sz="1800" b="0" dirty="0">
-                          <a:latin typeface="+mn-lt"/>
-                        </a:rPr>
-                      </a:br>
-                      <a:r>
-                        <a:rPr kumimoji="1" lang="ja-JP" altLang="en-US" sz="1800" b="0">
-                          <a:latin typeface="+mn-lt"/>
-                        </a:rPr>
-                        <a:t>➔</a:t>
-                      </a:r>
-                      <a:r>
-                        <a:rPr kumimoji="1" lang="en-US" altLang="ja-JP" sz="1800" b="0" dirty="0">
-                          <a:latin typeface="+mn-lt"/>
-                        </a:rPr>
-                        <a:t>1s</a:t>
-                      </a:r>
-                      <a:r>
-                        <a:rPr kumimoji="1" lang="en-US" altLang="ja-JP" sz="1800" b="0" baseline="30000" dirty="0">
-                          <a:latin typeface="+mn-lt"/>
-                        </a:rPr>
-                        <a:t>2</a:t>
-                      </a:r>
-                      <a:endParaRPr kumimoji="1" lang="ja-JP" altLang="en-US" sz="1800" b="0" baseline="30000" dirty="0">
-                        <a:latin typeface="+mn-lt"/>
-                      </a:endParaRPr>
-                    </a:p>
-                  </a:txBody>
-                  <a:tcPr/>
-                </a:tc>
-                <a:tc>
-                  <a:txBody>
-                    <a:bodyPr/>
-                    <a:lstStyle/>
-                    <a:p>
-                      <a:pPr marL="0" marR="0" lvl="0" indent="0" algn="ctr" defTabSz="914400" rtl="0" eaLnBrk="1" fontAlgn="auto" latinLnBrk="0" hangingPunct="1">
-                        <a:lnSpc>
-                          <a:spcPct val="100000"/>
-                        </a:lnSpc>
-                        <a:spcBef>
-                          <a:spcPts val="0"/>
-                        </a:spcBef>
-                        <a:spcAft>
-                          <a:spcPts val="0"/>
-                        </a:spcAft>
-                        <a:buClrTx/>
-                        <a:buSzTx/>
-                        <a:buFontTx/>
-                        <a:buNone/>
-                        <a:tabLst/>
-                        <a:defRPr/>
-                      </a:pPr>
-                      <a:r>
-                        <a:rPr kumimoji="1" lang="en-US" altLang="ja-JP" sz="1800" b="0" dirty="0">
-                          <a:latin typeface="+mn-lt"/>
-                        </a:rPr>
-                        <a:t>2p(</a:t>
-                      </a:r>
-                      <a:r>
-                        <a:rPr kumimoji="1" lang="en-US" altLang="ja-JP" sz="1800" b="0" baseline="30000" dirty="0">
-                          <a:latin typeface="+mn-lt"/>
-                        </a:rPr>
-                        <a:t>2</a:t>
-                      </a:r>
-                      <a:r>
-                        <a:rPr kumimoji="1" lang="en-US" altLang="ja-JP" sz="1800" b="0" dirty="0">
-                          <a:latin typeface="+mn-lt"/>
-                        </a:rPr>
-                        <a:t>P</a:t>
-                      </a:r>
-                      <a:r>
-                        <a:rPr kumimoji="1" lang="en-US" altLang="ja-JP" sz="1800" b="0" baseline="-25000" dirty="0">
-                          <a:latin typeface="+mn-lt"/>
-                        </a:rPr>
-                        <a:t>3/2</a:t>
-                      </a:r>
-                      <a:r>
-                        <a:rPr kumimoji="1" lang="en-US" altLang="ja-JP" sz="1800" b="0" dirty="0">
-                          <a:latin typeface="+mn-lt"/>
-                        </a:rPr>
-                        <a:t>)</a:t>
-                      </a:r>
-                      <a:br>
-                        <a:rPr kumimoji="1" lang="en-US" altLang="ja-JP" sz="1800" b="0" dirty="0">
-                          <a:latin typeface="+mn-lt"/>
-                        </a:rPr>
-                      </a:br>
-                      <a:r>
-                        <a:rPr kumimoji="1" lang="ja-JP" altLang="en-US" sz="1800" b="0">
-                          <a:latin typeface="+mn-lt"/>
-                        </a:rPr>
-                        <a:t>➔</a:t>
-                      </a:r>
-                      <a:r>
-                        <a:rPr kumimoji="1" lang="en-US" altLang="ja-JP" sz="1800" b="0" dirty="0">
-                          <a:latin typeface="+mn-lt"/>
-                        </a:rPr>
-                        <a:t>1s</a:t>
-                      </a:r>
-                      <a:r>
-                        <a:rPr kumimoji="1" lang="en-US" altLang="ja-JP" sz="1800" b="0" baseline="30000" dirty="0">
-                          <a:latin typeface="+mn-lt"/>
-                        </a:rPr>
-                        <a:t>2</a:t>
-                      </a:r>
-                      <a:endParaRPr kumimoji="1" lang="ja-JP" altLang="en-US" sz="1800" b="0" baseline="30000" dirty="0">
-                        <a:latin typeface="+mn-lt"/>
-                      </a:endParaRPr>
-                    </a:p>
-                  </a:txBody>
-                  <a:tcPr/>
-                </a:tc>
-                <a:tc>
-                  <a:txBody>
-                    <a:bodyPr/>
-                    <a:lstStyle/>
-                    <a:p>
-                      <a:pPr marL="0" marR="0" lvl="0" indent="0" algn="ctr" defTabSz="914400" rtl="0" eaLnBrk="1" fontAlgn="auto" latinLnBrk="0" hangingPunct="1">
-                        <a:lnSpc>
-                          <a:spcPct val="100000"/>
-                        </a:lnSpc>
-                        <a:spcBef>
-                          <a:spcPts val="0"/>
-                        </a:spcBef>
-                        <a:spcAft>
-                          <a:spcPts val="0"/>
-                        </a:spcAft>
-                        <a:buClrTx/>
-                        <a:buSzTx/>
-                        <a:buFontTx/>
-                        <a:buNone/>
-                        <a:tabLst/>
-                        <a:defRPr/>
-                      </a:pPr>
-                      <a:r>
-                        <a:rPr kumimoji="1" lang="en-US" altLang="ja-JP" sz="1800" b="0" dirty="0">
-                          <a:latin typeface="+mn-lt"/>
-                        </a:rPr>
-                        <a:t>5p</a:t>
-                      </a:r>
-                      <a:r>
-                        <a:rPr kumimoji="1" lang="en-US" altLang="ja-JP" sz="1800" b="0" baseline="30000" dirty="0">
-                          <a:latin typeface="+mn-lt"/>
-                        </a:rPr>
-                        <a:t>5</a:t>
-                      </a:r>
-                      <a:r>
-                        <a:rPr kumimoji="1" lang="en-US" altLang="ja-JP" sz="1800" b="0" dirty="0">
-                          <a:latin typeface="+mn-lt"/>
-                        </a:rPr>
-                        <a:t>6s </a:t>
-                      </a:r>
-                      <a:r>
-                        <a:rPr kumimoji="1" lang="en-US" altLang="ja-JP" sz="1800" b="0" dirty="0">
-                          <a:solidFill>
-                            <a:schemeClr val="tx1"/>
-                          </a:solidFill>
-                          <a:latin typeface="+mn-lt"/>
-                        </a:rPr>
-                        <a:t>(</a:t>
-                      </a:r>
-                      <a:r>
-                        <a:rPr lang="en-US" altLang="ja-JP" sz="1800" b="0" i="0" u="none" strike="noStrike" baseline="30000" dirty="0">
-                          <a:solidFill>
-                            <a:schemeClr val="tx1"/>
-                          </a:solidFill>
-                          <a:effectLst/>
-                          <a:latin typeface="+mn-lt"/>
-                          <a:ea typeface="游ゴシック" panose="020B0400000000000000" pitchFamily="50" charset="-128"/>
-                        </a:rPr>
-                        <a:t>3</a:t>
-                      </a:r>
-                      <a:r>
-                        <a:rPr lang="en-US" altLang="ja-JP" sz="1800" b="0" i="0" u="none" strike="noStrike" dirty="0">
-                          <a:solidFill>
-                            <a:schemeClr val="tx1"/>
-                          </a:solidFill>
-                          <a:effectLst/>
-                          <a:latin typeface="+mn-lt"/>
-                          <a:ea typeface="游ゴシック" panose="020B0400000000000000" pitchFamily="50" charset="-128"/>
-                        </a:rPr>
-                        <a:t>P</a:t>
-                      </a:r>
-                      <a:r>
-                        <a:rPr lang="en-US" altLang="ja-JP" sz="1800" b="0" i="0" u="none" strike="noStrike" baseline="-25000" dirty="0">
-                          <a:solidFill>
-                            <a:schemeClr val="tx1"/>
-                          </a:solidFill>
-                          <a:effectLst/>
-                          <a:latin typeface="+mn-lt"/>
-                          <a:ea typeface="游ゴシック" panose="020B0400000000000000" pitchFamily="50" charset="-128"/>
-                        </a:rPr>
-                        <a:t>1</a:t>
-                      </a:r>
-                      <a:r>
-                        <a:rPr kumimoji="1" lang="en-US" altLang="ja-JP" sz="1800" b="0" dirty="0">
-                          <a:latin typeface="+mn-lt"/>
-                        </a:rPr>
-                        <a:t>)</a:t>
-                      </a:r>
-                      <a:r>
-                        <a:rPr kumimoji="1" lang="ja-JP" altLang="en-US" sz="1800" b="0" dirty="0">
-                          <a:latin typeface="+mn-lt"/>
-                        </a:rPr>
-                        <a:t>➔</a:t>
-                      </a:r>
-                      <a:r>
-                        <a:rPr kumimoji="1" lang="en-US" altLang="ja-JP" sz="1800" b="0" dirty="0">
-                          <a:latin typeface="+mn-lt"/>
-                        </a:rPr>
-                        <a:t>5p</a:t>
-                      </a:r>
-                      <a:r>
-                        <a:rPr kumimoji="1" lang="en-US" altLang="ja-JP" sz="1800" b="0" baseline="30000" dirty="0">
-                          <a:latin typeface="+mn-lt"/>
-                        </a:rPr>
-                        <a:t>6</a:t>
-                      </a:r>
-                      <a:endParaRPr kumimoji="1" lang="ja-JP" altLang="en-US" sz="1800" b="0" baseline="30000" dirty="0">
-                        <a:latin typeface="+mn-lt"/>
-                      </a:endParaRPr>
-                    </a:p>
-                  </a:txBody>
-                  <a:tcPr/>
-                </a:tc>
-                <a:tc>
-                  <a:txBody>
-                    <a:bodyPr/>
-                    <a:lstStyle/>
-                    <a:p>
-                      <a:pPr marL="0" marR="0" lvl="0" indent="0" algn="ctr" defTabSz="914400" rtl="0" eaLnBrk="1" fontAlgn="auto" latinLnBrk="0" hangingPunct="1">
-                        <a:lnSpc>
-                          <a:spcPct val="100000"/>
-                        </a:lnSpc>
-                        <a:spcBef>
-                          <a:spcPts val="0"/>
-                        </a:spcBef>
-                        <a:spcAft>
-                          <a:spcPts val="0"/>
-                        </a:spcAft>
-                        <a:buClrTx/>
-                        <a:buSzTx/>
-                        <a:buFontTx/>
-                        <a:buNone/>
-                        <a:tabLst/>
-                        <a:defRPr/>
-                      </a:pPr>
-                      <a:r>
-                        <a:rPr kumimoji="1" lang="en-US" altLang="ja-JP" sz="1800" b="0" dirty="0">
-                          <a:latin typeface="+mn-lt"/>
-                        </a:rPr>
-                        <a:t>5p</a:t>
-                      </a:r>
-                      <a:r>
-                        <a:rPr kumimoji="1" lang="en-US" altLang="ja-JP" sz="1800" b="0" baseline="30000" dirty="0">
-                          <a:latin typeface="+mn-lt"/>
-                        </a:rPr>
-                        <a:t>5</a:t>
-                      </a:r>
-                      <a:r>
-                        <a:rPr kumimoji="1" lang="en-US" altLang="ja-JP" sz="1800" b="0" dirty="0">
-                          <a:latin typeface="+mn-lt"/>
-                        </a:rPr>
-                        <a:t>6s </a:t>
-                      </a:r>
-                      <a:r>
-                        <a:rPr kumimoji="1" lang="en-US" altLang="ja-JP" sz="1800" b="0" dirty="0">
-                          <a:solidFill>
-                            <a:schemeClr val="tx1"/>
-                          </a:solidFill>
-                          <a:latin typeface="+mn-lt"/>
-                        </a:rPr>
-                        <a:t>(</a:t>
-                      </a:r>
-                      <a:r>
-                        <a:rPr lang="en-US" altLang="ja-JP" sz="1800" b="0" i="0" u="none" strike="noStrike" baseline="30000" dirty="0">
-                          <a:solidFill>
-                            <a:schemeClr val="tx1"/>
-                          </a:solidFill>
-                          <a:effectLst/>
-                          <a:latin typeface="+mn-lt"/>
-                          <a:ea typeface="游ゴシック" panose="020B0400000000000000" pitchFamily="50" charset="-128"/>
-                        </a:rPr>
-                        <a:t>1</a:t>
-                      </a:r>
-                      <a:r>
-                        <a:rPr lang="en-US" altLang="ja-JP" sz="1800" b="0" i="0" u="none" strike="noStrike" dirty="0">
-                          <a:solidFill>
-                            <a:schemeClr val="tx1"/>
-                          </a:solidFill>
-                          <a:effectLst/>
-                          <a:latin typeface="+mn-lt"/>
-                          <a:ea typeface="游ゴシック" panose="020B0400000000000000" pitchFamily="50" charset="-128"/>
-                        </a:rPr>
-                        <a:t>P</a:t>
-                      </a:r>
-                      <a:r>
-                        <a:rPr lang="en-US" altLang="ja-JP" sz="1800" b="0" i="0" u="none" strike="noStrike" baseline="-25000" dirty="0">
-                          <a:solidFill>
-                            <a:schemeClr val="tx1"/>
-                          </a:solidFill>
-                          <a:effectLst/>
-                          <a:latin typeface="+mn-lt"/>
-                          <a:ea typeface="游ゴシック" panose="020B0400000000000000" pitchFamily="50" charset="-128"/>
-                        </a:rPr>
-                        <a:t>1</a:t>
-                      </a:r>
-                      <a:r>
-                        <a:rPr kumimoji="1" lang="en-US" altLang="ja-JP" sz="1800" b="0" dirty="0">
-                          <a:latin typeface="+mn-lt"/>
-                        </a:rPr>
-                        <a:t>)</a:t>
-                      </a:r>
-                      <a:r>
-                        <a:rPr kumimoji="1" lang="ja-JP" altLang="en-US" sz="1800" b="0" dirty="0">
-                          <a:latin typeface="+mn-lt"/>
-                        </a:rPr>
-                        <a:t>➔</a:t>
-                      </a:r>
-                      <a:r>
-                        <a:rPr kumimoji="1" lang="en-US" altLang="ja-JP" sz="1800" b="0" dirty="0">
-                          <a:latin typeface="+mn-lt"/>
-                        </a:rPr>
-                        <a:t>5p</a:t>
-                      </a:r>
-                      <a:r>
-                        <a:rPr kumimoji="1" lang="en-US" altLang="ja-JP" sz="1800" b="0" baseline="30000" dirty="0">
-                          <a:latin typeface="+mn-lt"/>
-                        </a:rPr>
-                        <a:t>6</a:t>
-                      </a:r>
-                      <a:endParaRPr kumimoji="1" lang="ja-JP" altLang="en-US" sz="1800" b="0" baseline="30000" dirty="0">
-                        <a:latin typeface="+mn-lt"/>
-                      </a:endParaRPr>
-                    </a:p>
-                  </a:txBody>
-                  <a:tcPr/>
-                </a:tc>
-                <a:tc>
-                  <a:txBody>
-                    <a:bodyPr/>
-                    <a:lstStyle/>
-                    <a:p>
-                      <a:pPr algn="ctr"/>
-                      <a:r>
-                        <a:rPr kumimoji="1" lang="en-US" altLang="ja-JP" sz="1800" b="0" dirty="0">
-                          <a:latin typeface="+mn-lt"/>
-                        </a:rPr>
-                        <a:t>K-L</a:t>
-                      </a:r>
-                      <a:r>
-                        <a:rPr kumimoji="1" lang="en-US" altLang="ja-JP" sz="1800" b="0" baseline="-25000" dirty="0">
-                          <a:latin typeface="+mn-lt"/>
-                        </a:rPr>
-                        <a:t>2 </a:t>
-                      </a:r>
-                      <a:r>
-                        <a:rPr kumimoji="1" lang="en-US" altLang="ja-JP" sz="1800" b="0" baseline="0" dirty="0">
-                          <a:latin typeface="+mn-lt"/>
-                        </a:rPr>
-                        <a:t>and </a:t>
-                      </a:r>
-                      <a:br>
-                        <a:rPr kumimoji="1" lang="en-US" altLang="ja-JP" sz="1800" b="0" baseline="0" dirty="0">
-                          <a:latin typeface="+mn-lt"/>
-                        </a:rPr>
-                      </a:br>
-                      <a:r>
-                        <a:rPr kumimoji="1" lang="en-US" altLang="ja-JP" sz="1800" b="0" baseline="0" dirty="0">
-                          <a:latin typeface="+mn-lt"/>
-                        </a:rPr>
-                        <a:t>K-L</a:t>
-                      </a:r>
-                      <a:r>
-                        <a:rPr kumimoji="1" lang="en-US" altLang="ja-JP" sz="1800" b="0" baseline="-25000" dirty="0">
-                          <a:latin typeface="+mn-lt"/>
-                        </a:rPr>
-                        <a:t>3</a:t>
-                      </a:r>
-                      <a:endParaRPr kumimoji="1" lang="ja-JP" altLang="en-US" sz="1800" b="0" baseline="-25000" dirty="0">
-                        <a:latin typeface="+mn-lt"/>
-                      </a:endParaRPr>
-                    </a:p>
-                  </a:txBody>
-                  <a:tcPr/>
-                </a:tc>
-                <a:tc>
-                  <a:txBody>
-                    <a:bodyPr/>
-                    <a:lstStyle/>
-                    <a:p>
-                      <a:pPr marL="0" marR="0" lvl="0" indent="0" algn="ctr" defTabSz="914400" rtl="0" eaLnBrk="1" fontAlgn="auto" latinLnBrk="0" hangingPunct="1">
-                        <a:lnSpc>
-                          <a:spcPct val="100000"/>
-                        </a:lnSpc>
-                        <a:spcBef>
-                          <a:spcPts val="0"/>
-                        </a:spcBef>
-                        <a:spcAft>
-                          <a:spcPts val="0"/>
-                        </a:spcAft>
-                        <a:buClrTx/>
-                        <a:buSzTx/>
-                        <a:buFontTx/>
-                        <a:buNone/>
-                        <a:tabLst/>
-                        <a:defRPr/>
-                      </a:pPr>
-                      <a:r>
-                        <a:rPr kumimoji="1" lang="en-US" altLang="ja-JP" sz="1800" b="0" dirty="0">
-                          <a:latin typeface="+mn-lt"/>
-                        </a:rPr>
-                        <a:t>K-L</a:t>
-                      </a:r>
-                      <a:r>
-                        <a:rPr kumimoji="1" lang="en-US" altLang="ja-JP" sz="1800" b="0" baseline="-25000" dirty="0">
-                          <a:latin typeface="+mn-lt"/>
-                        </a:rPr>
-                        <a:t>2 </a:t>
-                      </a:r>
-                      <a:r>
-                        <a:rPr kumimoji="1" lang="en-US" altLang="ja-JP" sz="1800" b="0" baseline="0" dirty="0">
-                          <a:latin typeface="+mn-lt"/>
-                        </a:rPr>
-                        <a:t>and </a:t>
-                      </a:r>
-                      <a:br>
-                        <a:rPr kumimoji="1" lang="en-US" altLang="ja-JP" sz="1800" b="0" baseline="0" dirty="0">
-                          <a:latin typeface="+mn-lt"/>
-                        </a:rPr>
-                      </a:br>
-                      <a:r>
-                        <a:rPr kumimoji="1" lang="en-US" altLang="ja-JP" sz="1800" b="0" baseline="0" dirty="0">
-                          <a:latin typeface="+mn-lt"/>
-                        </a:rPr>
-                        <a:t>K-L</a:t>
-                      </a:r>
-                      <a:r>
-                        <a:rPr kumimoji="1" lang="en-US" altLang="ja-JP" sz="1800" b="0" baseline="-25000" dirty="0">
-                          <a:latin typeface="+mn-lt"/>
-                        </a:rPr>
-                        <a:t>3</a:t>
-                      </a:r>
-                      <a:endParaRPr kumimoji="1" lang="ja-JP" altLang="en-US" sz="1800" b="0" baseline="-25000" dirty="0">
-                        <a:latin typeface="+mn-lt"/>
-                      </a:endParaRPr>
-                    </a:p>
-                  </a:txBody>
-                  <a:tcPr/>
-                </a:tc>
-                <a:extLst>
-                  <a:ext uri="{0D108BD9-81ED-4DB2-BD59-A6C34878D82A}">
-                    <a16:rowId xmlns:a16="http://schemas.microsoft.com/office/drawing/2014/main" val="1889707634"/>
-                  </a:ext>
-                </a:extLst>
-              </a:tr>
-              <a:tr h="370840">
-                <a:tc gridSpan="2">
-                  <a:txBody>
-                    <a:bodyPr/>
-                    <a:lstStyle/>
-                    <a:p>
-                      <a:pPr algn="ctr"/>
-                      <a:r>
-                        <a:rPr kumimoji="1" lang="en-US" altLang="ja-JP" sz="1800" b="0" dirty="0">
-                          <a:latin typeface="+mn-lt"/>
-                        </a:rPr>
-                        <a:t>Intensity</a:t>
-                      </a:r>
-                      <a:r>
-                        <a:rPr kumimoji="1" lang="ja-JP" altLang="en-US" sz="1800" b="0">
-                          <a:latin typeface="+mn-lt"/>
-                        </a:rPr>
-                        <a:t> </a:t>
-                      </a:r>
-                      <a:r>
-                        <a:rPr kumimoji="1" lang="en-US" altLang="ja-JP" sz="1800" b="0" dirty="0">
-                          <a:latin typeface="+mn-lt"/>
-                        </a:rPr>
-                        <a:t>(% of </a:t>
-                      </a:r>
-                      <a:br>
-                        <a:rPr kumimoji="1" lang="en-US" altLang="ja-JP" sz="1800" b="0" dirty="0">
-                          <a:latin typeface="+mn-lt"/>
-                        </a:rPr>
-                      </a:br>
-                      <a:r>
-                        <a:rPr kumimoji="1" lang="en-US" altLang="ja-JP" sz="1800" b="0" dirty="0">
-                          <a:latin typeface="+mn-lt"/>
-                        </a:rPr>
-                        <a:t>the total intensity)</a:t>
-                      </a:r>
-                    </a:p>
-                  </a:txBody>
-                  <a:tcPr/>
-                </a:tc>
-                <a:tc hMerge="1">
-                  <a:txBody>
-                    <a:bodyPr/>
-                    <a:lstStyle/>
-                    <a:p>
-                      <a:endParaRPr kumimoji="1" lang="ja-JP" altLang="en-US"/>
-                    </a:p>
-                  </a:txBody>
-                  <a:tcPr/>
-                </a:tc>
-                <a:tc>
-                  <a:txBody>
-                    <a:bodyPr/>
-                    <a:lstStyle/>
-                    <a:p>
-                      <a:pPr algn="ctr"/>
-                      <a:r>
-                        <a:rPr kumimoji="1" lang="en-US" altLang="ja-JP" sz="1800" b="0" dirty="0">
-                          <a:latin typeface="+mn-lt"/>
-                        </a:rPr>
-                        <a:t>Strongest of He</a:t>
-                      </a:r>
-                      <a:endParaRPr kumimoji="1" lang="ja-JP" altLang="en-US" sz="1800" b="0" dirty="0">
-                        <a:latin typeface="+mn-lt"/>
-                      </a:endParaRPr>
-                    </a:p>
-                  </a:txBody>
-                  <a:tcPr/>
-                </a:tc>
-                <a:tc>
-                  <a:txBody>
-                    <a:bodyPr/>
-                    <a:lstStyle/>
-                    <a:p>
-                      <a:pPr algn="ctr"/>
-                      <a:r>
-                        <a:rPr kumimoji="1" lang="en-US" altLang="ja-JP" sz="1800" b="0" dirty="0">
-                          <a:latin typeface="+mn-lt"/>
-                        </a:rPr>
-                        <a:t>6 % of </a:t>
-                      </a:r>
-                      <a:br>
-                        <a:rPr kumimoji="1" lang="en-US" altLang="ja-JP" sz="1800" b="0" dirty="0">
-                          <a:latin typeface="+mn-lt"/>
-                        </a:rPr>
-                      </a:br>
-                      <a:r>
-                        <a:rPr kumimoji="1" lang="en-US" altLang="ja-JP" sz="1800" b="0" dirty="0">
-                          <a:latin typeface="+mn-lt"/>
-                        </a:rPr>
-                        <a:t>He I</a:t>
-                      </a:r>
-                      <a:r>
-                        <a:rPr kumimoji="1" lang="el-GR" altLang="ja-JP" sz="1800" b="0" dirty="0">
-                          <a:latin typeface="+mn-lt"/>
-                        </a:rPr>
-                        <a:t>α</a:t>
-                      </a:r>
-                      <a:endParaRPr kumimoji="1" lang="ja-JP" altLang="en-US" sz="1800" b="0" dirty="0">
-                        <a:latin typeface="+mn-lt"/>
-                      </a:endParaRPr>
-                    </a:p>
-                  </a:txBody>
-                  <a:tcPr/>
-                </a:tc>
-                <a:tc>
-                  <a:txBody>
-                    <a:bodyPr/>
-                    <a:lstStyle/>
-                    <a:p>
-                      <a:pPr marL="0" marR="0" lvl="0" indent="0" algn="ctr" defTabSz="914400" rtl="0" eaLnBrk="1" fontAlgn="auto" latinLnBrk="0" hangingPunct="1">
-                        <a:lnSpc>
-                          <a:spcPct val="100000"/>
-                        </a:lnSpc>
-                        <a:spcBef>
-                          <a:spcPts val="0"/>
-                        </a:spcBef>
-                        <a:spcAft>
-                          <a:spcPts val="0"/>
-                        </a:spcAft>
-                        <a:buClrTx/>
-                        <a:buSzTx/>
-                        <a:buFontTx/>
-                        <a:buNone/>
-                        <a:tabLst/>
-                        <a:defRPr/>
-                      </a:pPr>
-                      <a:r>
-                        <a:rPr kumimoji="1" lang="en-US" altLang="ja-JP" sz="1800" b="0" dirty="0">
-                          <a:latin typeface="+mn-lt"/>
-                        </a:rPr>
-                        <a:t>6 % of </a:t>
-                      </a:r>
-                      <a:br>
-                        <a:rPr kumimoji="1" lang="en-US" altLang="ja-JP" sz="1800" b="0" dirty="0">
-                          <a:latin typeface="+mn-lt"/>
-                        </a:rPr>
-                      </a:br>
-                      <a:r>
-                        <a:rPr kumimoji="1" lang="en-US" altLang="ja-JP" sz="1800" b="0" dirty="0">
-                          <a:latin typeface="+mn-lt"/>
-                        </a:rPr>
-                        <a:t>He I</a:t>
-                      </a:r>
-                      <a:r>
-                        <a:rPr kumimoji="1" lang="el-GR" altLang="ja-JP" sz="1800" b="0" dirty="0">
-                          <a:latin typeface="+mn-lt"/>
-                        </a:rPr>
-                        <a:t>α</a:t>
-                      </a:r>
-                      <a:endParaRPr kumimoji="1" lang="ja-JP" altLang="en-US" sz="1800" b="0" dirty="0">
-                        <a:latin typeface="+mn-lt"/>
-                      </a:endParaRPr>
-                    </a:p>
-                  </a:txBody>
-                  <a:tcPr/>
-                </a:tc>
-                <a:tc>
-                  <a:txBody>
-                    <a:bodyPr/>
-                    <a:lstStyle/>
-                    <a:p>
-                      <a:pPr marL="0" marR="0" lvl="0" indent="0" algn="ctr" defTabSz="914400" rtl="0" eaLnBrk="1" fontAlgn="auto" latinLnBrk="0" hangingPunct="1">
-                        <a:lnSpc>
-                          <a:spcPct val="100000"/>
-                        </a:lnSpc>
-                        <a:spcBef>
-                          <a:spcPts val="0"/>
-                        </a:spcBef>
-                        <a:spcAft>
-                          <a:spcPts val="0"/>
-                        </a:spcAft>
-                        <a:buClrTx/>
-                        <a:buSzTx/>
-                        <a:buFontTx/>
-                        <a:buNone/>
-                        <a:tabLst/>
-                        <a:defRPr/>
-                      </a:pPr>
-                      <a:r>
-                        <a:rPr kumimoji="1" lang="en-US" altLang="ja-JP" sz="1800" b="0" dirty="0">
-                          <a:latin typeface="+mn-lt"/>
-                        </a:rPr>
-                        <a:t>Strongest of Xe I</a:t>
-                      </a:r>
-                      <a:r>
-                        <a:rPr kumimoji="1" lang="el-GR" altLang="ja-JP" sz="1800" b="0" dirty="0">
-                          <a:latin typeface="+mn-lt"/>
-                        </a:rPr>
-                        <a:t>α</a:t>
-                      </a:r>
-                      <a:endParaRPr kumimoji="1" lang="ja-JP" altLang="en-US" sz="1800" b="0" dirty="0">
-                        <a:latin typeface="+mn-lt"/>
-                      </a:endParaRPr>
-                    </a:p>
-                  </a:txBody>
-                  <a:tcPr/>
-                </a:tc>
-                <a:tc>
-                  <a:txBody>
-                    <a:bodyPr/>
-                    <a:lstStyle/>
-                    <a:p>
-                      <a:pPr marL="0" marR="0" lvl="0" indent="0" algn="ctr" defTabSz="914400" rtl="0" eaLnBrk="1" fontAlgn="auto" latinLnBrk="0" hangingPunct="1">
-                        <a:lnSpc>
-                          <a:spcPct val="100000"/>
-                        </a:lnSpc>
-                        <a:spcBef>
-                          <a:spcPts val="0"/>
-                        </a:spcBef>
-                        <a:spcAft>
-                          <a:spcPts val="0"/>
-                        </a:spcAft>
-                        <a:buClrTx/>
-                        <a:buSzTx/>
-                        <a:buFontTx/>
-                        <a:buNone/>
-                        <a:tabLst/>
-                        <a:defRPr/>
-                      </a:pPr>
-                      <a:r>
-                        <a:rPr kumimoji="1" lang="en-US" altLang="ja-JP" sz="1800" b="0" dirty="0">
-                          <a:latin typeface="+mn-lt"/>
-                        </a:rPr>
-                        <a:t>18 % of </a:t>
-                      </a:r>
-                      <a:br>
-                        <a:rPr kumimoji="1" lang="en-US" altLang="ja-JP" sz="1800" b="0" dirty="0">
-                          <a:latin typeface="+mn-lt"/>
-                        </a:rPr>
-                      </a:br>
-                      <a:r>
-                        <a:rPr kumimoji="1" lang="en-US" altLang="ja-JP" sz="1800" b="0" dirty="0">
-                          <a:latin typeface="+mn-lt"/>
-                        </a:rPr>
-                        <a:t>Xe I</a:t>
-                      </a:r>
-                      <a:r>
-                        <a:rPr kumimoji="1" lang="el-GR" altLang="ja-JP" sz="1800" b="0" dirty="0">
-                          <a:latin typeface="+mn-lt"/>
-                        </a:rPr>
-                        <a:t>α</a:t>
-                      </a:r>
-                      <a:endParaRPr kumimoji="1" lang="ja-JP" altLang="en-US" sz="1800" b="0" dirty="0">
-                        <a:latin typeface="+mn-lt"/>
-                      </a:endParaRPr>
-                    </a:p>
-                  </a:txBody>
-                  <a:tcPr/>
-                </a:tc>
-                <a:tc>
-                  <a:txBody>
-                    <a:bodyPr/>
-                    <a:lstStyle/>
-                    <a:p>
-                      <a:pPr algn="ctr"/>
-                      <a:r>
-                        <a:rPr kumimoji="1" lang="en-US" altLang="ja-JP" sz="1800" b="0" dirty="0">
-                          <a:latin typeface="+mn-lt"/>
-                        </a:rPr>
-                        <a:t>-</a:t>
-                      </a:r>
-                      <a:endParaRPr kumimoji="1" lang="ja-JP" altLang="en-US" sz="1800" b="0" dirty="0">
-                        <a:latin typeface="+mn-lt"/>
-                      </a:endParaRPr>
-                    </a:p>
-                  </a:txBody>
-                  <a:tcPr/>
-                </a:tc>
-                <a:tc>
-                  <a:txBody>
-                    <a:bodyPr/>
-                    <a:lstStyle/>
-                    <a:p>
-                      <a:pPr algn="ctr"/>
-                      <a:r>
-                        <a:rPr kumimoji="1" lang="en-US" altLang="ja-JP" sz="1800" b="0" dirty="0">
-                          <a:latin typeface="+mn-lt"/>
-                        </a:rPr>
-                        <a:t>-</a:t>
-                      </a:r>
-                      <a:endParaRPr kumimoji="1" lang="ja-JP" altLang="en-US" sz="1800" b="0" dirty="0">
-                        <a:latin typeface="+mn-lt"/>
-                      </a:endParaRPr>
-                    </a:p>
-                  </a:txBody>
-                  <a:tcPr/>
-                </a:tc>
-                <a:extLst>
-                  <a:ext uri="{0D108BD9-81ED-4DB2-BD59-A6C34878D82A}">
-                    <a16:rowId xmlns:a16="http://schemas.microsoft.com/office/drawing/2014/main" val="1095485988"/>
-                  </a:ext>
-                </a:extLst>
-              </a:tr>
-              <a:tr h="370840">
-                <a:tc gridSpan="2">
-                  <a:txBody>
-                    <a:bodyPr/>
-                    <a:lstStyle/>
-                    <a:p>
-                      <a:pPr algn="ctr"/>
-                      <a:r>
-                        <a:rPr kumimoji="1" lang="en-US" altLang="ja-JP" sz="1800" b="0" dirty="0">
-                          <a:latin typeface="+mn-lt"/>
-                        </a:rPr>
-                        <a:t>Photon energy</a:t>
-                      </a:r>
-                      <a:endParaRPr kumimoji="1" lang="ja-JP" altLang="en-US" sz="1800" b="0" dirty="0">
-                        <a:latin typeface="+mn-lt"/>
-                      </a:endParaRPr>
-                    </a:p>
-                  </a:txBody>
-                  <a:tcPr/>
-                </a:tc>
-                <a:tc hMerge="1">
-                  <a:txBody>
-                    <a:bodyPr/>
-                    <a:lstStyle/>
-                    <a:p>
-                      <a:endParaRPr kumimoji="1" lang="ja-JP" altLang="en-US"/>
-                    </a:p>
-                  </a:txBody>
-                  <a:tcPr/>
-                </a:tc>
-                <a:tc>
-                  <a:txBody>
-                    <a:bodyPr/>
-                    <a:lstStyle/>
-                    <a:p>
-                      <a:pPr algn="ctr"/>
-                      <a:r>
-                        <a:rPr kumimoji="1" lang="en-US" altLang="ja-JP" sz="1800" b="0" dirty="0">
-                          <a:latin typeface="+mn-lt"/>
-                        </a:rPr>
-                        <a:t>21.218 eV</a:t>
-                      </a:r>
-                      <a:endParaRPr kumimoji="1" lang="ja-JP" altLang="en-US" sz="1800" b="0" dirty="0">
-                        <a:latin typeface="+mn-lt"/>
-                      </a:endParaRPr>
-                    </a:p>
-                  </a:txBody>
-                  <a:tcPr/>
-                </a:tc>
-                <a:tc>
-                  <a:txBody>
-                    <a:bodyPr/>
-                    <a:lstStyle/>
-                    <a:p>
-                      <a:pPr algn="ctr"/>
-                      <a:r>
-                        <a:rPr kumimoji="1" lang="en-US" altLang="ja-JP" sz="1800" b="0" dirty="0">
-                          <a:latin typeface="+mn-lt"/>
-                        </a:rPr>
-                        <a:t>23.087 eV</a:t>
-                      </a:r>
-                      <a:endParaRPr kumimoji="1" lang="ja-JP" altLang="en-US" sz="1800" b="0" dirty="0">
-                        <a:latin typeface="+mn-lt"/>
-                      </a:endParaRPr>
-                    </a:p>
-                  </a:txBody>
-                  <a:tcPr/>
-                </a:tc>
-                <a:tc>
-                  <a:txBody>
-                    <a:bodyPr/>
-                    <a:lstStyle/>
-                    <a:p>
-                      <a:pPr algn="ctr"/>
-                      <a:r>
-                        <a:rPr kumimoji="1" lang="en-US" altLang="ja-JP" sz="1800" b="0" dirty="0">
-                          <a:latin typeface="+mn-lt"/>
-                        </a:rPr>
-                        <a:t>40.814 eV</a:t>
-                      </a:r>
-                      <a:endParaRPr kumimoji="1" lang="ja-JP" altLang="en-US" sz="1800" b="0" dirty="0">
-                        <a:latin typeface="+mn-lt"/>
-                      </a:endParaRPr>
-                    </a:p>
-                  </a:txBody>
-                  <a:tcPr/>
-                </a:tc>
-                <a:tc>
-                  <a:txBody>
-                    <a:bodyPr/>
-                    <a:lstStyle/>
-                    <a:p>
-                      <a:pPr algn="ctr"/>
-                      <a:r>
-                        <a:rPr kumimoji="1" lang="en-US" altLang="ja-JP" sz="1800" b="0" dirty="0">
-                          <a:latin typeface="+mn-lt"/>
-                        </a:rPr>
-                        <a:t>8.437 eV</a:t>
-                      </a:r>
-                      <a:endParaRPr kumimoji="1" lang="ja-JP" altLang="en-US" sz="1800" b="0" dirty="0">
-                        <a:latin typeface="+mn-lt"/>
-                      </a:endParaRPr>
-                    </a:p>
-                  </a:txBody>
-                  <a:tcPr/>
-                </a:tc>
-                <a:tc>
-                  <a:txBody>
-                    <a:bodyPr/>
-                    <a:lstStyle/>
-                    <a:p>
-                      <a:pPr algn="ctr"/>
-                      <a:r>
-                        <a:rPr kumimoji="1" lang="en-US" altLang="ja-JP" sz="1800" b="0" dirty="0">
-                          <a:latin typeface="+mn-lt"/>
-                        </a:rPr>
-                        <a:t>9.570 eV</a:t>
-                      </a:r>
-                      <a:endParaRPr kumimoji="1" lang="ja-JP" altLang="en-US" sz="1800" b="0" dirty="0">
-                        <a:latin typeface="+mn-lt"/>
-                      </a:endParaRPr>
-                    </a:p>
-                  </a:txBody>
-                  <a:tcPr/>
-                </a:tc>
-                <a:tc>
-                  <a:txBody>
-                    <a:bodyPr/>
-                    <a:lstStyle/>
-                    <a:p>
-                      <a:pPr algn="ctr"/>
-                      <a:r>
-                        <a:rPr kumimoji="1" lang="en-US" altLang="ja-JP" sz="1800" b="0" dirty="0">
-                          <a:latin typeface="+mn-lt"/>
-                        </a:rPr>
-                        <a:t>1486.65 eV</a:t>
-                      </a:r>
-                      <a:endParaRPr kumimoji="1" lang="ja-JP" altLang="en-US" sz="1800" b="0" dirty="0">
-                        <a:latin typeface="+mn-lt"/>
-                      </a:endParaRPr>
-                    </a:p>
-                  </a:txBody>
-                  <a:tcPr/>
-                </a:tc>
-                <a:tc>
-                  <a:txBody>
-                    <a:bodyPr/>
-                    <a:lstStyle/>
-                    <a:p>
-                      <a:pPr algn="ctr"/>
-                      <a:r>
-                        <a:rPr kumimoji="1" lang="en-US" altLang="ja-JP" sz="1800" b="0" dirty="0">
-                          <a:latin typeface="+mn-lt"/>
-                        </a:rPr>
-                        <a:t>1253.64 eV</a:t>
-                      </a:r>
-                      <a:endParaRPr kumimoji="1" lang="ja-JP" altLang="en-US" sz="1800" b="0" dirty="0">
-                        <a:latin typeface="+mn-lt"/>
-                      </a:endParaRPr>
-                    </a:p>
-                  </a:txBody>
-                  <a:tcPr/>
-                </a:tc>
-                <a:extLst>
-                  <a:ext uri="{0D108BD9-81ED-4DB2-BD59-A6C34878D82A}">
-                    <a16:rowId xmlns:a16="http://schemas.microsoft.com/office/drawing/2014/main" val="2469385879"/>
-                  </a:ext>
-                </a:extLst>
-              </a:tr>
-              <a:tr h="370840">
-                <a:tc gridSpan="2">
-                  <a:txBody>
-                    <a:bodyPr/>
-                    <a:lstStyle/>
-                    <a:p>
-                      <a:pPr algn="ctr"/>
-                      <a:r>
-                        <a:rPr kumimoji="1" lang="en-US" altLang="ja-JP" sz="1800" b="0" dirty="0">
-                          <a:latin typeface="+mn-lt"/>
-                        </a:rPr>
-                        <a:t>Photon linewidth</a:t>
-                      </a:r>
-                      <a:endParaRPr kumimoji="1" lang="ja-JP" altLang="en-US" sz="1800" b="0" dirty="0">
-                        <a:latin typeface="+mn-lt"/>
-                      </a:endParaRPr>
-                    </a:p>
-                  </a:txBody>
-                  <a:tcPr/>
-                </a:tc>
-                <a:tc hMerge="1">
-                  <a:txBody>
-                    <a:bodyPr/>
-                    <a:lstStyle/>
-                    <a:p>
-                      <a:endParaRPr kumimoji="1" lang="ja-JP" altLang="en-US"/>
-                    </a:p>
-                  </a:txBody>
-                  <a:tcPr/>
-                </a:tc>
-                <a:tc>
-                  <a:txBody>
-                    <a:bodyPr/>
-                    <a:lstStyle/>
-                    <a:p>
-                      <a:pPr algn="ctr"/>
-                      <a:r>
-                        <a:rPr kumimoji="1" lang="en-US" altLang="ja-JP" sz="1800" b="0" dirty="0">
-                          <a:latin typeface="+mn-lt"/>
-                        </a:rPr>
-                        <a:t>&lt;1 </a:t>
-                      </a:r>
-                      <a:r>
-                        <a:rPr kumimoji="1" lang="en-US" altLang="ja-JP" sz="1800" b="0" dirty="0" err="1">
-                          <a:latin typeface="+mn-lt"/>
-                        </a:rPr>
-                        <a:t>meV</a:t>
-                      </a:r>
-                      <a:endParaRPr kumimoji="1" lang="ja-JP" altLang="en-US" sz="1800" b="0" dirty="0">
-                        <a:latin typeface="+mn-lt"/>
-                      </a:endParaRPr>
-                    </a:p>
-                  </a:txBody>
-                  <a:tcPr/>
-                </a:tc>
-                <a:tc>
-                  <a:txBody>
-                    <a:bodyPr/>
-                    <a:lstStyle/>
-                    <a:p>
-                      <a:pPr marL="0" marR="0" lvl="0" indent="0" algn="ctr" defTabSz="914400" rtl="0" eaLnBrk="1" fontAlgn="auto" latinLnBrk="0" hangingPunct="1">
-                        <a:lnSpc>
-                          <a:spcPct val="100000"/>
-                        </a:lnSpc>
-                        <a:spcBef>
-                          <a:spcPts val="0"/>
-                        </a:spcBef>
-                        <a:spcAft>
-                          <a:spcPts val="0"/>
-                        </a:spcAft>
-                        <a:buClrTx/>
-                        <a:buSzTx/>
-                        <a:buFontTx/>
-                        <a:buNone/>
-                        <a:tabLst/>
-                        <a:defRPr/>
-                      </a:pPr>
-                      <a:r>
-                        <a:rPr kumimoji="1" lang="en-US" altLang="ja-JP" sz="1800" b="0" dirty="0">
-                          <a:latin typeface="+mn-lt"/>
-                        </a:rPr>
-                        <a:t>&lt;1 </a:t>
-                      </a:r>
-                      <a:r>
-                        <a:rPr kumimoji="1" lang="en-US" altLang="ja-JP" sz="1800" b="0" dirty="0" err="1">
-                          <a:latin typeface="+mn-lt"/>
-                        </a:rPr>
-                        <a:t>meV</a:t>
-                      </a:r>
-                      <a:endParaRPr kumimoji="1" lang="ja-JP" altLang="en-US" sz="1800" b="0" dirty="0">
-                        <a:latin typeface="+mn-lt"/>
-                      </a:endParaRPr>
-                    </a:p>
-                  </a:txBody>
-                  <a:tcPr/>
-                </a:tc>
-                <a:tc>
-                  <a:txBody>
-                    <a:bodyPr/>
-                    <a:lstStyle/>
-                    <a:p>
-                      <a:pPr marL="0" marR="0" lvl="0" indent="0" algn="ctr" defTabSz="914400" rtl="0" eaLnBrk="1" fontAlgn="auto" latinLnBrk="0" hangingPunct="1">
-                        <a:lnSpc>
-                          <a:spcPct val="100000"/>
-                        </a:lnSpc>
-                        <a:spcBef>
-                          <a:spcPts val="0"/>
-                        </a:spcBef>
-                        <a:spcAft>
-                          <a:spcPts val="0"/>
-                        </a:spcAft>
-                        <a:buClrTx/>
-                        <a:buSzTx/>
-                        <a:buFontTx/>
-                        <a:buNone/>
-                        <a:tabLst/>
-                        <a:defRPr/>
-                      </a:pPr>
-                      <a:r>
-                        <a:rPr kumimoji="1" lang="en-US" altLang="ja-JP" sz="1800" b="0" dirty="0">
-                          <a:latin typeface="+mn-lt"/>
-                        </a:rPr>
-                        <a:t>&lt;1 </a:t>
-                      </a:r>
-                      <a:r>
-                        <a:rPr kumimoji="1" lang="en-US" altLang="ja-JP" sz="1800" b="0" dirty="0" err="1">
-                          <a:latin typeface="+mn-lt"/>
-                        </a:rPr>
-                        <a:t>meV</a:t>
-                      </a:r>
-                      <a:endParaRPr kumimoji="1" lang="ja-JP" altLang="en-US" sz="1800" b="0" dirty="0">
-                        <a:latin typeface="+mn-lt"/>
-                      </a:endParaRPr>
-                    </a:p>
-                  </a:txBody>
-                  <a:tcPr/>
-                </a:tc>
-                <a:tc>
-                  <a:txBody>
-                    <a:bodyPr/>
-                    <a:lstStyle/>
-                    <a:p>
-                      <a:pPr marL="0" marR="0" lvl="0" indent="0" algn="ctr" defTabSz="914400" rtl="0" eaLnBrk="1" fontAlgn="auto" latinLnBrk="0" hangingPunct="1">
-                        <a:lnSpc>
-                          <a:spcPct val="100000"/>
-                        </a:lnSpc>
-                        <a:spcBef>
-                          <a:spcPts val="0"/>
-                        </a:spcBef>
-                        <a:spcAft>
-                          <a:spcPts val="0"/>
-                        </a:spcAft>
-                        <a:buClrTx/>
-                        <a:buSzTx/>
-                        <a:buFontTx/>
-                        <a:buNone/>
-                        <a:tabLst/>
-                        <a:defRPr/>
-                      </a:pPr>
-                      <a:r>
-                        <a:rPr kumimoji="1" lang="en-US" altLang="ja-JP" sz="1800" b="0" dirty="0">
-                          <a:latin typeface="+mn-lt"/>
-                        </a:rPr>
-                        <a:t>&lt;1 </a:t>
-                      </a:r>
-                      <a:r>
-                        <a:rPr kumimoji="1" lang="en-US" altLang="ja-JP" sz="1800" b="0" dirty="0" err="1">
-                          <a:latin typeface="+mn-lt"/>
-                        </a:rPr>
-                        <a:t>meV</a:t>
-                      </a:r>
-                      <a:endParaRPr kumimoji="1" lang="ja-JP" altLang="en-US" sz="1800" b="0" dirty="0">
-                        <a:latin typeface="+mn-lt"/>
-                      </a:endParaRPr>
-                    </a:p>
-                  </a:txBody>
-                  <a:tcPr/>
-                </a:tc>
-                <a:tc>
-                  <a:txBody>
-                    <a:bodyPr/>
-                    <a:lstStyle/>
-                    <a:p>
-                      <a:pPr marL="0" marR="0" lvl="0" indent="0" algn="ctr" defTabSz="914400" rtl="0" eaLnBrk="1" fontAlgn="auto" latinLnBrk="0" hangingPunct="1">
-                        <a:lnSpc>
-                          <a:spcPct val="100000"/>
-                        </a:lnSpc>
-                        <a:spcBef>
-                          <a:spcPts val="0"/>
-                        </a:spcBef>
-                        <a:spcAft>
-                          <a:spcPts val="0"/>
-                        </a:spcAft>
-                        <a:buClrTx/>
-                        <a:buSzTx/>
-                        <a:buFontTx/>
-                        <a:buNone/>
-                        <a:tabLst/>
-                        <a:defRPr/>
-                      </a:pPr>
-                      <a:r>
-                        <a:rPr kumimoji="1" lang="en-US" altLang="ja-JP" sz="1800" b="0" dirty="0">
-                          <a:latin typeface="+mn-lt"/>
-                        </a:rPr>
-                        <a:t>&lt;1 </a:t>
-                      </a:r>
-                      <a:r>
-                        <a:rPr kumimoji="1" lang="en-US" altLang="ja-JP" sz="1800" b="0" dirty="0" err="1">
-                          <a:latin typeface="+mn-lt"/>
-                        </a:rPr>
-                        <a:t>meV</a:t>
-                      </a:r>
-                      <a:endParaRPr kumimoji="1" lang="ja-JP" altLang="en-US" sz="1800" b="0" dirty="0">
-                        <a:latin typeface="+mn-lt"/>
-                      </a:endParaRPr>
-                    </a:p>
-                  </a:txBody>
-                  <a:tcPr/>
-                </a:tc>
-                <a:tc>
-                  <a:txBody>
-                    <a:bodyPr/>
-                    <a:lstStyle/>
-                    <a:p>
-                      <a:pPr algn="ctr"/>
-                      <a:r>
-                        <a:rPr kumimoji="1" lang="en-US" altLang="ja-JP" sz="1800" b="0" dirty="0">
-                          <a:latin typeface="+mn-lt"/>
-                        </a:rPr>
-                        <a:t>850 </a:t>
-                      </a:r>
-                      <a:r>
-                        <a:rPr kumimoji="1" lang="en-US" altLang="ja-JP" sz="1800" b="0" dirty="0" err="1">
-                          <a:latin typeface="+mn-lt"/>
-                        </a:rPr>
-                        <a:t>meV</a:t>
-                      </a:r>
-                      <a:endParaRPr kumimoji="1" lang="ja-JP" altLang="en-US" sz="1800" b="0" dirty="0">
-                        <a:latin typeface="+mn-lt"/>
-                      </a:endParaRPr>
-                    </a:p>
-                  </a:txBody>
-                  <a:tcPr/>
-                </a:tc>
-                <a:tc>
-                  <a:txBody>
-                    <a:bodyPr/>
-                    <a:lstStyle/>
-                    <a:p>
-                      <a:pPr algn="ctr"/>
-                      <a:r>
-                        <a:rPr kumimoji="1" lang="en-US" altLang="ja-JP" sz="1800" b="0" dirty="0">
-                          <a:latin typeface="+mn-lt"/>
-                        </a:rPr>
-                        <a:t>680 </a:t>
-                      </a:r>
-                      <a:r>
-                        <a:rPr kumimoji="1" lang="en-US" altLang="ja-JP" sz="1800" b="0" dirty="0" err="1">
-                          <a:latin typeface="+mn-lt"/>
-                        </a:rPr>
-                        <a:t>meV</a:t>
-                      </a:r>
-                      <a:endParaRPr kumimoji="1" lang="ja-JP" altLang="en-US" sz="1800" b="0" dirty="0">
-                        <a:latin typeface="+mn-lt"/>
-                      </a:endParaRPr>
-                    </a:p>
-                  </a:txBody>
-                  <a:tcPr/>
-                </a:tc>
-                <a:extLst>
-                  <a:ext uri="{0D108BD9-81ED-4DB2-BD59-A6C34878D82A}">
-                    <a16:rowId xmlns:a16="http://schemas.microsoft.com/office/drawing/2014/main" val="1956036962"/>
-                  </a:ext>
-                </a:extLst>
-              </a:tr>
-              <a:tr h="370840">
-                <a:tc rowSpan="6">
-                  <a:txBody>
-                    <a:bodyPr/>
-                    <a:lstStyle/>
-                    <a:p>
-                      <a:pPr algn="ctr"/>
-                      <a:endParaRPr kumimoji="1" lang="en-US" altLang="ja-JP" sz="1800" b="0" dirty="0">
-                        <a:latin typeface="+mn-lt"/>
-                      </a:endParaRPr>
-                    </a:p>
-                    <a:p>
-                      <a:pPr algn="ctr"/>
-                      <a:endParaRPr kumimoji="1" lang="en-US" altLang="ja-JP" sz="1800" b="0" dirty="0">
-                        <a:latin typeface="+mn-lt"/>
-                      </a:endParaRPr>
-                    </a:p>
-                    <a:p>
-                      <a:pPr algn="ctr"/>
-                      <a:r>
-                        <a:rPr kumimoji="1" lang="en-US" altLang="ja-JP" sz="1800" b="0" dirty="0">
-                          <a:latin typeface="+mn-lt"/>
-                        </a:rPr>
-                        <a:t>Kinetic energy at E</a:t>
-                      </a:r>
-                      <a:r>
-                        <a:rPr kumimoji="1" lang="en-US" altLang="ja-JP" sz="1800" b="0" baseline="-25000" dirty="0">
-                          <a:latin typeface="+mn-lt"/>
-                        </a:rPr>
-                        <a:t>F </a:t>
-                      </a:r>
-                      <a:r>
-                        <a:rPr kumimoji="1" lang="en-US" altLang="ja-JP" sz="1800" b="0" baseline="0" dirty="0">
-                          <a:latin typeface="+mn-lt"/>
-                        </a:rPr>
-                        <a:t>(eV)</a:t>
-                      </a:r>
-                      <a:endParaRPr kumimoji="1" lang="ja-JP" altLang="en-US" sz="1800" b="0" baseline="0" dirty="0">
-                        <a:latin typeface="+mn-lt"/>
-                      </a:endParaRPr>
-                    </a:p>
-                  </a:txBody>
-                  <a:tcPr/>
-                </a:tc>
-                <a:tc>
-                  <a:txBody>
-                    <a:bodyPr/>
-                    <a:lstStyle/>
-                    <a:p>
-                      <a:pPr algn="ctr"/>
-                      <a:r>
-                        <a:rPr kumimoji="1" lang="en-US" altLang="ja-JP" sz="1800" b="0" dirty="0">
-                          <a:latin typeface="+mn-lt"/>
-                        </a:rPr>
-                        <a:t>PE02</a:t>
-                      </a:r>
-                      <a:endParaRPr kumimoji="1" lang="ja-JP" altLang="en-US" sz="1800" b="0" dirty="0">
-                        <a:latin typeface="+mn-lt"/>
-                      </a:endParaRPr>
-                    </a:p>
-                  </a:txBody>
-                  <a:tcPr/>
-                </a:tc>
-                <a:tc>
-                  <a:txBody>
-                    <a:bodyPr/>
-                    <a:lstStyle/>
-                    <a:p>
-                      <a:pPr algn="ctr"/>
-                      <a:r>
-                        <a:rPr kumimoji="1" lang="en-US" altLang="ja-JP" sz="1600" b="1" dirty="0">
-                          <a:latin typeface="+mn-lt"/>
-                        </a:rPr>
-                        <a:t>16.95</a:t>
-                      </a:r>
-                      <a:endParaRPr kumimoji="1" lang="ja-JP" altLang="en-US" sz="1600" b="1" dirty="0">
-                        <a:latin typeface="+mn-lt"/>
-                      </a:endParaRPr>
-                    </a:p>
-                  </a:txBody>
-                  <a:tcPr/>
-                </a:tc>
-                <a:tc>
-                  <a:txBody>
-                    <a:bodyPr/>
-                    <a:lstStyle/>
-                    <a:p>
-                      <a:pPr algn="ctr"/>
-                      <a:r>
-                        <a:rPr kumimoji="1" lang="en-US" altLang="ja-JP" sz="1600" b="0" dirty="0">
-                          <a:latin typeface="+mn-lt"/>
-                        </a:rPr>
-                        <a:t>(18.82)</a:t>
-                      </a:r>
-                      <a:endParaRPr kumimoji="1" lang="ja-JP" altLang="en-US" sz="1600" b="0" dirty="0">
-                        <a:latin typeface="+mn-lt"/>
-                      </a:endParaRPr>
-                    </a:p>
-                  </a:txBody>
-                  <a:tcPr/>
-                </a:tc>
-                <a:tc>
-                  <a:txBody>
-                    <a:bodyPr/>
-                    <a:lstStyle/>
-                    <a:p>
-                      <a:pPr algn="ctr"/>
-                      <a:r>
-                        <a:rPr kumimoji="1" lang="en-US" altLang="ja-JP" sz="1600" b="0" dirty="0">
-                          <a:latin typeface="+mn-lt"/>
-                        </a:rPr>
-                        <a:t>(36.55)</a:t>
-                      </a:r>
-                      <a:endParaRPr kumimoji="1" lang="ja-JP" altLang="en-US" sz="1600" b="0" dirty="0">
-                        <a:latin typeface="+mn-lt"/>
-                      </a:endParaRPr>
-                    </a:p>
-                  </a:txBody>
-                  <a:tcPr/>
-                </a:tc>
-                <a:tc>
-                  <a:txBody>
-                    <a:bodyPr/>
-                    <a:lstStyle/>
-                    <a:p>
-                      <a:pPr algn="ctr"/>
-                      <a:r>
-                        <a:rPr kumimoji="1" lang="en-US" altLang="ja-JP" sz="1600" b="1" dirty="0">
-                          <a:latin typeface="+mn-lt"/>
-                        </a:rPr>
-                        <a:t>4.17</a:t>
-                      </a:r>
-                      <a:r>
-                        <a:rPr kumimoji="1" lang="ja-JP" altLang="en-US" sz="1600" b="1">
-                          <a:latin typeface="+mn-lt"/>
-                        </a:rPr>
-                        <a:t> </a:t>
-                      </a:r>
-                      <a:r>
-                        <a:rPr kumimoji="1" lang="en-US" altLang="ja-JP" sz="1600" b="0" dirty="0">
-                          <a:latin typeface="+mn-lt"/>
-                        </a:rPr>
-                        <a:t>(4.17)</a:t>
-                      </a:r>
-                      <a:endParaRPr kumimoji="1" lang="ja-JP" altLang="en-US" sz="1600" b="0" dirty="0">
-                        <a:latin typeface="+mn-lt"/>
-                      </a:endParaRPr>
-                    </a:p>
-                  </a:txBody>
-                  <a:tcPr/>
-                </a:tc>
-                <a:tc>
-                  <a:txBody>
-                    <a:bodyPr/>
-                    <a:lstStyle/>
-                    <a:p>
-                      <a:pPr algn="ctr"/>
-                      <a:r>
-                        <a:rPr kumimoji="1" lang="en-US" altLang="ja-JP" sz="1600" b="0" dirty="0">
-                          <a:latin typeface="+mn-lt"/>
-                        </a:rPr>
-                        <a:t>(5.30)</a:t>
-                      </a:r>
-                      <a:endParaRPr kumimoji="1" lang="ja-JP" altLang="en-US" sz="1600" b="0" dirty="0">
-                        <a:latin typeface="+mn-lt"/>
-                      </a:endParaRPr>
-                    </a:p>
-                  </a:txBody>
-                  <a:tcPr/>
-                </a:tc>
-                <a:tc>
-                  <a:txBody>
-                    <a:bodyPr/>
-                    <a:lstStyle/>
-                    <a:p>
-                      <a:pPr algn="ctr"/>
-                      <a:endParaRPr kumimoji="1" lang="ja-JP" altLang="en-US" sz="1600" b="0" dirty="0">
-                        <a:latin typeface="+mn-lt"/>
-                      </a:endParaRPr>
-                    </a:p>
-                  </a:txBody>
-                  <a:tcPr/>
-                </a:tc>
-                <a:tc>
-                  <a:txBody>
-                    <a:bodyPr/>
-                    <a:lstStyle/>
-                    <a:p>
-                      <a:pPr algn="ctr"/>
-                      <a:endParaRPr kumimoji="1" lang="ja-JP" altLang="en-US" sz="1600" b="0" dirty="0">
-                        <a:latin typeface="+mn-lt"/>
-                      </a:endParaRPr>
-                    </a:p>
-                  </a:txBody>
-                  <a:tcPr/>
-                </a:tc>
-                <a:extLst>
-                  <a:ext uri="{0D108BD9-81ED-4DB2-BD59-A6C34878D82A}">
-                    <a16:rowId xmlns:a16="http://schemas.microsoft.com/office/drawing/2014/main" val="680268685"/>
-                  </a:ext>
-                </a:extLst>
-              </a:tr>
-              <a:tr h="370840">
-                <a:tc vMerge="1">
-                  <a:txBody>
-                    <a:bodyPr/>
-                    <a:lstStyle/>
-                    <a:p>
-                      <a:endParaRPr kumimoji="1" lang="ja-JP" altLang="en-US" sz="1800" dirty="0"/>
-                    </a:p>
-                  </a:txBody>
-                  <a:tcPr/>
-                </a:tc>
-                <a:tc>
-                  <a:txBody>
-                    <a:bodyPr/>
-                    <a:lstStyle/>
-                    <a:p>
-                      <a:pPr algn="ctr"/>
-                      <a:r>
-                        <a:rPr kumimoji="1" lang="en-US" altLang="ja-JP" sz="1800" b="0" dirty="0">
-                          <a:latin typeface="+mn-lt"/>
-                        </a:rPr>
-                        <a:t>PE05</a:t>
-                      </a:r>
-                      <a:endParaRPr kumimoji="1" lang="ja-JP" altLang="en-US" sz="1800" b="0" dirty="0">
-                        <a:latin typeface="+mn-lt"/>
-                      </a:endParaRPr>
-                    </a:p>
-                  </a:txBody>
-                  <a:tcPr/>
-                </a:tc>
-                <a:tc>
-                  <a:txBody>
-                    <a:bodyPr/>
-                    <a:lstStyle/>
-                    <a:p>
-                      <a:pPr algn="ctr"/>
-                      <a:r>
-                        <a:rPr kumimoji="1" lang="en-US" altLang="ja-JP" sz="1600" b="1" dirty="0">
-                          <a:latin typeface="+mn-lt"/>
-                        </a:rPr>
-                        <a:t>16.95</a:t>
-                      </a:r>
-                      <a:endParaRPr kumimoji="1" lang="ja-JP" altLang="en-US" sz="1600" b="1" dirty="0">
-                        <a:latin typeface="+mn-lt"/>
-                      </a:endParaRPr>
-                    </a:p>
-                  </a:txBody>
-                  <a:tcPr/>
-                </a:tc>
-                <a:tc>
-                  <a:txBody>
-                    <a:bodyPr/>
-                    <a:lstStyle/>
-                    <a:p>
-                      <a:pPr algn="ctr"/>
-                      <a:r>
-                        <a:rPr kumimoji="1" lang="en-US" altLang="ja-JP" sz="1600" b="0" dirty="0">
-                          <a:latin typeface="+mn-lt"/>
-                        </a:rPr>
-                        <a:t>(18.82)</a:t>
-                      </a:r>
-                      <a:endParaRPr kumimoji="1" lang="ja-JP" altLang="en-US" sz="1600" b="0" dirty="0">
-                        <a:latin typeface="+mn-lt"/>
-                      </a:endParaRPr>
-                    </a:p>
-                  </a:txBody>
-                  <a:tcPr/>
-                </a:tc>
-                <a:tc>
-                  <a:txBody>
-                    <a:bodyPr/>
-                    <a:lstStyle/>
-                    <a:p>
-                      <a:pPr algn="ctr"/>
-                      <a:r>
-                        <a:rPr kumimoji="1" lang="en-US" altLang="ja-JP" sz="1600" b="0" dirty="0">
-                          <a:latin typeface="+mn-lt"/>
-                        </a:rPr>
-                        <a:t>(36.55)</a:t>
-                      </a:r>
-                      <a:endParaRPr kumimoji="1" lang="ja-JP" altLang="en-US" sz="1600" b="1" dirty="0">
-                        <a:latin typeface="+mn-lt"/>
-                      </a:endParaRPr>
-                    </a:p>
-                  </a:txBody>
-                  <a:tcPr/>
-                </a:tc>
-                <a:tc>
-                  <a:txBody>
-                    <a:bodyPr/>
-                    <a:lstStyle/>
-                    <a:p>
-                      <a:pPr algn="ctr"/>
-                      <a:r>
-                        <a:rPr kumimoji="1" lang="en-US" altLang="ja-JP" sz="1600" b="1" dirty="0">
-                          <a:latin typeface="+mn-lt"/>
-                        </a:rPr>
-                        <a:t>4.17 </a:t>
-                      </a:r>
-                      <a:r>
-                        <a:rPr kumimoji="1" lang="en-US" altLang="ja-JP" sz="1600" b="0" dirty="0">
-                          <a:latin typeface="+mn-lt"/>
-                        </a:rPr>
-                        <a:t>(4.17)</a:t>
-                      </a:r>
-                      <a:endParaRPr kumimoji="1" lang="ja-JP" altLang="en-US" sz="1600" b="1" dirty="0">
-                        <a:latin typeface="+mn-lt"/>
-                      </a:endParaRPr>
-                    </a:p>
-                  </a:txBody>
-                  <a:tcPr/>
-                </a:tc>
-                <a:tc>
-                  <a:txBody>
-                    <a:bodyPr/>
-                    <a:lstStyle/>
-                    <a:p>
-                      <a:pPr marL="0" marR="0" lvl="0" indent="0" algn="ctr" defTabSz="914400" rtl="0" eaLnBrk="1" fontAlgn="auto" latinLnBrk="0" hangingPunct="1">
-                        <a:lnSpc>
-                          <a:spcPct val="100000"/>
-                        </a:lnSpc>
-                        <a:spcBef>
-                          <a:spcPts val="0"/>
-                        </a:spcBef>
-                        <a:spcAft>
-                          <a:spcPts val="0"/>
-                        </a:spcAft>
-                        <a:buClrTx/>
-                        <a:buSzTx/>
-                        <a:buFontTx/>
-                        <a:buNone/>
-                        <a:tabLst/>
-                        <a:defRPr/>
-                      </a:pPr>
-                      <a:r>
-                        <a:rPr kumimoji="1" lang="en-US" altLang="ja-JP" sz="1600" b="0" dirty="0">
-                          <a:latin typeface="+mn-lt"/>
-                        </a:rPr>
-                        <a:t>(5.30)</a:t>
-                      </a:r>
-                      <a:endParaRPr kumimoji="1" lang="ja-JP" altLang="en-US" sz="1600" b="0">
-                        <a:latin typeface="+mn-lt"/>
-                      </a:endParaRPr>
-                    </a:p>
-                  </a:txBody>
-                  <a:tcPr/>
-                </a:tc>
-                <a:tc>
-                  <a:txBody>
-                    <a:bodyPr/>
-                    <a:lstStyle/>
-                    <a:p>
-                      <a:pPr algn="ctr"/>
-                      <a:endParaRPr kumimoji="1" lang="ja-JP" altLang="en-US" sz="1600" b="0" dirty="0">
-                        <a:latin typeface="+mn-lt"/>
-                      </a:endParaRPr>
-                    </a:p>
-                  </a:txBody>
-                  <a:tcPr/>
-                </a:tc>
-                <a:tc>
-                  <a:txBody>
-                    <a:bodyPr/>
-                    <a:lstStyle/>
-                    <a:p>
-                      <a:pPr algn="ctr"/>
-                      <a:endParaRPr kumimoji="1" lang="ja-JP" altLang="en-US" sz="1600" b="0" dirty="0">
-                        <a:latin typeface="+mn-lt"/>
-                      </a:endParaRPr>
-                    </a:p>
-                  </a:txBody>
-                  <a:tcPr/>
-                </a:tc>
-                <a:extLst>
-                  <a:ext uri="{0D108BD9-81ED-4DB2-BD59-A6C34878D82A}">
-                    <a16:rowId xmlns:a16="http://schemas.microsoft.com/office/drawing/2014/main" val="2021533185"/>
-                  </a:ext>
-                </a:extLst>
-              </a:tr>
-              <a:tr h="370840">
-                <a:tc vMerge="1">
-                  <a:txBody>
-                    <a:bodyPr/>
-                    <a:lstStyle/>
-                    <a:p>
-                      <a:endParaRPr kumimoji="1" lang="ja-JP" altLang="en-US" sz="1800" dirty="0"/>
-                    </a:p>
-                  </a:txBody>
-                  <a:tcPr/>
-                </a:tc>
-                <a:tc>
-                  <a:txBody>
-                    <a:bodyPr/>
-                    <a:lstStyle/>
-                    <a:p>
-                      <a:pPr algn="ctr"/>
-                      <a:r>
-                        <a:rPr kumimoji="1" lang="en-US" altLang="ja-JP" sz="1800" b="0" dirty="0">
-                          <a:latin typeface="+mn-lt"/>
-                        </a:rPr>
-                        <a:t>PE10</a:t>
-                      </a:r>
-                      <a:endParaRPr kumimoji="1" lang="ja-JP" altLang="en-US" sz="1800" b="0" dirty="0">
-                        <a:latin typeface="+mn-lt"/>
-                      </a:endParaRPr>
-                    </a:p>
-                  </a:txBody>
-                  <a:tcPr/>
-                </a:tc>
-                <a:tc>
-                  <a:txBody>
-                    <a:bodyPr/>
-                    <a:lstStyle/>
-                    <a:p>
-                      <a:pPr algn="ctr"/>
-                      <a:r>
-                        <a:rPr kumimoji="1" lang="en-US" altLang="ja-JP" sz="1600" b="1" dirty="0">
-                          <a:latin typeface="+mn-lt"/>
-                        </a:rPr>
-                        <a:t>16.96</a:t>
-                      </a:r>
-                      <a:endParaRPr kumimoji="1" lang="ja-JP" altLang="en-US" sz="1600" b="1" dirty="0">
-                        <a:latin typeface="+mn-lt"/>
-                      </a:endParaRPr>
-                    </a:p>
-                  </a:txBody>
-                  <a:tcPr/>
-                </a:tc>
-                <a:tc>
-                  <a:txBody>
-                    <a:bodyPr/>
-                    <a:lstStyle/>
-                    <a:p>
-                      <a:pPr algn="ctr"/>
-                      <a:r>
-                        <a:rPr kumimoji="1" lang="en-US" altLang="ja-JP" sz="1600" b="0" dirty="0">
-                          <a:latin typeface="+mn-lt"/>
-                        </a:rPr>
-                        <a:t>(18.83)</a:t>
-                      </a:r>
-                      <a:endParaRPr kumimoji="1" lang="ja-JP" altLang="en-US" sz="1600" b="0" dirty="0">
-                        <a:latin typeface="+mn-lt"/>
-                      </a:endParaRPr>
-                    </a:p>
-                  </a:txBody>
-                  <a:tcPr/>
-                </a:tc>
-                <a:tc>
-                  <a:txBody>
-                    <a:bodyPr/>
-                    <a:lstStyle/>
-                    <a:p>
-                      <a:pPr algn="ctr"/>
-                      <a:r>
-                        <a:rPr kumimoji="1" lang="en-US" altLang="ja-JP" sz="1600" b="1" dirty="0">
-                          <a:latin typeface="+mn-lt"/>
-                        </a:rPr>
-                        <a:t>36.56 </a:t>
-                      </a:r>
-                      <a:r>
-                        <a:rPr kumimoji="1" lang="en-US" altLang="ja-JP" sz="1600" b="0" dirty="0">
-                          <a:latin typeface="+mn-lt"/>
-                        </a:rPr>
-                        <a:t>(36.56)</a:t>
-                      </a:r>
-                      <a:endParaRPr kumimoji="1" lang="ja-JP" altLang="en-US" sz="1600" b="0" dirty="0">
-                        <a:latin typeface="+mn-lt"/>
-                      </a:endParaRPr>
-                    </a:p>
-                  </a:txBody>
-                  <a:tcPr/>
-                </a:tc>
-                <a:tc>
-                  <a:txBody>
-                    <a:bodyPr/>
-                    <a:lstStyle/>
-                    <a:p>
-                      <a:pPr algn="ctr"/>
-                      <a:r>
-                        <a:rPr kumimoji="1" lang="en-US" altLang="ja-JP" sz="1600" b="1" dirty="0">
-                          <a:latin typeface="+mn-lt"/>
-                        </a:rPr>
-                        <a:t>4.19 </a:t>
-                      </a:r>
-                      <a:r>
-                        <a:rPr kumimoji="1" lang="en-US" altLang="ja-JP" sz="1600" b="0" dirty="0">
-                          <a:latin typeface="+mn-lt"/>
-                        </a:rPr>
-                        <a:t>(4.18)</a:t>
-                      </a:r>
-                      <a:endParaRPr kumimoji="1" lang="ja-JP" altLang="en-US" sz="1600" b="0" dirty="0">
-                        <a:latin typeface="+mn-lt"/>
-                      </a:endParaRPr>
-                    </a:p>
-                  </a:txBody>
-                  <a:tcPr/>
-                </a:tc>
-                <a:tc>
-                  <a:txBody>
-                    <a:bodyPr/>
-                    <a:lstStyle/>
-                    <a:p>
-                      <a:pPr marL="0" marR="0" lvl="0" indent="0" algn="ctr" defTabSz="914400" rtl="0" eaLnBrk="1" fontAlgn="auto" latinLnBrk="0" hangingPunct="1">
-                        <a:lnSpc>
-                          <a:spcPct val="100000"/>
-                        </a:lnSpc>
-                        <a:spcBef>
-                          <a:spcPts val="0"/>
-                        </a:spcBef>
-                        <a:spcAft>
-                          <a:spcPts val="0"/>
-                        </a:spcAft>
-                        <a:buClrTx/>
-                        <a:buSzTx/>
-                        <a:buFontTx/>
-                        <a:buNone/>
-                        <a:tabLst/>
-                        <a:defRPr/>
-                      </a:pPr>
-                      <a:r>
-                        <a:rPr kumimoji="1" lang="en-US" altLang="ja-JP" sz="1600" b="0" dirty="0">
-                          <a:latin typeface="+mn-lt"/>
-                        </a:rPr>
-                        <a:t>(5.31)</a:t>
-                      </a:r>
-                      <a:endParaRPr kumimoji="1" lang="ja-JP" altLang="en-US" sz="1600" b="0">
-                        <a:latin typeface="+mn-lt"/>
-                      </a:endParaRPr>
-                    </a:p>
-                  </a:txBody>
-                  <a:tcPr/>
-                </a:tc>
-                <a:tc>
-                  <a:txBody>
-                    <a:bodyPr/>
-                    <a:lstStyle/>
-                    <a:p>
-                      <a:pPr algn="ctr"/>
-                      <a:endParaRPr kumimoji="1" lang="ja-JP" altLang="en-US" sz="1600" b="0" dirty="0">
-                        <a:latin typeface="+mn-lt"/>
-                      </a:endParaRPr>
-                    </a:p>
-                  </a:txBody>
-                  <a:tcPr/>
-                </a:tc>
-                <a:tc>
-                  <a:txBody>
-                    <a:bodyPr/>
-                    <a:lstStyle/>
-                    <a:p>
-                      <a:pPr algn="ctr"/>
-                      <a:endParaRPr kumimoji="1" lang="ja-JP" altLang="en-US" sz="1600" b="0" dirty="0">
-                        <a:latin typeface="+mn-lt"/>
-                      </a:endParaRPr>
-                    </a:p>
-                  </a:txBody>
-                  <a:tcPr/>
-                </a:tc>
-                <a:extLst>
-                  <a:ext uri="{0D108BD9-81ED-4DB2-BD59-A6C34878D82A}">
-                    <a16:rowId xmlns:a16="http://schemas.microsoft.com/office/drawing/2014/main" val="1049391835"/>
-                  </a:ext>
-                </a:extLst>
-              </a:tr>
-              <a:tr h="370840">
-                <a:tc vMerge="1">
-                  <a:txBody>
-                    <a:bodyPr/>
-                    <a:lstStyle/>
-                    <a:p>
-                      <a:endParaRPr kumimoji="1" lang="ja-JP" altLang="en-US" sz="1800" dirty="0"/>
-                    </a:p>
-                  </a:txBody>
-                  <a:tcPr/>
-                </a:tc>
-                <a:tc>
-                  <a:txBody>
-                    <a:bodyPr/>
-                    <a:lstStyle/>
-                    <a:p>
-                      <a:pPr algn="ctr"/>
-                      <a:r>
-                        <a:rPr kumimoji="1" lang="en-US" altLang="ja-JP" sz="1800" b="0" dirty="0">
-                          <a:latin typeface="+mn-lt"/>
-                        </a:rPr>
-                        <a:t>PE20</a:t>
-                      </a:r>
-                      <a:endParaRPr kumimoji="1" lang="ja-JP" altLang="en-US" sz="1800" b="0" dirty="0">
-                        <a:latin typeface="+mn-lt"/>
-                      </a:endParaRPr>
-                    </a:p>
-                  </a:txBody>
-                  <a:tcPr/>
-                </a:tc>
-                <a:tc>
-                  <a:txBody>
-                    <a:bodyPr/>
-                    <a:lstStyle/>
-                    <a:p>
-                      <a:pPr algn="ctr"/>
-                      <a:endParaRPr kumimoji="1" lang="ja-JP" altLang="en-US" sz="1600" b="1" dirty="0">
-                        <a:latin typeface="+mn-lt"/>
-                      </a:endParaRPr>
-                    </a:p>
-                  </a:txBody>
-                  <a:tcPr/>
-                </a:tc>
-                <a:tc>
-                  <a:txBody>
-                    <a:bodyPr/>
-                    <a:lstStyle/>
-                    <a:p>
-                      <a:pPr algn="ctr"/>
-                      <a:endParaRPr kumimoji="1" lang="ja-JP" altLang="en-US" sz="1600" b="1" dirty="0">
-                        <a:latin typeface="+mn-lt"/>
-                      </a:endParaRPr>
-                    </a:p>
-                  </a:txBody>
-                  <a:tcPr/>
-                </a:tc>
-                <a:tc>
-                  <a:txBody>
-                    <a:bodyPr/>
-                    <a:lstStyle/>
-                    <a:p>
-                      <a:pPr algn="ctr"/>
-                      <a:r>
-                        <a:rPr kumimoji="1" lang="en-US" altLang="ja-JP" sz="1600" b="1" dirty="0">
-                          <a:latin typeface="+mn-lt"/>
-                        </a:rPr>
-                        <a:t>36.56</a:t>
-                      </a:r>
-                      <a:endParaRPr kumimoji="1" lang="ja-JP" altLang="en-US" sz="1600" b="1" dirty="0">
-                        <a:latin typeface="+mn-lt"/>
-                      </a:endParaRPr>
-                    </a:p>
-                  </a:txBody>
-                  <a:tcPr/>
-                </a:tc>
-                <a:tc>
-                  <a:txBody>
-                    <a:bodyPr/>
-                    <a:lstStyle/>
-                    <a:p>
-                      <a:pPr algn="ctr"/>
-                      <a:endParaRPr kumimoji="1" lang="ja-JP" altLang="en-US" sz="1600" b="0" dirty="0">
-                        <a:latin typeface="+mn-lt"/>
-                      </a:endParaRPr>
-                    </a:p>
-                  </a:txBody>
-                  <a:tcPr/>
-                </a:tc>
-                <a:tc>
-                  <a:txBody>
-                    <a:bodyPr/>
-                    <a:lstStyle/>
-                    <a:p>
-                      <a:pPr marL="0" marR="0" lvl="0" indent="0" algn="ctr" defTabSz="914400" rtl="0" eaLnBrk="1" fontAlgn="auto" latinLnBrk="0" hangingPunct="1">
-                        <a:lnSpc>
-                          <a:spcPct val="100000"/>
-                        </a:lnSpc>
-                        <a:spcBef>
-                          <a:spcPts val="0"/>
-                        </a:spcBef>
-                        <a:spcAft>
-                          <a:spcPts val="0"/>
-                        </a:spcAft>
-                        <a:buClrTx/>
-                        <a:buSzTx/>
-                        <a:buFontTx/>
-                        <a:buNone/>
-                        <a:tabLst/>
-                        <a:defRPr/>
-                      </a:pPr>
-                      <a:endParaRPr kumimoji="1" lang="ja-JP" altLang="en-US" sz="1600" b="0">
-                        <a:latin typeface="+mn-lt"/>
-                      </a:endParaRPr>
-                    </a:p>
-                  </a:txBody>
-                  <a:tcPr/>
-                </a:tc>
-                <a:tc>
-                  <a:txBody>
-                    <a:bodyPr/>
-                    <a:lstStyle/>
-                    <a:p>
-                      <a:pPr algn="ctr"/>
-                      <a:endParaRPr kumimoji="1" lang="ja-JP" altLang="en-US" sz="1600" b="0" dirty="0">
-                        <a:latin typeface="+mn-lt"/>
-                      </a:endParaRPr>
-                    </a:p>
-                  </a:txBody>
-                  <a:tcPr/>
-                </a:tc>
-                <a:tc>
-                  <a:txBody>
-                    <a:bodyPr/>
-                    <a:lstStyle/>
-                    <a:p>
-                      <a:pPr algn="ctr"/>
-                      <a:endParaRPr kumimoji="1" lang="ja-JP" altLang="en-US" sz="1600" b="0" dirty="0">
-                        <a:latin typeface="+mn-lt"/>
-                      </a:endParaRPr>
-                    </a:p>
-                  </a:txBody>
-                  <a:tcPr/>
-                </a:tc>
-                <a:extLst>
-                  <a:ext uri="{0D108BD9-81ED-4DB2-BD59-A6C34878D82A}">
-                    <a16:rowId xmlns:a16="http://schemas.microsoft.com/office/drawing/2014/main" val="837740997"/>
-                  </a:ext>
-                </a:extLst>
-              </a:tr>
-              <a:tr h="370840">
-                <a:tc vMerge="1">
-                  <a:txBody>
-                    <a:bodyPr/>
-                    <a:lstStyle/>
-                    <a:p>
-                      <a:pPr algn="ctr"/>
-                      <a:endParaRPr kumimoji="1" lang="ja-JP" altLang="en-US" sz="1800" b="1" baseline="0" dirty="0">
-                        <a:latin typeface="+mn-lt"/>
-                      </a:endParaRPr>
-                    </a:p>
-                  </a:txBody>
-                  <a:tcPr/>
-                </a:tc>
-                <a:tc>
-                  <a:txBody>
-                    <a:bodyPr/>
-                    <a:lstStyle/>
-                    <a:p>
-                      <a:pPr algn="ctr"/>
-                      <a:r>
-                        <a:rPr kumimoji="1" lang="en-US" altLang="ja-JP" sz="1800" b="0" dirty="0">
-                          <a:latin typeface="+mn-lt"/>
-                        </a:rPr>
-                        <a:t>PE100</a:t>
-                      </a:r>
-                      <a:endParaRPr kumimoji="1" lang="ja-JP" altLang="en-US" sz="1800" b="0" dirty="0">
-                        <a:latin typeface="+mn-lt"/>
-                      </a:endParaRPr>
-                    </a:p>
-                  </a:txBody>
-                  <a:tcPr/>
-                </a:tc>
-                <a:tc>
-                  <a:txBody>
-                    <a:bodyPr/>
-                    <a:lstStyle/>
-                    <a:p>
-                      <a:pPr algn="ctr"/>
-                      <a:endParaRPr kumimoji="1" lang="ja-JP" altLang="en-US" sz="1600" b="0" dirty="0">
-                        <a:latin typeface="+mn-lt"/>
-                      </a:endParaRPr>
-                    </a:p>
-                  </a:txBody>
-                  <a:tcPr/>
-                </a:tc>
-                <a:tc>
-                  <a:txBody>
-                    <a:bodyPr/>
-                    <a:lstStyle/>
-                    <a:p>
-                      <a:pPr algn="ctr"/>
-                      <a:endParaRPr kumimoji="1" lang="ja-JP" altLang="en-US" sz="1600" b="0" dirty="0">
-                        <a:latin typeface="+mn-lt"/>
-                      </a:endParaRPr>
-                    </a:p>
-                  </a:txBody>
-                  <a:tcPr/>
-                </a:tc>
-                <a:tc>
-                  <a:txBody>
-                    <a:bodyPr/>
-                    <a:lstStyle/>
-                    <a:p>
-                      <a:pPr algn="ctr"/>
-                      <a:endParaRPr kumimoji="1" lang="ja-JP" altLang="en-US" sz="1600" b="0" dirty="0">
-                        <a:latin typeface="+mn-lt"/>
-                      </a:endParaRPr>
-                    </a:p>
-                  </a:txBody>
-                  <a:tcPr/>
-                </a:tc>
-                <a:tc>
-                  <a:txBody>
-                    <a:bodyPr/>
-                    <a:lstStyle/>
-                    <a:p>
-                      <a:pPr algn="ctr"/>
-                      <a:endParaRPr kumimoji="1" lang="ja-JP" altLang="en-US" sz="1600" b="0" dirty="0">
-                        <a:latin typeface="+mn-lt"/>
-                      </a:endParaRPr>
-                    </a:p>
-                  </a:txBody>
-                  <a:tcPr/>
-                </a:tc>
-                <a:tc>
-                  <a:txBody>
-                    <a:bodyPr/>
-                    <a:lstStyle/>
-                    <a:p>
-                      <a:pPr algn="ctr"/>
-                      <a:endParaRPr kumimoji="1" lang="ja-JP" altLang="en-US" sz="1600" b="0" dirty="0">
-                        <a:latin typeface="+mn-lt"/>
-                      </a:endParaRPr>
-                    </a:p>
-                  </a:txBody>
-                  <a:tcPr/>
-                </a:tc>
-                <a:tc>
-                  <a:txBody>
-                    <a:bodyPr/>
-                    <a:lstStyle/>
-                    <a:p>
-                      <a:pPr algn="ctr"/>
-                      <a:r>
-                        <a:rPr kumimoji="1" lang="en-US" altLang="ja-JP" sz="1600" b="1" dirty="0">
-                          <a:latin typeface="+mn-lt"/>
-                        </a:rPr>
-                        <a:t>1482.08</a:t>
-                      </a:r>
-                      <a:endParaRPr kumimoji="1" lang="ja-JP" altLang="en-US" sz="1600" b="1" dirty="0">
-                        <a:latin typeface="+mn-lt"/>
-                      </a:endParaRPr>
-                    </a:p>
-                  </a:txBody>
-                  <a:tcPr/>
-                </a:tc>
-                <a:tc>
-                  <a:txBody>
-                    <a:bodyPr/>
-                    <a:lstStyle/>
-                    <a:p>
-                      <a:pPr algn="ctr"/>
-                      <a:r>
-                        <a:rPr kumimoji="1" lang="en-US" altLang="ja-JP" sz="1600" b="1" dirty="0">
-                          <a:latin typeface="+mn-lt"/>
-                        </a:rPr>
-                        <a:t>1249.10</a:t>
-                      </a:r>
-                      <a:endParaRPr kumimoji="1" lang="ja-JP" altLang="en-US" sz="1600" b="1" dirty="0">
-                        <a:latin typeface="+mn-lt"/>
-                      </a:endParaRPr>
-                    </a:p>
-                  </a:txBody>
-                  <a:tcPr/>
-                </a:tc>
-                <a:extLst>
-                  <a:ext uri="{0D108BD9-81ED-4DB2-BD59-A6C34878D82A}">
-                    <a16:rowId xmlns:a16="http://schemas.microsoft.com/office/drawing/2014/main" val="1548272617"/>
-                  </a:ext>
-                </a:extLst>
-              </a:tr>
-              <a:tr h="370840">
-                <a:tc vMerge="1">
-                  <a:txBody>
-                    <a:bodyPr/>
-                    <a:lstStyle/>
-                    <a:p>
-                      <a:pPr algn="ctr"/>
-                      <a:endParaRPr kumimoji="1" lang="ja-JP" altLang="en-US" sz="1800" b="1" baseline="0" dirty="0">
-                        <a:latin typeface="+mn-lt"/>
-                      </a:endParaRPr>
-                    </a:p>
-                  </a:txBody>
-                  <a:tcPr/>
-                </a:tc>
-                <a:tc>
-                  <a:txBody>
-                    <a:bodyPr/>
-                    <a:lstStyle/>
-                    <a:p>
-                      <a:pPr algn="ctr"/>
-                      <a:r>
-                        <a:rPr kumimoji="1" lang="en-US" altLang="ja-JP" sz="1800" b="0" dirty="0">
-                          <a:latin typeface="+mn-lt"/>
-                        </a:rPr>
-                        <a:t>PE200</a:t>
-                      </a:r>
-                      <a:endParaRPr kumimoji="1" lang="ja-JP" altLang="en-US" sz="1800" b="0" dirty="0">
-                        <a:latin typeface="+mn-lt"/>
-                      </a:endParaRPr>
-                    </a:p>
-                  </a:txBody>
-                  <a:tcPr/>
-                </a:tc>
-                <a:tc>
-                  <a:txBody>
-                    <a:bodyPr/>
-                    <a:lstStyle/>
-                    <a:p>
-                      <a:pPr algn="ctr"/>
-                      <a:endParaRPr kumimoji="1" lang="ja-JP" altLang="en-US" sz="1600" b="0" dirty="0">
-                        <a:latin typeface="+mn-lt"/>
-                      </a:endParaRPr>
-                    </a:p>
-                  </a:txBody>
-                  <a:tcPr/>
-                </a:tc>
-                <a:tc>
-                  <a:txBody>
-                    <a:bodyPr/>
-                    <a:lstStyle/>
-                    <a:p>
-                      <a:pPr algn="ctr"/>
-                      <a:endParaRPr kumimoji="1" lang="ja-JP" altLang="en-US" sz="1600" b="0" dirty="0">
-                        <a:latin typeface="+mn-lt"/>
-                      </a:endParaRPr>
-                    </a:p>
-                  </a:txBody>
-                  <a:tcPr/>
-                </a:tc>
-                <a:tc>
-                  <a:txBody>
-                    <a:bodyPr/>
-                    <a:lstStyle/>
-                    <a:p>
-                      <a:pPr algn="ctr"/>
-                      <a:endParaRPr kumimoji="1" lang="ja-JP" altLang="en-US" sz="1600" b="0" dirty="0">
-                        <a:latin typeface="+mn-lt"/>
-                      </a:endParaRPr>
-                    </a:p>
-                  </a:txBody>
-                  <a:tcPr/>
-                </a:tc>
-                <a:tc>
-                  <a:txBody>
-                    <a:bodyPr/>
-                    <a:lstStyle/>
-                    <a:p>
-                      <a:pPr algn="ctr"/>
-                      <a:endParaRPr kumimoji="1" lang="ja-JP" altLang="en-US" sz="1600" b="0" dirty="0">
-                        <a:latin typeface="+mn-lt"/>
-                      </a:endParaRPr>
-                    </a:p>
-                  </a:txBody>
-                  <a:tcPr/>
-                </a:tc>
-                <a:tc>
-                  <a:txBody>
-                    <a:bodyPr/>
-                    <a:lstStyle/>
-                    <a:p>
-                      <a:pPr algn="ctr"/>
-                      <a:endParaRPr kumimoji="1" lang="ja-JP" altLang="en-US" sz="1600" b="0" dirty="0">
-                        <a:latin typeface="+mn-lt"/>
-                      </a:endParaRPr>
-                    </a:p>
-                  </a:txBody>
-                  <a:tcPr/>
-                </a:tc>
-                <a:tc>
-                  <a:txBody>
-                    <a:bodyPr/>
-                    <a:lstStyle/>
-                    <a:p>
-                      <a:pPr algn="ctr"/>
-                      <a:endParaRPr kumimoji="1" lang="ja-JP" altLang="en-US" sz="1600" b="0" dirty="0">
-                        <a:latin typeface="+mn-lt"/>
-                      </a:endParaRPr>
-                    </a:p>
-                  </a:txBody>
-                  <a:tcPr/>
-                </a:tc>
-                <a:tc>
-                  <a:txBody>
-                    <a:bodyPr/>
-                    <a:lstStyle/>
-                    <a:p>
-                      <a:pPr algn="ctr"/>
-                      <a:endParaRPr kumimoji="1" lang="ja-JP" altLang="en-US" sz="1600" b="0" dirty="0">
-                        <a:latin typeface="+mn-lt"/>
-                      </a:endParaRPr>
-                    </a:p>
-                  </a:txBody>
-                  <a:tcPr/>
-                </a:tc>
-                <a:extLst>
-                  <a:ext uri="{0D108BD9-81ED-4DB2-BD59-A6C34878D82A}">
-                    <a16:rowId xmlns:a16="http://schemas.microsoft.com/office/drawing/2014/main" val="4043768493"/>
-                  </a:ext>
-                </a:extLst>
-              </a:tr>
-            </a:tbl>
-          </a:graphicData>
-        </a:graphic>
-      </p:graphicFrame>
-      <p:pic>
-        <p:nvPicPr>
-          <p:cNvPr id="6" name="図 5">
-            <a:extLst>
-              <a:ext uri="{FF2B5EF4-FFF2-40B4-BE49-F238E27FC236}">
-                <a16:creationId xmlns:a16="http://schemas.microsoft.com/office/drawing/2014/main" id="{5203189F-1294-530A-318E-E8480FF9DB90}"/>
-              </a:ext>
-            </a:extLst>
-          </p:cNvPr>
-          <p:cNvPicPr>
-            <a:picLocks noChangeAspect="1"/>
-          </p:cNvPicPr>
-          <p:nvPr/>
-        </p:nvPicPr>
-        <p:blipFill>
-          <a:blip r:embed="rId2"/>
-          <a:srcRect l="5204" t="5432"/>
-          <a:stretch/>
-        </p:blipFill>
-        <p:spPr>
-          <a:xfrm>
-            <a:off x="9443436" y="5523408"/>
-            <a:ext cx="2451549" cy="1100779"/>
-          </a:xfrm>
-          <a:prstGeom prst="rect">
-            <a:avLst/>
-          </a:prstGeom>
-        </p:spPr>
-      </p:pic>
-      <p:sp>
-        <p:nvSpPr>
-          <p:cNvPr id="2" name="テキスト ボックス 1">
-            <a:extLst>
-              <a:ext uri="{FF2B5EF4-FFF2-40B4-BE49-F238E27FC236}">
-                <a16:creationId xmlns:a16="http://schemas.microsoft.com/office/drawing/2014/main" id="{784292DD-F111-8997-EC4B-846AA8E18766}"/>
-              </a:ext>
-            </a:extLst>
-          </p:cNvPr>
-          <p:cNvSpPr txBox="1"/>
-          <p:nvPr/>
-        </p:nvSpPr>
-        <p:spPr>
-          <a:xfrm>
-            <a:off x="346841" y="309005"/>
-            <a:ext cx="2383746" cy="369332"/>
-          </a:xfrm>
-          <a:prstGeom prst="rect">
-            <a:avLst/>
-          </a:prstGeom>
-          <a:noFill/>
-        </p:spPr>
-        <p:txBody>
-          <a:bodyPr wrap="square" rtlCol="0">
-            <a:spAutoFit/>
-          </a:bodyPr>
-          <a:lstStyle/>
-          <a:p>
-            <a:r>
-              <a:rPr kumimoji="1" lang="en-US" altLang="ja-JP" dirty="0"/>
-              <a:t>Date: 2025/05/07</a:t>
-            </a:r>
-            <a:endParaRPr kumimoji="1" lang="ja-JP" altLang="en-US" dirty="0"/>
-          </a:p>
-        </p:txBody>
-      </p:sp>
-      <p:sp>
-        <p:nvSpPr>
-          <p:cNvPr id="5" name="テキスト ボックス 4">
-            <a:extLst>
-              <a:ext uri="{FF2B5EF4-FFF2-40B4-BE49-F238E27FC236}">
-                <a16:creationId xmlns:a16="http://schemas.microsoft.com/office/drawing/2014/main" id="{E57E5500-AADC-4417-EBF2-3761A654E1DE}"/>
-              </a:ext>
-            </a:extLst>
-          </p:cNvPr>
-          <p:cNvSpPr txBox="1"/>
-          <p:nvPr/>
-        </p:nvSpPr>
-        <p:spPr>
-          <a:xfrm>
-            <a:off x="656882" y="5750631"/>
-            <a:ext cx="7058343" cy="646331"/>
-          </a:xfrm>
-          <a:prstGeom prst="rect">
-            <a:avLst/>
-          </a:prstGeom>
-          <a:noFill/>
-        </p:spPr>
-        <p:txBody>
-          <a:bodyPr wrap="none" rtlCol="0">
-            <a:spAutoFit/>
-          </a:bodyPr>
-          <a:lstStyle/>
-          <a:p>
-            <a:r>
-              <a:rPr lang="ja-JP" altLang="en-US" b="1"/>
-              <a:t>太字</a:t>
-            </a:r>
-            <a:r>
-              <a:rPr lang="en-US" altLang="ja-JP" dirty="0"/>
-              <a:t>…</a:t>
-            </a:r>
-            <a:r>
-              <a:rPr lang="ja-JP" altLang="en-US"/>
-              <a:t>実測スペクトルの</a:t>
-            </a:r>
-            <a:r>
-              <a:rPr lang="en-US" altLang="ja-JP" dirty="0"/>
-              <a:t>Fitting</a:t>
-            </a:r>
-            <a:r>
-              <a:rPr lang="ja-JP" altLang="en-US"/>
-              <a:t>で求めた値</a:t>
-            </a:r>
-            <a:endParaRPr lang="en-US" altLang="ja-JP" dirty="0"/>
-          </a:p>
-          <a:p>
-            <a:r>
-              <a:rPr lang="en-US" altLang="ja-JP" dirty="0"/>
-              <a:t>(</a:t>
-            </a:r>
-            <a:r>
-              <a:rPr lang="ja-JP" altLang="en-US"/>
-              <a:t>細字</a:t>
-            </a:r>
-            <a:r>
-              <a:rPr lang="en-US" altLang="ja-JP" dirty="0"/>
-              <a:t>)…HeIa</a:t>
-            </a:r>
-            <a:r>
-              <a:rPr lang="ja-JP" altLang="en-US"/>
-              <a:t>の値を基準にして、励起光エネの差分から算出した値</a:t>
-            </a:r>
-            <a:endParaRPr lang="en-US" altLang="ja-JP" dirty="0"/>
-          </a:p>
-        </p:txBody>
-      </p:sp>
-      <p:sp>
-        <p:nvSpPr>
-          <p:cNvPr id="7" name="テキスト ボックス 6">
-            <a:extLst>
-              <a:ext uri="{FF2B5EF4-FFF2-40B4-BE49-F238E27FC236}">
-                <a16:creationId xmlns:a16="http://schemas.microsoft.com/office/drawing/2014/main" id="{2D80C33A-8A8D-EA9B-0EF2-7944E648C2DA}"/>
-              </a:ext>
-            </a:extLst>
-          </p:cNvPr>
-          <p:cNvSpPr txBox="1"/>
-          <p:nvPr/>
-        </p:nvSpPr>
-        <p:spPr>
-          <a:xfrm>
-            <a:off x="3863318" y="-646331"/>
-            <a:ext cx="1242648" cy="646331"/>
-          </a:xfrm>
-          <a:prstGeom prst="rect">
-            <a:avLst/>
-          </a:prstGeom>
-          <a:noFill/>
-        </p:spPr>
-        <p:txBody>
-          <a:bodyPr wrap="none" rtlCol="0">
-            <a:spAutoFit/>
-          </a:bodyPr>
-          <a:lstStyle/>
-          <a:p>
-            <a:r>
-              <a:rPr kumimoji="1" lang="en-US" altLang="ja-JP" dirty="0"/>
-              <a:t>HeIb-HeIa</a:t>
-            </a:r>
-          </a:p>
-          <a:p>
-            <a:r>
-              <a:rPr kumimoji="1" lang="en-US" altLang="ja-JP" dirty="0"/>
-              <a:t>=1.869 eV</a:t>
-            </a:r>
-            <a:endParaRPr kumimoji="1" lang="ja-JP" altLang="en-US"/>
-          </a:p>
-        </p:txBody>
-      </p:sp>
-      <p:sp>
-        <p:nvSpPr>
-          <p:cNvPr id="8" name="テキスト ボックス 7">
-            <a:extLst>
-              <a:ext uri="{FF2B5EF4-FFF2-40B4-BE49-F238E27FC236}">
-                <a16:creationId xmlns:a16="http://schemas.microsoft.com/office/drawing/2014/main" id="{FC92A7D1-3F44-9D2D-BF65-ADBDAA23F329}"/>
-              </a:ext>
-            </a:extLst>
-          </p:cNvPr>
-          <p:cNvSpPr txBox="1"/>
-          <p:nvPr/>
-        </p:nvSpPr>
-        <p:spPr>
-          <a:xfrm>
-            <a:off x="5170086" y="-646332"/>
-            <a:ext cx="1370888" cy="646331"/>
-          </a:xfrm>
-          <a:prstGeom prst="rect">
-            <a:avLst/>
-          </a:prstGeom>
-          <a:noFill/>
-        </p:spPr>
-        <p:txBody>
-          <a:bodyPr wrap="none" rtlCol="0">
-            <a:spAutoFit/>
-          </a:bodyPr>
-          <a:lstStyle/>
-          <a:p>
-            <a:r>
-              <a:rPr kumimoji="1" lang="en-US" altLang="ja-JP" dirty="0" err="1"/>
-              <a:t>HeIIa</a:t>
-            </a:r>
-            <a:r>
-              <a:rPr kumimoji="1" lang="en-US" altLang="ja-JP" dirty="0"/>
-              <a:t>-HeIa</a:t>
-            </a:r>
-          </a:p>
-          <a:p>
-            <a:r>
-              <a:rPr kumimoji="1" lang="en-US" altLang="ja-JP" dirty="0"/>
-              <a:t>=19.596 eV</a:t>
-            </a:r>
-            <a:endParaRPr kumimoji="1" lang="ja-JP" altLang="en-US"/>
-          </a:p>
-        </p:txBody>
-      </p:sp>
-      <p:sp>
-        <p:nvSpPr>
-          <p:cNvPr id="9" name="テキスト ボックス 8">
-            <a:extLst>
-              <a:ext uri="{FF2B5EF4-FFF2-40B4-BE49-F238E27FC236}">
-                <a16:creationId xmlns:a16="http://schemas.microsoft.com/office/drawing/2014/main" id="{86EAFACC-0A43-C8EB-D290-FC05F418D4C3}"/>
-              </a:ext>
-            </a:extLst>
-          </p:cNvPr>
-          <p:cNvSpPr txBox="1"/>
-          <p:nvPr/>
-        </p:nvSpPr>
-        <p:spPr>
-          <a:xfrm>
-            <a:off x="6540974" y="-646331"/>
-            <a:ext cx="1447832" cy="646331"/>
-          </a:xfrm>
-          <a:prstGeom prst="rect">
-            <a:avLst/>
-          </a:prstGeom>
-          <a:noFill/>
-        </p:spPr>
-        <p:txBody>
-          <a:bodyPr wrap="none" rtlCol="0">
-            <a:spAutoFit/>
-          </a:bodyPr>
-          <a:lstStyle/>
-          <a:p>
-            <a:r>
-              <a:rPr kumimoji="1" lang="en-US" altLang="ja-JP" dirty="0" err="1"/>
-              <a:t>XeIa</a:t>
-            </a:r>
-            <a:r>
-              <a:rPr kumimoji="1" lang="en-US" altLang="ja-JP" dirty="0"/>
-              <a:t>-HeIa</a:t>
-            </a:r>
-          </a:p>
-          <a:p>
-            <a:r>
-              <a:rPr kumimoji="1" lang="en-US" altLang="ja-JP" dirty="0"/>
-              <a:t>=-12.781 eV</a:t>
-            </a:r>
-            <a:endParaRPr kumimoji="1" lang="ja-JP" altLang="en-US"/>
-          </a:p>
-        </p:txBody>
-      </p:sp>
-      <p:sp>
-        <p:nvSpPr>
-          <p:cNvPr id="10" name="テキスト ボックス 9">
-            <a:extLst>
-              <a:ext uri="{FF2B5EF4-FFF2-40B4-BE49-F238E27FC236}">
-                <a16:creationId xmlns:a16="http://schemas.microsoft.com/office/drawing/2014/main" id="{5028239E-E281-6071-A3FC-D71792F8141B}"/>
-              </a:ext>
-            </a:extLst>
-          </p:cNvPr>
-          <p:cNvSpPr txBox="1"/>
-          <p:nvPr/>
-        </p:nvSpPr>
-        <p:spPr>
-          <a:xfrm>
-            <a:off x="7928981" y="-646333"/>
-            <a:ext cx="1430713" cy="646331"/>
-          </a:xfrm>
-          <a:prstGeom prst="rect">
-            <a:avLst/>
-          </a:prstGeom>
-          <a:noFill/>
-        </p:spPr>
-        <p:txBody>
-          <a:bodyPr wrap="none" rtlCol="0">
-            <a:spAutoFit/>
-          </a:bodyPr>
-          <a:lstStyle/>
-          <a:p>
-            <a:r>
-              <a:rPr kumimoji="1" lang="en-US" altLang="ja-JP" dirty="0" err="1"/>
-              <a:t>XeIa</a:t>
-            </a:r>
-            <a:r>
-              <a:rPr kumimoji="1" lang="en-US" altLang="ja-JP" dirty="0"/>
-              <a:t>-HeIa</a:t>
-            </a:r>
-          </a:p>
-          <a:p>
-            <a:r>
-              <a:rPr kumimoji="1" lang="en-US" altLang="ja-JP" dirty="0"/>
-              <a:t>=-11.648 eV</a:t>
-            </a:r>
-            <a:endParaRPr kumimoji="1" lang="ja-JP" altLang="en-US"/>
-          </a:p>
-        </p:txBody>
-      </p:sp>
-    </p:spTree>
-    <p:extLst>
-      <p:ext uri="{BB962C8B-B14F-4D97-AF65-F5344CB8AC3E}">
-        <p14:creationId xmlns:p14="http://schemas.microsoft.com/office/powerpoint/2010/main" val="3938522206"/>
       </p:ext>
     </p:extLst>
   </p:cSld>

--- a/src/others/フェルミ準位ログ/KEatEF_MBSA1_KeraG.pptx
+++ b/src/others/フェルミ準位ログ/KEatEF_MBSA1_KeraG.pptx
@@ -4,9 +4,21 @@
   <p:sldMasterIdLst>
     <p:sldMasterId id="2147483648" r:id="rId1"/>
   </p:sldMasterIdLst>
+  <p:notesMasterIdLst>
+    <p:notesMasterId r:id="rId13"/>
+  </p:notesMasterIdLst>
   <p:sldIdLst>
     <p:sldId id="259" r:id="rId2"/>
     <p:sldId id="258" r:id="rId3"/>
+    <p:sldId id="260" r:id="rId4"/>
+    <p:sldId id="1188" r:id="rId5"/>
+    <p:sldId id="1192" r:id="rId6"/>
+    <p:sldId id="1198" r:id="rId7"/>
+    <p:sldId id="1189" r:id="rId8"/>
+    <p:sldId id="1191" r:id="rId9"/>
+    <p:sldId id="1195" r:id="rId10"/>
+    <p:sldId id="1196" r:id="rId11"/>
+    <p:sldId id="1197" r:id="rId12"/>
   </p:sldIdLst>
   <p:sldSz cx="12192000" cy="6858000"/>
   <p:notesSz cx="6858000" cy="9144000"/>
@@ -113,6 +125,555 @@
 </p:presentation>
 </file>
 
+<file path=ppt/notesMasters/notesMaster1.xml><?xml version="1.0" encoding="utf-8"?>
+<p:notesMaster xmlns:a="http://schemas.openxmlformats.org/drawingml/2006/main" xmlns:r="http://schemas.openxmlformats.org/officeDocument/2006/relationships" xmlns:p="http://schemas.openxmlformats.org/presentationml/2006/main">
+  <p:cSld>
+    <p:bg>
+      <p:bgRef idx="1001">
+        <a:schemeClr val="bg1"/>
+      </p:bgRef>
+    </p:bg>
+    <p:spTree>
+      <p:nvGrpSpPr>
+        <p:cNvPr id="1" name=""/>
+        <p:cNvGrpSpPr/>
+        <p:nvPr/>
+      </p:nvGrpSpPr>
+      <p:grpSpPr>
+        <a:xfrm>
+          <a:off x="0" y="0"/>
+          <a:ext cx="0" cy="0"/>
+          <a:chOff x="0" y="0"/>
+          <a:chExt cx="0" cy="0"/>
+        </a:xfrm>
+      </p:grpSpPr>
+      <p:sp>
+        <p:nvSpPr>
+          <p:cNvPr id="2" name="ヘッダー プレースホルダー 1"/>
+          <p:cNvSpPr>
+            <a:spLocks noGrp="1"/>
+          </p:cNvSpPr>
+          <p:nvPr>
+            <p:ph type="hdr" sz="quarter"/>
+          </p:nvPr>
+        </p:nvSpPr>
+        <p:spPr>
+          <a:xfrm>
+            <a:off x="0" y="0"/>
+            <a:ext cx="2971800" cy="458788"/>
+          </a:xfrm>
+          <a:prstGeom prst="rect">
+            <a:avLst/>
+          </a:prstGeom>
+        </p:spPr>
+        <p:txBody>
+          <a:bodyPr vert="horz" lIns="91440" tIns="45720" rIns="91440" bIns="45720" rtlCol="0"/>
+          <a:lstStyle>
+            <a:lvl1pPr algn="l">
+              <a:defRPr sz="1200"/>
+            </a:lvl1pPr>
+          </a:lstStyle>
+          <a:p>
+            <a:endParaRPr kumimoji="1" lang="ja-JP" altLang="en-US"/>
+          </a:p>
+        </p:txBody>
+      </p:sp>
+      <p:sp>
+        <p:nvSpPr>
+          <p:cNvPr id="3" name="日付プレースホルダー 2"/>
+          <p:cNvSpPr>
+            <a:spLocks noGrp="1"/>
+          </p:cNvSpPr>
+          <p:nvPr>
+            <p:ph type="dt" idx="1"/>
+          </p:nvPr>
+        </p:nvSpPr>
+        <p:spPr>
+          <a:xfrm>
+            <a:off x="3884613" y="0"/>
+            <a:ext cx="2971800" cy="458788"/>
+          </a:xfrm>
+          <a:prstGeom prst="rect">
+            <a:avLst/>
+          </a:prstGeom>
+        </p:spPr>
+        <p:txBody>
+          <a:bodyPr vert="horz" lIns="91440" tIns="45720" rIns="91440" bIns="45720" rtlCol="0"/>
+          <a:lstStyle>
+            <a:lvl1pPr algn="r">
+              <a:defRPr sz="1200"/>
+            </a:lvl1pPr>
+          </a:lstStyle>
+          <a:p>
+            <a:fld id="{85BBA8DC-8314-B14A-9610-77AB87BB170F}" type="datetimeFigureOut">
+              <a:rPr kumimoji="1" lang="ja-JP" altLang="en-US" smtClean="0"/>
+              <a:t>2025/11/6</a:t>
+            </a:fld>
+            <a:endParaRPr kumimoji="1" lang="ja-JP" altLang="en-US"/>
+          </a:p>
+        </p:txBody>
+      </p:sp>
+      <p:sp>
+        <p:nvSpPr>
+          <p:cNvPr id="4" name="スライド イメージ プレースホルダー 3"/>
+          <p:cNvSpPr>
+            <a:spLocks noGrp="1" noRot="1" noChangeAspect="1"/>
+          </p:cNvSpPr>
+          <p:nvPr>
+            <p:ph type="sldImg" idx="2"/>
+          </p:nvPr>
+        </p:nvSpPr>
+        <p:spPr>
+          <a:xfrm>
+            <a:off x="685800" y="1143000"/>
+            <a:ext cx="5486400" cy="3086100"/>
+          </a:xfrm>
+          <a:prstGeom prst="rect">
+            <a:avLst/>
+          </a:prstGeom>
+          <a:noFill/>
+          <a:ln w="12700">
+            <a:solidFill>
+              <a:prstClr val="black"/>
+            </a:solidFill>
+          </a:ln>
+        </p:spPr>
+        <p:txBody>
+          <a:bodyPr vert="horz" lIns="91440" tIns="45720" rIns="91440" bIns="45720" rtlCol="0" anchor="ctr"/>
+          <a:lstStyle/>
+          <a:p>
+            <a:endParaRPr lang="ja-JP" altLang="en-US"/>
+          </a:p>
+        </p:txBody>
+      </p:sp>
+      <p:sp>
+        <p:nvSpPr>
+          <p:cNvPr id="5" name="ノート プレースホルダー 4"/>
+          <p:cNvSpPr>
+            <a:spLocks noGrp="1"/>
+          </p:cNvSpPr>
+          <p:nvPr>
+            <p:ph type="body" sz="quarter" idx="3"/>
+          </p:nvPr>
+        </p:nvSpPr>
+        <p:spPr>
+          <a:xfrm>
+            <a:off x="685800" y="4400550"/>
+            <a:ext cx="5486400" cy="3600450"/>
+          </a:xfrm>
+          <a:prstGeom prst="rect">
+            <a:avLst/>
+          </a:prstGeom>
+        </p:spPr>
+        <p:txBody>
+          <a:bodyPr vert="horz" lIns="91440" tIns="45720" rIns="91440" bIns="45720" rtlCol="0"/>
+          <a:lstStyle/>
+          <a:p>
+            <a:pPr lvl="0"/>
+            <a:r>
+              <a:rPr kumimoji="1" lang="ja-JP" altLang="en-US"/>
+              <a:t>マスター テキストの書式設定</a:t>
+            </a:r>
+          </a:p>
+          <a:p>
+            <a:pPr lvl="1"/>
+            <a:r>
+              <a:rPr kumimoji="1" lang="ja-JP" altLang="en-US"/>
+              <a:t>第 </a:t>
+            </a:r>
+            <a:r>
+              <a:rPr kumimoji="1" lang="en-US" altLang="ja-JP"/>
+              <a:t>2 </a:t>
+            </a:r>
+            <a:r>
+              <a:rPr kumimoji="1" lang="ja-JP" altLang="en-US"/>
+              <a:t>レベル</a:t>
+            </a:r>
+          </a:p>
+          <a:p>
+            <a:pPr lvl="2"/>
+            <a:r>
+              <a:rPr kumimoji="1" lang="ja-JP" altLang="en-US"/>
+              <a:t>第 </a:t>
+            </a:r>
+            <a:r>
+              <a:rPr kumimoji="1" lang="en-US" altLang="ja-JP"/>
+              <a:t>3 </a:t>
+            </a:r>
+            <a:r>
+              <a:rPr kumimoji="1" lang="ja-JP" altLang="en-US"/>
+              <a:t>レベル</a:t>
+            </a:r>
+          </a:p>
+          <a:p>
+            <a:pPr lvl="3"/>
+            <a:r>
+              <a:rPr kumimoji="1" lang="ja-JP" altLang="en-US"/>
+              <a:t>第 </a:t>
+            </a:r>
+            <a:r>
+              <a:rPr kumimoji="1" lang="en-US" altLang="ja-JP"/>
+              <a:t>4 </a:t>
+            </a:r>
+            <a:r>
+              <a:rPr kumimoji="1" lang="ja-JP" altLang="en-US"/>
+              <a:t>レベル</a:t>
+            </a:r>
+          </a:p>
+          <a:p>
+            <a:pPr lvl="4"/>
+            <a:r>
+              <a:rPr kumimoji="1" lang="ja-JP" altLang="en-US"/>
+              <a:t>第 </a:t>
+            </a:r>
+            <a:r>
+              <a:rPr kumimoji="1" lang="en-US" altLang="ja-JP"/>
+              <a:t>5 </a:t>
+            </a:r>
+            <a:r>
+              <a:rPr kumimoji="1" lang="ja-JP" altLang="en-US"/>
+              <a:t>レベル</a:t>
+            </a:r>
+          </a:p>
+        </p:txBody>
+      </p:sp>
+      <p:sp>
+        <p:nvSpPr>
+          <p:cNvPr id="6" name="フッター プレースホルダー 5"/>
+          <p:cNvSpPr>
+            <a:spLocks noGrp="1"/>
+          </p:cNvSpPr>
+          <p:nvPr>
+            <p:ph type="ftr" sz="quarter" idx="4"/>
+          </p:nvPr>
+        </p:nvSpPr>
+        <p:spPr>
+          <a:xfrm>
+            <a:off x="0" y="8685213"/>
+            <a:ext cx="2971800" cy="458787"/>
+          </a:xfrm>
+          <a:prstGeom prst="rect">
+            <a:avLst/>
+          </a:prstGeom>
+        </p:spPr>
+        <p:txBody>
+          <a:bodyPr vert="horz" lIns="91440" tIns="45720" rIns="91440" bIns="45720" rtlCol="0" anchor="b"/>
+          <a:lstStyle>
+            <a:lvl1pPr algn="l">
+              <a:defRPr sz="1200"/>
+            </a:lvl1pPr>
+          </a:lstStyle>
+          <a:p>
+            <a:endParaRPr kumimoji="1" lang="ja-JP" altLang="en-US"/>
+          </a:p>
+        </p:txBody>
+      </p:sp>
+      <p:sp>
+        <p:nvSpPr>
+          <p:cNvPr id="7" name="スライド番号プレースホルダー 6"/>
+          <p:cNvSpPr>
+            <a:spLocks noGrp="1"/>
+          </p:cNvSpPr>
+          <p:nvPr>
+            <p:ph type="sldNum" sz="quarter" idx="5"/>
+          </p:nvPr>
+        </p:nvSpPr>
+        <p:spPr>
+          <a:xfrm>
+            <a:off x="3884613" y="8685213"/>
+            <a:ext cx="2971800" cy="458787"/>
+          </a:xfrm>
+          <a:prstGeom prst="rect">
+            <a:avLst/>
+          </a:prstGeom>
+        </p:spPr>
+        <p:txBody>
+          <a:bodyPr vert="horz" lIns="91440" tIns="45720" rIns="91440" bIns="45720" rtlCol="0" anchor="b"/>
+          <a:lstStyle>
+            <a:lvl1pPr algn="r">
+              <a:defRPr sz="1200"/>
+            </a:lvl1pPr>
+          </a:lstStyle>
+          <a:p>
+            <a:fld id="{FD23F146-A977-7847-B552-96D4FB3077F0}" type="slidenum">
+              <a:rPr kumimoji="1" lang="ja-JP" altLang="en-US" smtClean="0"/>
+              <a:t>‹#›</a:t>
+            </a:fld>
+            <a:endParaRPr kumimoji="1" lang="ja-JP" altLang="en-US"/>
+          </a:p>
+        </p:txBody>
+      </p:sp>
+    </p:spTree>
+    <p:extLst>
+      <p:ext uri="{BB962C8B-B14F-4D97-AF65-F5344CB8AC3E}">
+        <p14:creationId xmlns:p14="http://schemas.microsoft.com/office/powerpoint/2010/main" val="1738793587"/>
+      </p:ext>
+    </p:extLst>
+  </p:cSld>
+  <p:clrMap bg1="lt1" tx1="dk1" bg2="lt2" tx2="dk2" accent1="accent1" accent2="accent2" accent3="accent3" accent4="accent4" accent5="accent5" accent6="accent6" hlink="hlink" folHlink="folHlink"/>
+  <p:notesStyle>
+    <a:lvl1pPr marL="0" algn="l" defTabSz="914400" rtl="0" eaLnBrk="1" latinLnBrk="0" hangingPunct="1">
+      <a:defRPr kumimoji="1" sz="1200" kern="1200">
+        <a:solidFill>
+          <a:schemeClr val="tx1"/>
+        </a:solidFill>
+        <a:latin typeface="+mn-lt"/>
+        <a:ea typeface="+mn-ea"/>
+        <a:cs typeface="+mn-cs"/>
+      </a:defRPr>
+    </a:lvl1pPr>
+    <a:lvl2pPr marL="457200" algn="l" defTabSz="914400" rtl="0" eaLnBrk="1" latinLnBrk="0" hangingPunct="1">
+      <a:defRPr kumimoji="1" sz="1200" kern="1200">
+        <a:solidFill>
+          <a:schemeClr val="tx1"/>
+        </a:solidFill>
+        <a:latin typeface="+mn-lt"/>
+        <a:ea typeface="+mn-ea"/>
+        <a:cs typeface="+mn-cs"/>
+      </a:defRPr>
+    </a:lvl2pPr>
+    <a:lvl3pPr marL="914400" algn="l" defTabSz="914400" rtl="0" eaLnBrk="1" latinLnBrk="0" hangingPunct="1">
+      <a:defRPr kumimoji="1" sz="1200" kern="1200">
+        <a:solidFill>
+          <a:schemeClr val="tx1"/>
+        </a:solidFill>
+        <a:latin typeface="+mn-lt"/>
+        <a:ea typeface="+mn-ea"/>
+        <a:cs typeface="+mn-cs"/>
+      </a:defRPr>
+    </a:lvl3pPr>
+    <a:lvl4pPr marL="1371600" algn="l" defTabSz="914400" rtl="0" eaLnBrk="1" latinLnBrk="0" hangingPunct="1">
+      <a:defRPr kumimoji="1" sz="1200" kern="1200">
+        <a:solidFill>
+          <a:schemeClr val="tx1"/>
+        </a:solidFill>
+        <a:latin typeface="+mn-lt"/>
+        <a:ea typeface="+mn-ea"/>
+        <a:cs typeface="+mn-cs"/>
+      </a:defRPr>
+    </a:lvl4pPr>
+    <a:lvl5pPr marL="1828800" algn="l" defTabSz="914400" rtl="0" eaLnBrk="1" latinLnBrk="0" hangingPunct="1">
+      <a:defRPr kumimoji="1" sz="1200" kern="1200">
+        <a:solidFill>
+          <a:schemeClr val="tx1"/>
+        </a:solidFill>
+        <a:latin typeface="+mn-lt"/>
+        <a:ea typeface="+mn-ea"/>
+        <a:cs typeface="+mn-cs"/>
+      </a:defRPr>
+    </a:lvl5pPr>
+    <a:lvl6pPr marL="2286000" algn="l" defTabSz="914400" rtl="0" eaLnBrk="1" latinLnBrk="0" hangingPunct="1">
+      <a:defRPr kumimoji="1" sz="1200" kern="1200">
+        <a:solidFill>
+          <a:schemeClr val="tx1"/>
+        </a:solidFill>
+        <a:latin typeface="+mn-lt"/>
+        <a:ea typeface="+mn-ea"/>
+        <a:cs typeface="+mn-cs"/>
+      </a:defRPr>
+    </a:lvl6pPr>
+    <a:lvl7pPr marL="2743200" algn="l" defTabSz="914400" rtl="0" eaLnBrk="1" latinLnBrk="0" hangingPunct="1">
+      <a:defRPr kumimoji="1" sz="1200" kern="1200">
+        <a:solidFill>
+          <a:schemeClr val="tx1"/>
+        </a:solidFill>
+        <a:latin typeface="+mn-lt"/>
+        <a:ea typeface="+mn-ea"/>
+        <a:cs typeface="+mn-cs"/>
+      </a:defRPr>
+    </a:lvl7pPr>
+    <a:lvl8pPr marL="3200400" algn="l" defTabSz="914400" rtl="0" eaLnBrk="1" latinLnBrk="0" hangingPunct="1">
+      <a:defRPr kumimoji="1" sz="1200" kern="1200">
+        <a:solidFill>
+          <a:schemeClr val="tx1"/>
+        </a:solidFill>
+        <a:latin typeface="+mn-lt"/>
+        <a:ea typeface="+mn-ea"/>
+        <a:cs typeface="+mn-cs"/>
+      </a:defRPr>
+    </a:lvl8pPr>
+    <a:lvl9pPr marL="3657600" algn="l" defTabSz="914400" rtl="0" eaLnBrk="1" latinLnBrk="0" hangingPunct="1">
+      <a:defRPr kumimoji="1" sz="1200" kern="1200">
+        <a:solidFill>
+          <a:schemeClr val="tx1"/>
+        </a:solidFill>
+        <a:latin typeface="+mn-lt"/>
+        <a:ea typeface="+mn-ea"/>
+        <a:cs typeface="+mn-cs"/>
+      </a:defRPr>
+    </a:lvl9pPr>
+  </p:notesStyle>
+</p:notesMaster>
+</file>
+
+<file path=ppt/notesSlides/notesSlide1.xml><?xml version="1.0" encoding="utf-8"?>
+<p:notes xmlns:a="http://schemas.openxmlformats.org/drawingml/2006/main" xmlns:r="http://schemas.openxmlformats.org/officeDocument/2006/relationships" xmlns:p="http://schemas.openxmlformats.org/presentationml/2006/main">
+  <p:cSld>
+    <p:spTree>
+      <p:nvGrpSpPr>
+        <p:cNvPr id="1" name=""/>
+        <p:cNvGrpSpPr/>
+        <p:nvPr/>
+      </p:nvGrpSpPr>
+      <p:grpSpPr>
+        <a:xfrm>
+          <a:off x="0" y="0"/>
+          <a:ext cx="0" cy="0"/>
+          <a:chOff x="0" y="0"/>
+          <a:chExt cx="0" cy="0"/>
+        </a:xfrm>
+      </p:grpSpPr>
+      <p:sp>
+        <p:nvSpPr>
+          <p:cNvPr id="2" name="スライド イメージ プレースホルダー 1"/>
+          <p:cNvSpPr>
+            <a:spLocks noGrp="1" noRot="1" noChangeAspect="1"/>
+          </p:cNvSpPr>
+          <p:nvPr>
+            <p:ph type="sldImg"/>
+          </p:nvPr>
+        </p:nvSpPr>
+        <p:spPr/>
+      </p:sp>
+      <p:sp>
+        <p:nvSpPr>
+          <p:cNvPr id="3" name="ノート プレースホルダー 2"/>
+          <p:cNvSpPr>
+            <a:spLocks noGrp="1"/>
+          </p:cNvSpPr>
+          <p:nvPr>
+            <p:ph type="body" idx="1"/>
+          </p:nvPr>
+        </p:nvSpPr>
+        <p:spPr/>
+        <p:txBody>
+          <a:bodyPr/>
+          <a:lstStyle/>
+          <a:p>
+            <a:endParaRPr kumimoji="1" lang="ja-JP" altLang="en-US"/>
+          </a:p>
+        </p:txBody>
+      </p:sp>
+      <p:sp>
+        <p:nvSpPr>
+          <p:cNvPr id="4" name="スライド番号プレースホルダー 3"/>
+          <p:cNvSpPr>
+            <a:spLocks noGrp="1"/>
+          </p:cNvSpPr>
+          <p:nvPr>
+            <p:ph type="sldNum" sz="quarter" idx="5"/>
+          </p:nvPr>
+        </p:nvSpPr>
+        <p:spPr/>
+        <p:txBody>
+          <a:bodyPr/>
+          <a:lstStyle/>
+          <a:p>
+            <a:fld id="{7AB753BF-47CA-46B6-B2FF-CAB66ED2489A}" type="slidenum">
+              <a:rPr kumimoji="1" lang="ja-JP" altLang="en-US" smtClean="0"/>
+              <a:t>7</a:t>
+            </a:fld>
+            <a:endParaRPr kumimoji="1" lang="ja-JP" altLang="en-US"/>
+          </a:p>
+        </p:txBody>
+      </p:sp>
+    </p:spTree>
+    <p:extLst>
+      <p:ext uri="{BB962C8B-B14F-4D97-AF65-F5344CB8AC3E}">
+        <p14:creationId xmlns:p14="http://schemas.microsoft.com/office/powerpoint/2010/main" val="786355078"/>
+      </p:ext>
+    </p:extLst>
+  </p:cSld>
+  <p:clrMapOvr>
+    <a:masterClrMapping/>
+  </p:clrMapOvr>
+</p:notes>
+</file>
+
+<file path=ppt/notesSlides/notesSlide2.xml><?xml version="1.0" encoding="utf-8"?>
+<p:notes xmlns:a="http://schemas.openxmlformats.org/drawingml/2006/main" xmlns:r="http://schemas.openxmlformats.org/officeDocument/2006/relationships" xmlns:p="http://schemas.openxmlformats.org/presentationml/2006/main">
+  <p:cSld>
+    <p:spTree>
+      <p:nvGrpSpPr>
+        <p:cNvPr id="1" name=""/>
+        <p:cNvGrpSpPr/>
+        <p:nvPr/>
+      </p:nvGrpSpPr>
+      <p:grpSpPr>
+        <a:xfrm>
+          <a:off x="0" y="0"/>
+          <a:ext cx="0" cy="0"/>
+          <a:chOff x="0" y="0"/>
+          <a:chExt cx="0" cy="0"/>
+        </a:xfrm>
+      </p:grpSpPr>
+      <p:sp>
+        <p:nvSpPr>
+          <p:cNvPr id="2" name="スライド イメージ プレースホルダー 1"/>
+          <p:cNvSpPr>
+            <a:spLocks noGrp="1" noRot="1" noChangeAspect="1"/>
+          </p:cNvSpPr>
+          <p:nvPr>
+            <p:ph type="sldImg"/>
+          </p:nvPr>
+        </p:nvSpPr>
+        <p:spPr/>
+      </p:sp>
+      <p:sp>
+        <p:nvSpPr>
+          <p:cNvPr id="3" name="ノート プレースホルダー 2"/>
+          <p:cNvSpPr>
+            <a:spLocks noGrp="1"/>
+          </p:cNvSpPr>
+          <p:nvPr>
+            <p:ph type="body" idx="1"/>
+          </p:nvPr>
+        </p:nvSpPr>
+        <p:spPr/>
+        <p:txBody>
+          <a:bodyPr/>
+          <a:lstStyle/>
+          <a:p>
+            <a:endParaRPr kumimoji="1" lang="ja-JP" altLang="en-US"/>
+          </a:p>
+        </p:txBody>
+      </p:sp>
+      <p:sp>
+        <p:nvSpPr>
+          <p:cNvPr id="4" name="スライド番号プレースホルダー 3"/>
+          <p:cNvSpPr>
+            <a:spLocks noGrp="1"/>
+          </p:cNvSpPr>
+          <p:nvPr>
+            <p:ph type="sldNum" sz="quarter" idx="5"/>
+          </p:nvPr>
+        </p:nvSpPr>
+        <p:spPr/>
+        <p:txBody>
+          <a:bodyPr/>
+          <a:lstStyle/>
+          <a:p>
+            <a:fld id="{7AB753BF-47CA-46B6-B2FF-CAB66ED2489A}" type="slidenum">
+              <a:rPr kumimoji="1" lang="ja-JP" altLang="en-US" smtClean="0"/>
+              <a:t>8</a:t>
+            </a:fld>
+            <a:endParaRPr kumimoji="1" lang="ja-JP" altLang="en-US"/>
+          </a:p>
+        </p:txBody>
+      </p:sp>
+    </p:spTree>
+    <p:extLst>
+      <p:ext uri="{BB962C8B-B14F-4D97-AF65-F5344CB8AC3E}">
+        <p14:creationId xmlns:p14="http://schemas.microsoft.com/office/powerpoint/2010/main" val="3797130570"/>
+      </p:ext>
+    </p:extLst>
+  </p:cSld>
+  <p:clrMapOvr>
+    <a:masterClrMapping/>
+  </p:clrMapOvr>
+</p:notes>
+</file>
+
 <file path=ppt/slideLayouts/slideLayout1.xml><?xml version="1.0" encoding="utf-8"?>
 <p:sldLayout xmlns:a="http://schemas.openxmlformats.org/drawingml/2006/main" xmlns:r="http://schemas.openxmlformats.org/officeDocument/2006/relationships" xmlns:p="http://schemas.openxmlformats.org/presentationml/2006/main" type="title" preserve="1">
   <p:cSld name="タイトル スライド">
@@ -260,7 +821,7 @@
           <a:p>
             <a:fld id="{F38E8723-237E-428B-967B-E4B6EC1D8BF6}" type="datetimeFigureOut">
               <a:rPr kumimoji="1" lang="ja-JP" altLang="en-US" smtClean="0"/>
-              <a:t>2025/9/30</a:t>
+              <a:t>2025/11/6</a:t>
             </a:fld>
             <a:endParaRPr kumimoji="1" lang="ja-JP" altLang="en-US"/>
           </a:p>
@@ -490,7 +1051,7 @@
           <a:p>
             <a:fld id="{F38E8723-237E-428B-967B-E4B6EC1D8BF6}" type="datetimeFigureOut">
               <a:rPr kumimoji="1" lang="ja-JP" altLang="en-US" smtClean="0"/>
-              <a:t>2025/9/30</a:t>
+              <a:t>2025/11/6</a:t>
             </a:fld>
             <a:endParaRPr kumimoji="1" lang="ja-JP" altLang="en-US"/>
           </a:p>
@@ -730,7 +1291,7 @@
           <a:p>
             <a:fld id="{F38E8723-237E-428B-967B-E4B6EC1D8BF6}" type="datetimeFigureOut">
               <a:rPr kumimoji="1" lang="ja-JP" altLang="en-US" smtClean="0"/>
-              <a:t>2025/9/30</a:t>
+              <a:t>2025/11/6</a:t>
             </a:fld>
             <a:endParaRPr kumimoji="1" lang="ja-JP" altLang="en-US"/>
           </a:p>
@@ -794,6 +1355,423 @@
     <p:extLst>
       <p:ext uri="{BB962C8B-B14F-4D97-AF65-F5344CB8AC3E}">
         <p14:creationId xmlns:p14="http://schemas.microsoft.com/office/powerpoint/2010/main" val="1242379842"/>
+      </p:ext>
+    </p:extLst>
+  </p:cSld>
+  <p:clrMapOvr>
+    <a:masterClrMapping/>
+  </p:clrMapOvr>
+</p:sldLayout>
+</file>
+
+<file path=ppt/slideLayouts/slideLayout12.xml><?xml version="1.0" encoding="utf-8"?>
+<p:sldLayout xmlns:a="http://schemas.openxmlformats.org/drawingml/2006/main" xmlns:r="http://schemas.openxmlformats.org/officeDocument/2006/relationships" xmlns:p="http://schemas.openxmlformats.org/presentationml/2006/main" userDrawn="1">
+  <p:cSld name="1_白紙">
+    <p:bg>
+      <p:bgPr>
+        <a:solidFill>
+          <a:schemeClr val="bg1"/>
+        </a:solidFill>
+        <a:effectLst/>
+      </p:bgPr>
+    </p:bg>
+    <p:spTree>
+      <p:nvGrpSpPr>
+        <p:cNvPr id="1" name=""/>
+        <p:cNvGrpSpPr/>
+        <p:nvPr/>
+      </p:nvGrpSpPr>
+      <p:grpSpPr>
+        <a:xfrm>
+          <a:off x="0" y="0"/>
+          <a:ext cx="0" cy="0"/>
+          <a:chOff x="0" y="0"/>
+          <a:chExt cx="0" cy="0"/>
+        </a:xfrm>
+      </p:grpSpPr>
+      <p:pic>
+        <p:nvPicPr>
+          <p:cNvPr id="35" name="図 34">
+            <a:extLst>
+              <a:ext uri="{FF2B5EF4-FFF2-40B4-BE49-F238E27FC236}">
+                <a16:creationId xmlns:a16="http://schemas.microsoft.com/office/drawing/2014/main" id="{5E831156-74CC-CA75-098D-B951B9893334}"/>
+              </a:ext>
+            </a:extLst>
+          </p:cNvPr>
+          <p:cNvPicPr>
+            <a:picLocks noChangeAspect="1"/>
+          </p:cNvPicPr>
+          <p:nvPr userDrawn="1"/>
+        </p:nvPicPr>
+        <p:blipFill rotWithShape="1">
+          <a:blip r:embed="rId2">
+            <a:extLst>
+              <a:ext uri="{28A0092B-C50C-407E-A947-70E740481C1C}">
+                <a14:useLocalDpi xmlns:a14="http://schemas.microsoft.com/office/drawing/2010/main" val="0"/>
+              </a:ext>
+            </a:extLst>
+          </a:blip>
+          <a:srcRect r="-72" b="-334"/>
+          <a:stretch/>
+        </p:blipFill>
+        <p:spPr>
+          <a:xfrm>
+            <a:off x="178146" y="199844"/>
+            <a:ext cx="10897926" cy="606787"/>
+          </a:xfrm>
+          <a:prstGeom prst="rect">
+            <a:avLst/>
+          </a:prstGeom>
+        </p:spPr>
+      </p:pic>
+      <p:sp>
+        <p:nvSpPr>
+          <p:cNvPr id="28" name="タイトル 1">
+            <a:extLst>
+              <a:ext uri="{FF2B5EF4-FFF2-40B4-BE49-F238E27FC236}">
+                <a16:creationId xmlns:a16="http://schemas.microsoft.com/office/drawing/2014/main" id="{2E98DA7E-A526-43F8-B78F-A672623CD124}"/>
+              </a:ext>
+            </a:extLst>
+          </p:cNvPr>
+          <p:cNvSpPr>
+            <a:spLocks noGrp="1"/>
+          </p:cNvSpPr>
+          <p:nvPr>
+            <p:ph type="title"/>
+          </p:nvPr>
+        </p:nvSpPr>
+        <p:spPr>
+          <a:xfrm>
+            <a:off x="1219199" y="155121"/>
+            <a:ext cx="9835481" cy="509884"/>
+          </a:xfrm>
+          <a:prstGeom prst="rect">
+            <a:avLst/>
+          </a:prstGeom>
+        </p:spPr>
+        <p:txBody>
+          <a:bodyPr anchor="t"/>
+          <a:lstStyle>
+            <a:lvl1pPr algn="l">
+              <a:defRPr sz="3600"/>
+            </a:lvl1pPr>
+          </a:lstStyle>
+          <a:p>
+            <a:r>
+              <a:rPr kumimoji="1" lang="ja-JP" altLang="en-US" dirty="0"/>
+              <a:t>マスター タイトルの書式設定</a:t>
+            </a:r>
+          </a:p>
+        </p:txBody>
+      </p:sp>
+      <p:grpSp>
+        <p:nvGrpSpPr>
+          <p:cNvPr id="2" name="グループ化 1">
+            <a:extLst>
+              <a:ext uri="{FF2B5EF4-FFF2-40B4-BE49-F238E27FC236}">
+                <a16:creationId xmlns:a16="http://schemas.microsoft.com/office/drawing/2014/main" id="{A33D915E-AB2E-FBE6-F473-4343E16F45CB}"/>
+              </a:ext>
+            </a:extLst>
+          </p:cNvPr>
+          <p:cNvGrpSpPr/>
+          <p:nvPr userDrawn="1"/>
+        </p:nvGrpSpPr>
+        <p:grpSpPr>
+          <a:xfrm>
+            <a:off x="11105482" y="65823"/>
+            <a:ext cx="908372" cy="977824"/>
+            <a:chOff x="10886177" y="105710"/>
+            <a:chExt cx="1219200" cy="1312416"/>
+          </a:xfrm>
+        </p:grpSpPr>
+        <p:pic>
+          <p:nvPicPr>
+            <p:cNvPr id="3" name="グラフィックス 2">
+              <a:extLst>
+                <a:ext uri="{FF2B5EF4-FFF2-40B4-BE49-F238E27FC236}">
+                  <a16:creationId xmlns:a16="http://schemas.microsoft.com/office/drawing/2014/main" id="{36EB79D9-640C-BE16-9141-DD9B015A8B84}"/>
+                </a:ext>
+              </a:extLst>
+            </p:cNvPr>
+            <p:cNvPicPr>
+              <a:picLocks noChangeAspect="1"/>
+            </p:cNvPicPr>
+            <p:nvPr userDrawn="1"/>
+          </p:nvPicPr>
+          <p:blipFill>
+            <a:blip r:embed="rId3">
+              <a:extLst>
+                <a:ext uri="{96DAC541-7B7A-43D3-8B79-37D633B846F1}">
+                  <asvg:svgBlip xmlns:asvg="http://schemas.microsoft.com/office/drawing/2016/SVG/main" r:embed="rId4"/>
+                </a:ext>
+              </a:extLst>
+            </a:blip>
+            <a:stretch>
+              <a:fillRect/>
+            </a:stretch>
+          </p:blipFill>
+          <p:spPr>
+            <a:xfrm rot="5400000">
+              <a:off x="10851343" y="140544"/>
+              <a:ext cx="1288868" cy="1219200"/>
+            </a:xfrm>
+            <a:prstGeom prst="rect">
+              <a:avLst/>
+            </a:prstGeom>
+          </p:spPr>
+        </p:pic>
+        <p:pic>
+          <p:nvPicPr>
+            <p:cNvPr id="7" name="グラフィックス 6">
+              <a:extLst>
+                <a:ext uri="{FF2B5EF4-FFF2-40B4-BE49-F238E27FC236}">
+                  <a16:creationId xmlns:a16="http://schemas.microsoft.com/office/drawing/2014/main" id="{84EA8D43-B493-064D-0D21-1E3A582105E0}"/>
+                </a:ext>
+              </a:extLst>
+            </p:cNvPr>
+            <p:cNvPicPr>
+              <a:picLocks noChangeAspect="1"/>
+            </p:cNvPicPr>
+            <p:nvPr userDrawn="1"/>
+          </p:nvPicPr>
+          <p:blipFill>
+            <a:blip r:embed="rId5">
+              <a:extLst>
+                <a:ext uri="{96DAC541-7B7A-43D3-8B79-37D633B846F1}">
+                  <asvg:svgBlip xmlns:asvg="http://schemas.microsoft.com/office/drawing/2016/SVG/main" r:embed="rId6"/>
+                </a:ext>
+              </a:extLst>
+            </a:blip>
+            <a:stretch>
+              <a:fillRect/>
+            </a:stretch>
+          </p:blipFill>
+          <p:spPr>
+            <a:xfrm rot="5400000">
+              <a:off x="11281520" y="1010414"/>
+              <a:ext cx="311780" cy="503644"/>
+            </a:xfrm>
+            <a:prstGeom prst="rect">
+              <a:avLst/>
+            </a:prstGeom>
+          </p:spPr>
+        </p:pic>
+      </p:grpSp>
+      <p:sp>
+        <p:nvSpPr>
+          <p:cNvPr id="4" name="Slide Number Placeholder 4">
+            <a:extLst>
+              <a:ext uri="{FF2B5EF4-FFF2-40B4-BE49-F238E27FC236}">
+                <a16:creationId xmlns:a16="http://schemas.microsoft.com/office/drawing/2014/main" id="{052B6E0F-0D70-EF47-ED42-C980F7846FF5}"/>
+              </a:ext>
+            </a:extLst>
+          </p:cNvPr>
+          <p:cNvSpPr txBox="1">
+            <a:spLocks/>
+          </p:cNvSpPr>
+          <p:nvPr userDrawn="1"/>
+        </p:nvSpPr>
+        <p:spPr>
+          <a:xfrm>
+            <a:off x="11248462" y="320713"/>
+            <a:ext cx="777935" cy="326665"/>
+          </a:xfrm>
+          <a:prstGeom prst="rect">
+            <a:avLst/>
+          </a:prstGeom>
+          <a:noFill/>
+          <a:effectLst>
+            <a:outerShdw blurRad="50800" dist="38100" dir="2700000" algn="tl" rotWithShape="0">
+              <a:schemeClr val="bg1">
+                <a:lumMod val="75000"/>
+                <a:alpha val="40000"/>
+              </a:schemeClr>
+            </a:outerShdw>
+          </a:effectLst>
+        </p:spPr>
+        <p:txBody>
+          <a:bodyPr/>
+          <a:lstStyle>
+            <a:defPPr>
+              <a:defRPr lang="en-US"/>
+            </a:defPPr>
+            <a:lvl1pPr marL="0" algn="ctr" defTabSz="457189" rtl="0" eaLnBrk="1" latinLnBrk="0" hangingPunct="1">
+              <a:defRPr sz="2400" b="1" i="1" kern="1200">
+                <a:solidFill>
+                  <a:schemeClr val="tx1">
+                    <a:lumMod val="40000"/>
+                    <a:lumOff val="60000"/>
+                  </a:schemeClr>
+                </a:solidFill>
+                <a:latin typeface="+mn-lt"/>
+                <a:ea typeface="+mn-ea"/>
+                <a:cs typeface="+mn-cs"/>
+              </a:defRPr>
+            </a:lvl1pPr>
+            <a:lvl2pPr marL="457189" algn="l" defTabSz="457189" rtl="0" eaLnBrk="1" latinLnBrk="0" hangingPunct="1">
+              <a:defRPr sz="1800" kern="1200">
+                <a:solidFill>
+                  <a:schemeClr val="tx1"/>
+                </a:solidFill>
+                <a:latin typeface="+mn-lt"/>
+                <a:ea typeface="+mn-ea"/>
+                <a:cs typeface="+mn-cs"/>
+              </a:defRPr>
+            </a:lvl2pPr>
+            <a:lvl3pPr marL="914377" algn="l" defTabSz="457189" rtl="0" eaLnBrk="1" latinLnBrk="0" hangingPunct="1">
+              <a:defRPr sz="1800" kern="1200">
+                <a:solidFill>
+                  <a:schemeClr val="tx1"/>
+                </a:solidFill>
+                <a:latin typeface="+mn-lt"/>
+                <a:ea typeface="+mn-ea"/>
+                <a:cs typeface="+mn-cs"/>
+              </a:defRPr>
+            </a:lvl3pPr>
+            <a:lvl4pPr marL="1371566" algn="l" defTabSz="457189" rtl="0" eaLnBrk="1" latinLnBrk="0" hangingPunct="1">
+              <a:defRPr sz="1800" kern="1200">
+                <a:solidFill>
+                  <a:schemeClr val="tx1"/>
+                </a:solidFill>
+                <a:latin typeface="+mn-lt"/>
+                <a:ea typeface="+mn-ea"/>
+                <a:cs typeface="+mn-cs"/>
+              </a:defRPr>
+            </a:lvl4pPr>
+            <a:lvl5pPr marL="1828754" algn="l" defTabSz="457189" rtl="0" eaLnBrk="1" latinLnBrk="0" hangingPunct="1">
+              <a:defRPr sz="1800" kern="1200">
+                <a:solidFill>
+                  <a:schemeClr val="tx1"/>
+                </a:solidFill>
+                <a:latin typeface="+mn-lt"/>
+                <a:ea typeface="+mn-ea"/>
+                <a:cs typeface="+mn-cs"/>
+              </a:defRPr>
+            </a:lvl5pPr>
+            <a:lvl6pPr marL="2285943" algn="l" defTabSz="457189" rtl="0" eaLnBrk="1" latinLnBrk="0" hangingPunct="1">
+              <a:defRPr sz="1800" kern="1200">
+                <a:solidFill>
+                  <a:schemeClr val="tx1"/>
+                </a:solidFill>
+                <a:latin typeface="+mn-lt"/>
+                <a:ea typeface="+mn-ea"/>
+                <a:cs typeface="+mn-cs"/>
+              </a:defRPr>
+            </a:lvl6pPr>
+            <a:lvl7pPr marL="2743131" algn="l" defTabSz="457189" rtl="0" eaLnBrk="1" latinLnBrk="0" hangingPunct="1">
+              <a:defRPr sz="1800" kern="1200">
+                <a:solidFill>
+                  <a:schemeClr val="tx1"/>
+                </a:solidFill>
+                <a:latin typeface="+mn-lt"/>
+                <a:ea typeface="+mn-ea"/>
+                <a:cs typeface="+mn-cs"/>
+              </a:defRPr>
+            </a:lvl7pPr>
+            <a:lvl8pPr marL="3200320" algn="l" defTabSz="457189" rtl="0" eaLnBrk="1" latinLnBrk="0" hangingPunct="1">
+              <a:defRPr sz="1800" kern="1200">
+                <a:solidFill>
+                  <a:schemeClr val="tx1"/>
+                </a:solidFill>
+                <a:latin typeface="+mn-lt"/>
+                <a:ea typeface="+mn-ea"/>
+                <a:cs typeface="+mn-cs"/>
+              </a:defRPr>
+            </a:lvl8pPr>
+            <a:lvl9pPr marL="3657509" algn="l" defTabSz="457189" rtl="0" eaLnBrk="1" latinLnBrk="0" hangingPunct="1">
+              <a:defRPr sz="1800" kern="1200">
+                <a:solidFill>
+                  <a:schemeClr val="tx1"/>
+                </a:solidFill>
+                <a:latin typeface="+mn-lt"/>
+                <a:ea typeface="+mn-ea"/>
+                <a:cs typeface="+mn-cs"/>
+              </a:defRPr>
+            </a:lvl9pPr>
+          </a:lstStyle>
+          <a:p>
+            <a:pPr algn="ctr"/>
+            <a:fld id="{407F9D19-84BB-44E4-AA2D-BAEECACB90DF}" type="slidenum">
+              <a:rPr lang="ja-JP" altLang="en-US" sz="2000" i="1" u="none" smtClean="0">
+                <a:solidFill>
+                  <a:schemeClr val="bg1"/>
+                </a:solidFill>
+                <a:effectLst/>
+                <a:latin typeface="Arial" panose="020B0604020202020204" pitchFamily="34" charset="0"/>
+                <a:cs typeface="Arial" panose="020B0604020202020204" pitchFamily="34" charset="0"/>
+              </a:rPr>
+              <a:pPr algn="ctr"/>
+              <a:t>‹#›</a:t>
+            </a:fld>
+            <a:endParaRPr lang="ja-JP" altLang="en-US" sz="2000" i="1" u="none">
+              <a:solidFill>
+                <a:schemeClr val="bg1"/>
+              </a:solidFill>
+              <a:effectLst/>
+              <a:latin typeface="Arial" panose="020B0604020202020204" pitchFamily="34" charset="0"/>
+              <a:cs typeface="Arial" panose="020B0604020202020204" pitchFamily="34" charset="0"/>
+            </a:endParaRPr>
+          </a:p>
+        </p:txBody>
+      </p:sp>
+      <p:sp>
+        <p:nvSpPr>
+          <p:cNvPr id="6" name="正方形/長方形 5">
+            <a:extLst>
+              <a:ext uri="{FF2B5EF4-FFF2-40B4-BE49-F238E27FC236}">
+                <a16:creationId xmlns:a16="http://schemas.microsoft.com/office/drawing/2014/main" id="{857879D7-F04D-CCE3-35E8-425C11C1E6B6}"/>
+              </a:ext>
+            </a:extLst>
+          </p:cNvPr>
+          <p:cNvSpPr/>
+          <p:nvPr userDrawn="1"/>
+        </p:nvSpPr>
+        <p:spPr>
+          <a:xfrm rot="19656244">
+            <a:off x="11038789" y="160211"/>
+            <a:ext cx="142940" cy="603926"/>
+          </a:xfrm>
+          <a:prstGeom prst="rect">
+            <a:avLst/>
+          </a:prstGeom>
+          <a:solidFill>
+            <a:schemeClr val="bg1"/>
+          </a:solidFill>
+          <a:ln>
+            <a:solidFill>
+              <a:schemeClr val="bg1"/>
+            </a:solidFill>
+          </a:ln>
+        </p:spPr>
+        <p:style>
+          <a:lnRef idx="2">
+            <a:schemeClr val="accent1">
+              <a:shade val="50000"/>
+            </a:schemeClr>
+          </a:lnRef>
+          <a:fillRef idx="1">
+            <a:schemeClr val="accent1"/>
+          </a:fillRef>
+          <a:effectRef idx="0">
+            <a:schemeClr val="accent1"/>
+          </a:effectRef>
+          <a:fontRef idx="minor">
+            <a:schemeClr val="lt1"/>
+          </a:fontRef>
+        </p:style>
+        <p:txBody>
+          <a:bodyPr rtlCol="0" anchor="ctr"/>
+          <a:lstStyle/>
+          <a:p>
+            <a:pPr algn="ctr"/>
+            <a:endParaRPr kumimoji="1" lang="ja-JP" altLang="en-US"/>
+          </a:p>
+        </p:txBody>
+      </p:sp>
+    </p:spTree>
+    <p:extLst>
+      <p:ext uri="{BB962C8B-B14F-4D97-AF65-F5344CB8AC3E}">
+        <p14:creationId xmlns:p14="http://schemas.microsoft.com/office/powerpoint/2010/main" val="2633668819"/>
       </p:ext>
     </p:extLst>
   </p:cSld>
@@ -960,7 +1938,7 @@
           <a:p>
             <a:fld id="{F38E8723-237E-428B-967B-E4B6EC1D8BF6}" type="datetimeFigureOut">
               <a:rPr kumimoji="1" lang="ja-JP" altLang="en-US" smtClean="0"/>
-              <a:t>2025/9/30</a:t>
+              <a:t>2025/11/6</a:t>
             </a:fld>
             <a:endParaRPr kumimoji="1" lang="ja-JP" altLang="en-US"/>
           </a:p>
@@ -1235,7 +2213,7 @@
           <a:p>
             <a:fld id="{F38E8723-237E-428B-967B-E4B6EC1D8BF6}" type="datetimeFigureOut">
               <a:rPr kumimoji="1" lang="ja-JP" altLang="en-US" smtClean="0"/>
-              <a:t>2025/9/30</a:t>
+              <a:t>2025/11/6</a:t>
             </a:fld>
             <a:endParaRPr kumimoji="1" lang="ja-JP" altLang="en-US"/>
           </a:p>
@@ -1564,7 +2542,7 @@
           <a:p>
             <a:fld id="{F38E8723-237E-428B-967B-E4B6EC1D8BF6}" type="datetimeFigureOut">
               <a:rPr kumimoji="1" lang="ja-JP" altLang="en-US" smtClean="0"/>
-              <a:t>2025/9/30</a:t>
+              <a:t>2025/11/6</a:t>
             </a:fld>
             <a:endParaRPr kumimoji="1" lang="ja-JP" altLang="en-US"/>
           </a:p>
@@ -2040,7 +3018,7 @@
           <a:p>
             <a:fld id="{F38E8723-237E-428B-967B-E4B6EC1D8BF6}" type="datetimeFigureOut">
               <a:rPr kumimoji="1" lang="ja-JP" altLang="en-US" smtClean="0"/>
-              <a:t>2025/9/30</a:t>
+              <a:t>2025/11/6</a:t>
             </a:fld>
             <a:endParaRPr kumimoji="1" lang="ja-JP" altLang="en-US"/>
           </a:p>
@@ -2181,7 +3159,7 @@
           <a:p>
             <a:fld id="{F38E8723-237E-428B-967B-E4B6EC1D8BF6}" type="datetimeFigureOut">
               <a:rPr kumimoji="1" lang="ja-JP" altLang="en-US" smtClean="0"/>
-              <a:t>2025/9/30</a:t>
+              <a:t>2025/11/6</a:t>
             </a:fld>
             <a:endParaRPr kumimoji="1" lang="ja-JP" altLang="en-US"/>
           </a:p>
@@ -2294,7 +3272,7 @@
           <a:p>
             <a:fld id="{F38E8723-237E-428B-967B-E4B6EC1D8BF6}" type="datetimeFigureOut">
               <a:rPr kumimoji="1" lang="ja-JP" altLang="en-US" smtClean="0"/>
-              <a:t>2025/9/30</a:t>
+              <a:t>2025/11/6</a:t>
             </a:fld>
             <a:endParaRPr kumimoji="1" lang="ja-JP" altLang="en-US"/>
           </a:p>
@@ -2637,7 +3615,7 @@
           <a:p>
             <a:fld id="{F38E8723-237E-428B-967B-E4B6EC1D8BF6}" type="datetimeFigureOut">
               <a:rPr kumimoji="1" lang="ja-JP" altLang="en-US" smtClean="0"/>
-              <a:t>2025/9/30</a:t>
+              <a:t>2025/11/6</a:t>
             </a:fld>
             <a:endParaRPr kumimoji="1" lang="ja-JP" altLang="en-US"/>
           </a:p>
@@ -2925,7 +3903,7 @@
           <a:p>
             <a:fld id="{F38E8723-237E-428B-967B-E4B6EC1D8BF6}" type="datetimeFigureOut">
               <a:rPr kumimoji="1" lang="ja-JP" altLang="en-US" smtClean="0"/>
-              <a:t>2025/9/30</a:t>
+              <a:t>2025/11/6</a:t>
             </a:fld>
             <a:endParaRPr kumimoji="1" lang="ja-JP" altLang="en-US"/>
           </a:p>
@@ -3198,7 +4176,7 @@
           <a:p>
             <a:fld id="{F38E8723-237E-428B-967B-E4B6EC1D8BF6}" type="datetimeFigureOut">
               <a:rPr kumimoji="1" lang="ja-JP" altLang="en-US" smtClean="0"/>
-              <a:t>2025/9/30</a:t>
+              <a:t>2025/11/6</a:t>
             </a:fld>
             <a:endParaRPr kumimoji="1" lang="ja-JP" altLang="en-US"/>
           </a:p>
@@ -3314,6 +4292,7 @@
     <p:sldLayoutId id="2147483657" r:id="rId9"/>
     <p:sldLayoutId id="2147483658" r:id="rId10"/>
     <p:sldLayoutId id="2147483659" r:id="rId11"/>
+    <p:sldLayoutId id="2147483660" r:id="rId12"/>
   </p:sldLayoutIdLst>
   <p:txStyles>
     <p:titleStyle>
@@ -6573,7 +7552,7 @@
           <a:p>
             <a:r>
               <a:rPr kumimoji="1" lang="en-US" altLang="ja-JP" dirty="0"/>
-              <a:t>Date: 2025/05/07</a:t>
+              <a:t>Date: 2025/04/04</a:t>
             </a:r>
             <a:endParaRPr kumimoji="1" lang="ja-JP" altLang="en-US" dirty="0"/>
           </a:p>
@@ -6834,6 +7813,188 @@
     <p:extLst>
       <p:ext uri="{BB962C8B-B14F-4D97-AF65-F5344CB8AC3E}">
         <p14:creationId xmlns:p14="http://schemas.microsoft.com/office/powerpoint/2010/main" val="3938522206"/>
+      </p:ext>
+    </p:extLst>
+  </p:cSld>
+  <p:clrMapOvr>
+    <a:masterClrMapping/>
+  </p:clrMapOvr>
+</p:sld>
+</file>
+
+<file path=ppt/slides/slide10.xml><?xml version="1.0" encoding="utf-8"?>
+<p:sld xmlns:a="http://schemas.openxmlformats.org/drawingml/2006/main" xmlns:r="http://schemas.openxmlformats.org/officeDocument/2006/relationships" xmlns:p="http://schemas.openxmlformats.org/presentationml/2006/main">
+  <p:cSld>
+    <p:spTree>
+      <p:nvGrpSpPr>
+        <p:cNvPr id="1" name=""/>
+        <p:cNvGrpSpPr/>
+        <p:nvPr/>
+      </p:nvGrpSpPr>
+      <p:grpSpPr>
+        <a:xfrm>
+          <a:off x="0" y="0"/>
+          <a:ext cx="0" cy="0"/>
+          <a:chOff x="0" y="0"/>
+          <a:chExt cx="0" cy="0"/>
+        </a:xfrm>
+      </p:grpSpPr>
+      <p:sp>
+        <p:nvSpPr>
+          <p:cNvPr id="2" name="タイトル 1">
+            <a:extLst>
+              <a:ext uri="{FF2B5EF4-FFF2-40B4-BE49-F238E27FC236}">
+                <a16:creationId xmlns:a16="http://schemas.microsoft.com/office/drawing/2014/main" id="{D909A347-6C17-55D9-6846-319308609B57}"/>
+              </a:ext>
+            </a:extLst>
+          </p:cNvPr>
+          <p:cNvSpPr>
+            <a:spLocks noGrp="1"/>
+          </p:cNvSpPr>
+          <p:nvPr>
+            <p:ph type="title"/>
+          </p:nvPr>
+        </p:nvSpPr>
+        <p:spPr/>
+        <p:txBody>
+          <a:bodyPr>
+            <a:normAutofit fontScale="90000"/>
+          </a:bodyPr>
+          <a:lstStyle/>
+          <a:p>
+            <a:r>
+              <a:rPr kumimoji="1" lang="en-US" altLang="ja-JP" dirty="0"/>
+              <a:t>EF: HeIa, PE05, Slit6</a:t>
+            </a:r>
+            <a:endParaRPr kumimoji="1" lang="ja-JP" altLang="en-US"/>
+          </a:p>
+        </p:txBody>
+      </p:sp>
+      <p:pic>
+        <p:nvPicPr>
+          <p:cNvPr id="4" name="図 3">
+            <a:extLst>
+              <a:ext uri="{FF2B5EF4-FFF2-40B4-BE49-F238E27FC236}">
+                <a16:creationId xmlns:a16="http://schemas.microsoft.com/office/drawing/2014/main" id="{B1262668-BC6C-684E-3CCA-3E07000BA02F}"/>
+              </a:ext>
+            </a:extLst>
+          </p:cNvPr>
+          <p:cNvPicPr>
+            <a:picLocks noChangeAspect="1"/>
+          </p:cNvPicPr>
+          <p:nvPr/>
+        </p:nvPicPr>
+        <p:blipFill>
+          <a:blip r:embed="rId2"/>
+          <a:stretch>
+            <a:fillRect/>
+          </a:stretch>
+        </p:blipFill>
+        <p:spPr>
+          <a:xfrm>
+            <a:off x="448732" y="1126048"/>
+            <a:ext cx="10907889" cy="5450035"/>
+          </a:xfrm>
+          <a:prstGeom prst="rect">
+            <a:avLst/>
+          </a:prstGeom>
+        </p:spPr>
+      </p:pic>
+    </p:spTree>
+    <p:extLst>
+      <p:ext uri="{BB962C8B-B14F-4D97-AF65-F5344CB8AC3E}">
+        <p14:creationId xmlns:p14="http://schemas.microsoft.com/office/powerpoint/2010/main" val="2235513038"/>
+      </p:ext>
+    </p:extLst>
+  </p:cSld>
+  <p:clrMapOvr>
+    <a:masterClrMapping/>
+  </p:clrMapOvr>
+</p:sld>
+</file>
+
+<file path=ppt/slides/slide11.xml><?xml version="1.0" encoding="utf-8"?>
+<p:sld xmlns:a="http://schemas.openxmlformats.org/drawingml/2006/main" xmlns:r="http://schemas.openxmlformats.org/officeDocument/2006/relationships" xmlns:p="http://schemas.openxmlformats.org/presentationml/2006/main">
+  <p:cSld>
+    <p:spTree>
+      <p:nvGrpSpPr>
+        <p:cNvPr id="1" name=""/>
+        <p:cNvGrpSpPr/>
+        <p:nvPr/>
+      </p:nvGrpSpPr>
+      <p:grpSpPr>
+        <a:xfrm>
+          <a:off x="0" y="0"/>
+          <a:ext cx="0" cy="0"/>
+          <a:chOff x="0" y="0"/>
+          <a:chExt cx="0" cy="0"/>
+        </a:xfrm>
+      </p:grpSpPr>
+      <p:sp>
+        <p:nvSpPr>
+          <p:cNvPr id="2" name="タイトル 1">
+            <a:extLst>
+              <a:ext uri="{FF2B5EF4-FFF2-40B4-BE49-F238E27FC236}">
+                <a16:creationId xmlns:a16="http://schemas.microsoft.com/office/drawing/2014/main" id="{1D8C203F-A9E3-C3B8-6771-1FA82B0CAC19}"/>
+              </a:ext>
+            </a:extLst>
+          </p:cNvPr>
+          <p:cNvSpPr>
+            <a:spLocks noGrp="1"/>
+          </p:cNvSpPr>
+          <p:nvPr>
+            <p:ph type="title"/>
+          </p:nvPr>
+        </p:nvSpPr>
+        <p:spPr/>
+        <p:txBody>
+          <a:bodyPr>
+            <a:normAutofit fontScale="90000"/>
+          </a:bodyPr>
+          <a:lstStyle/>
+          <a:p>
+            <a:r>
+              <a:rPr kumimoji="1" lang="en-US" altLang="ja-JP" dirty="0"/>
+              <a:t>EF: HeIa, PE02, Slit6</a:t>
+            </a:r>
+            <a:endParaRPr kumimoji="1" lang="ja-JP" altLang="en-US"/>
+          </a:p>
+        </p:txBody>
+      </p:sp>
+      <p:pic>
+        <p:nvPicPr>
+          <p:cNvPr id="3" name="図 2">
+            <a:extLst>
+              <a:ext uri="{FF2B5EF4-FFF2-40B4-BE49-F238E27FC236}">
+                <a16:creationId xmlns:a16="http://schemas.microsoft.com/office/drawing/2014/main" id="{40B90743-1B84-F757-AE98-145077501AF3}"/>
+              </a:ext>
+            </a:extLst>
+          </p:cNvPr>
+          <p:cNvPicPr>
+            <a:picLocks noChangeAspect="1"/>
+          </p:cNvPicPr>
+          <p:nvPr/>
+        </p:nvPicPr>
+        <p:blipFill>
+          <a:blip r:embed="rId2"/>
+          <a:stretch>
+            <a:fillRect/>
+          </a:stretch>
+        </p:blipFill>
+        <p:spPr>
+          <a:xfrm>
+            <a:off x="191912" y="1063820"/>
+            <a:ext cx="11384670" cy="5639059"/>
+          </a:xfrm>
+          <a:prstGeom prst="rect">
+            <a:avLst/>
+          </a:prstGeom>
+        </p:spPr>
+      </p:pic>
+    </p:spTree>
+    <p:extLst>
+      <p:ext uri="{BB962C8B-B14F-4D97-AF65-F5344CB8AC3E}">
+        <p14:creationId xmlns:p14="http://schemas.microsoft.com/office/powerpoint/2010/main" val="2434065651"/>
       </p:ext>
     </p:extLst>
   </p:cSld>
@@ -9642,6 +10803,663 @@
     <p:extLst>
       <p:ext uri="{BB962C8B-B14F-4D97-AF65-F5344CB8AC3E}">
         <p14:creationId xmlns:p14="http://schemas.microsoft.com/office/powerpoint/2010/main" val="101743813"/>
+      </p:ext>
+    </p:extLst>
+  </p:cSld>
+  <p:clrMapOvr>
+    <a:masterClrMapping/>
+  </p:clrMapOvr>
+</p:sld>
+</file>
+
+<file path=ppt/slides/slide3.xml><?xml version="1.0" encoding="utf-8"?>
+<p:sld xmlns:a="http://schemas.openxmlformats.org/drawingml/2006/main" xmlns:r="http://schemas.openxmlformats.org/officeDocument/2006/relationships" xmlns:p="http://schemas.openxmlformats.org/presentationml/2006/main">
+  <p:cSld>
+    <p:spTree>
+      <p:nvGrpSpPr>
+        <p:cNvPr id="1" name=""/>
+        <p:cNvGrpSpPr/>
+        <p:nvPr/>
+      </p:nvGrpSpPr>
+      <p:grpSpPr>
+        <a:xfrm>
+          <a:off x="0" y="0"/>
+          <a:ext cx="0" cy="0"/>
+          <a:chOff x="0" y="0"/>
+          <a:chExt cx="0" cy="0"/>
+        </a:xfrm>
+      </p:grpSpPr>
+      <p:sp>
+        <p:nvSpPr>
+          <p:cNvPr id="2" name="タイトル 1">
+            <a:extLst>
+              <a:ext uri="{FF2B5EF4-FFF2-40B4-BE49-F238E27FC236}">
+                <a16:creationId xmlns:a16="http://schemas.microsoft.com/office/drawing/2014/main" id="{E51C78F9-7F2E-5B84-0954-27EC523A9CFB}"/>
+              </a:ext>
+            </a:extLst>
+          </p:cNvPr>
+          <p:cNvSpPr>
+            <a:spLocks noGrp="1"/>
+          </p:cNvSpPr>
+          <p:nvPr>
+            <p:ph type="title"/>
+          </p:nvPr>
+        </p:nvSpPr>
+        <p:spPr>
+          <a:xfrm>
+            <a:off x="838200" y="2766218"/>
+            <a:ext cx="10515600" cy="1325563"/>
+          </a:xfrm>
+        </p:spPr>
+        <p:txBody>
+          <a:bodyPr/>
+          <a:lstStyle/>
+          <a:p>
+            <a:pPr algn="ctr"/>
+            <a:r>
+              <a:rPr kumimoji="1" lang="en-US" altLang="ja-JP" dirty="0"/>
+              <a:t>Archive: 2025.05.07 Au EF-edge</a:t>
+            </a:r>
+            <a:endParaRPr kumimoji="1" lang="ja-JP" altLang="en-US"/>
+          </a:p>
+        </p:txBody>
+      </p:sp>
+    </p:spTree>
+    <p:extLst>
+      <p:ext uri="{BB962C8B-B14F-4D97-AF65-F5344CB8AC3E}">
+        <p14:creationId xmlns:p14="http://schemas.microsoft.com/office/powerpoint/2010/main" val="1656818699"/>
+      </p:ext>
+    </p:extLst>
+  </p:cSld>
+  <p:clrMapOvr>
+    <a:masterClrMapping/>
+  </p:clrMapOvr>
+</p:sld>
+</file>
+
+<file path=ppt/slides/slide4.xml><?xml version="1.0" encoding="utf-8"?>
+<p:sld xmlns:a="http://schemas.openxmlformats.org/drawingml/2006/main" xmlns:r="http://schemas.openxmlformats.org/officeDocument/2006/relationships" xmlns:p="http://schemas.openxmlformats.org/presentationml/2006/main">
+  <p:cSld>
+    <p:spTree>
+      <p:nvGrpSpPr>
+        <p:cNvPr id="1" name=""/>
+        <p:cNvGrpSpPr/>
+        <p:nvPr/>
+      </p:nvGrpSpPr>
+      <p:grpSpPr>
+        <a:xfrm>
+          <a:off x="0" y="0"/>
+          <a:ext cx="0" cy="0"/>
+          <a:chOff x="0" y="0"/>
+          <a:chExt cx="0" cy="0"/>
+        </a:xfrm>
+      </p:grpSpPr>
+      <p:sp>
+        <p:nvSpPr>
+          <p:cNvPr id="2" name="タイトル 1">
+            <a:extLst>
+              <a:ext uri="{FF2B5EF4-FFF2-40B4-BE49-F238E27FC236}">
+                <a16:creationId xmlns:a16="http://schemas.microsoft.com/office/drawing/2014/main" id="{7FCA8F5E-D536-F7B7-457E-8A5DEC5FAB33}"/>
+              </a:ext>
+            </a:extLst>
+          </p:cNvPr>
+          <p:cNvSpPr>
+            <a:spLocks noGrp="1"/>
+          </p:cNvSpPr>
+          <p:nvPr>
+            <p:ph type="title"/>
+          </p:nvPr>
+        </p:nvSpPr>
+        <p:spPr/>
+        <p:txBody>
+          <a:bodyPr>
+            <a:normAutofit fontScale="90000"/>
+          </a:bodyPr>
+          <a:lstStyle/>
+          <a:p>
+            <a:r>
+              <a:rPr kumimoji="1" lang="en-US" altLang="ja-JP" dirty="0"/>
+              <a:t>EF: </a:t>
+            </a:r>
+            <a:r>
+              <a:rPr kumimoji="1" lang="en-US" altLang="ja-JP" dirty="0" err="1"/>
+              <a:t>XeIa</a:t>
+            </a:r>
+            <a:r>
+              <a:rPr kumimoji="1" lang="en-US" altLang="ja-JP" dirty="0"/>
+              <a:t>, PE10, Slit6</a:t>
+            </a:r>
+            <a:endParaRPr kumimoji="1" lang="ja-JP" altLang="en-US"/>
+          </a:p>
+        </p:txBody>
+      </p:sp>
+      <p:pic>
+        <p:nvPicPr>
+          <p:cNvPr id="6" name="図 5">
+            <a:extLst>
+              <a:ext uri="{FF2B5EF4-FFF2-40B4-BE49-F238E27FC236}">
+                <a16:creationId xmlns:a16="http://schemas.microsoft.com/office/drawing/2014/main" id="{25C7DF86-C034-B296-019F-01FDE8F60A69}"/>
+              </a:ext>
+            </a:extLst>
+          </p:cNvPr>
+          <p:cNvPicPr>
+            <a:picLocks noChangeAspect="1"/>
+          </p:cNvPicPr>
+          <p:nvPr/>
+        </p:nvPicPr>
+        <p:blipFill>
+          <a:blip r:embed="rId2"/>
+          <a:stretch>
+            <a:fillRect/>
+          </a:stretch>
+        </p:blipFill>
+        <p:spPr>
+          <a:xfrm>
+            <a:off x="372986" y="929918"/>
+            <a:ext cx="11278358" cy="5772961"/>
+          </a:xfrm>
+          <a:prstGeom prst="rect">
+            <a:avLst/>
+          </a:prstGeom>
+        </p:spPr>
+      </p:pic>
+    </p:spTree>
+    <p:extLst>
+      <p:ext uri="{BB962C8B-B14F-4D97-AF65-F5344CB8AC3E}">
+        <p14:creationId xmlns:p14="http://schemas.microsoft.com/office/powerpoint/2010/main" val="658523415"/>
+      </p:ext>
+    </p:extLst>
+  </p:cSld>
+  <p:clrMapOvr>
+    <a:masterClrMapping/>
+  </p:clrMapOvr>
+</p:sld>
+</file>
+
+<file path=ppt/slides/slide5.xml><?xml version="1.0" encoding="utf-8"?>
+<p:sld xmlns:a="http://schemas.openxmlformats.org/drawingml/2006/main" xmlns:r="http://schemas.openxmlformats.org/officeDocument/2006/relationships" xmlns:p="http://schemas.openxmlformats.org/presentationml/2006/main">
+  <p:cSld>
+    <p:spTree>
+      <p:nvGrpSpPr>
+        <p:cNvPr id="1" name="">
+          <a:extLst>
+            <a:ext uri="{FF2B5EF4-FFF2-40B4-BE49-F238E27FC236}">
+              <a16:creationId xmlns:a16="http://schemas.microsoft.com/office/drawing/2014/main" id="{E98CEBA0-4342-E166-1E04-91549D6A9869}"/>
+            </a:ext>
+          </a:extLst>
+        </p:cNvPr>
+        <p:cNvGrpSpPr/>
+        <p:nvPr/>
+      </p:nvGrpSpPr>
+      <p:grpSpPr>
+        <a:xfrm>
+          <a:off x="0" y="0"/>
+          <a:ext cx="0" cy="0"/>
+          <a:chOff x="0" y="0"/>
+          <a:chExt cx="0" cy="0"/>
+        </a:xfrm>
+      </p:grpSpPr>
+      <p:sp>
+        <p:nvSpPr>
+          <p:cNvPr id="2" name="タイトル 1">
+            <a:extLst>
+              <a:ext uri="{FF2B5EF4-FFF2-40B4-BE49-F238E27FC236}">
+                <a16:creationId xmlns:a16="http://schemas.microsoft.com/office/drawing/2014/main" id="{4F278779-C21C-8B9B-170F-8FD6E9921203}"/>
+              </a:ext>
+            </a:extLst>
+          </p:cNvPr>
+          <p:cNvSpPr>
+            <a:spLocks noGrp="1"/>
+          </p:cNvSpPr>
+          <p:nvPr>
+            <p:ph type="title"/>
+          </p:nvPr>
+        </p:nvSpPr>
+        <p:spPr/>
+        <p:txBody>
+          <a:bodyPr>
+            <a:normAutofit fontScale="90000"/>
+          </a:bodyPr>
+          <a:lstStyle/>
+          <a:p>
+            <a:r>
+              <a:rPr kumimoji="1" lang="en-US" altLang="ja-JP" dirty="0"/>
+              <a:t>EF: </a:t>
+            </a:r>
+            <a:r>
+              <a:rPr kumimoji="1" lang="en-US" altLang="ja-JP" dirty="0" err="1"/>
+              <a:t>XeIa</a:t>
+            </a:r>
+            <a:r>
+              <a:rPr kumimoji="1" lang="en-US" altLang="ja-JP" dirty="0"/>
+              <a:t>, PE05, Slit6</a:t>
+            </a:r>
+            <a:endParaRPr kumimoji="1" lang="ja-JP" altLang="en-US"/>
+          </a:p>
+        </p:txBody>
+      </p:sp>
+      <p:pic>
+        <p:nvPicPr>
+          <p:cNvPr id="5" name="図 4">
+            <a:extLst>
+              <a:ext uri="{FF2B5EF4-FFF2-40B4-BE49-F238E27FC236}">
+                <a16:creationId xmlns:a16="http://schemas.microsoft.com/office/drawing/2014/main" id="{3E915ABB-3864-408D-3BC1-7B9EFC47F792}"/>
+              </a:ext>
+            </a:extLst>
+          </p:cNvPr>
+          <p:cNvPicPr>
+            <a:picLocks noChangeAspect="1"/>
+          </p:cNvPicPr>
+          <p:nvPr/>
+        </p:nvPicPr>
+        <p:blipFill>
+          <a:blip r:embed="rId2"/>
+          <a:stretch>
+            <a:fillRect/>
+          </a:stretch>
+        </p:blipFill>
+        <p:spPr>
+          <a:xfrm>
+            <a:off x="436376" y="921927"/>
+            <a:ext cx="10826710" cy="5780952"/>
+          </a:xfrm>
+          <a:prstGeom prst="rect">
+            <a:avLst/>
+          </a:prstGeom>
+        </p:spPr>
+      </p:pic>
+    </p:spTree>
+    <p:extLst>
+      <p:ext uri="{BB962C8B-B14F-4D97-AF65-F5344CB8AC3E}">
+        <p14:creationId xmlns:p14="http://schemas.microsoft.com/office/powerpoint/2010/main" val="2823410243"/>
+      </p:ext>
+    </p:extLst>
+  </p:cSld>
+  <p:clrMapOvr>
+    <a:masterClrMapping/>
+  </p:clrMapOvr>
+</p:sld>
+</file>
+
+<file path=ppt/slides/slide6.xml><?xml version="1.0" encoding="utf-8"?>
+<p:sld xmlns:a="http://schemas.openxmlformats.org/drawingml/2006/main" xmlns:r="http://schemas.openxmlformats.org/officeDocument/2006/relationships" xmlns:p="http://schemas.openxmlformats.org/presentationml/2006/main">
+  <p:cSld>
+    <p:spTree>
+      <p:nvGrpSpPr>
+        <p:cNvPr id="1" name=""/>
+        <p:cNvGrpSpPr/>
+        <p:nvPr/>
+      </p:nvGrpSpPr>
+      <p:grpSpPr>
+        <a:xfrm>
+          <a:off x="0" y="0"/>
+          <a:ext cx="0" cy="0"/>
+          <a:chOff x="0" y="0"/>
+          <a:chExt cx="0" cy="0"/>
+        </a:xfrm>
+      </p:grpSpPr>
+      <p:sp>
+        <p:nvSpPr>
+          <p:cNvPr id="2" name="タイトル 1">
+            <a:extLst>
+              <a:ext uri="{FF2B5EF4-FFF2-40B4-BE49-F238E27FC236}">
+                <a16:creationId xmlns:a16="http://schemas.microsoft.com/office/drawing/2014/main" id="{7C6A66B9-31D7-AC96-FD25-E454195FA5C8}"/>
+              </a:ext>
+            </a:extLst>
+          </p:cNvPr>
+          <p:cNvSpPr>
+            <a:spLocks noGrp="1"/>
+          </p:cNvSpPr>
+          <p:nvPr>
+            <p:ph type="title"/>
+          </p:nvPr>
+        </p:nvSpPr>
+        <p:spPr/>
+        <p:txBody>
+          <a:bodyPr>
+            <a:normAutofit fontScale="90000"/>
+          </a:bodyPr>
+          <a:lstStyle/>
+          <a:p>
+            <a:r>
+              <a:rPr kumimoji="1" lang="en-US" altLang="ja-JP" dirty="0"/>
+              <a:t>EF: </a:t>
+            </a:r>
+            <a:r>
+              <a:rPr kumimoji="1" lang="en-US" altLang="ja-JP" dirty="0" err="1"/>
+              <a:t>XeIa</a:t>
+            </a:r>
+            <a:r>
+              <a:rPr kumimoji="1" lang="en-US" altLang="ja-JP" dirty="0"/>
+              <a:t>, PE02, Slit6</a:t>
+            </a:r>
+            <a:endParaRPr kumimoji="1" lang="ja-JP" altLang="en-US"/>
+          </a:p>
+        </p:txBody>
+      </p:sp>
+      <p:pic>
+        <p:nvPicPr>
+          <p:cNvPr id="3" name="図 2">
+            <a:extLst>
+              <a:ext uri="{FF2B5EF4-FFF2-40B4-BE49-F238E27FC236}">
+                <a16:creationId xmlns:a16="http://schemas.microsoft.com/office/drawing/2014/main" id="{5A32B65E-9218-A78D-0EE2-4DB6E779D28A}"/>
+              </a:ext>
+            </a:extLst>
+          </p:cNvPr>
+          <p:cNvPicPr>
+            <a:picLocks noChangeAspect="1"/>
+          </p:cNvPicPr>
+          <p:nvPr/>
+        </p:nvPicPr>
+        <p:blipFill>
+          <a:blip r:embed="rId2"/>
+          <a:stretch>
+            <a:fillRect/>
+          </a:stretch>
+        </p:blipFill>
+        <p:spPr>
+          <a:xfrm>
+            <a:off x="343575" y="991899"/>
+            <a:ext cx="11504849" cy="5710980"/>
+          </a:xfrm>
+          <a:prstGeom prst="rect">
+            <a:avLst/>
+          </a:prstGeom>
+        </p:spPr>
+      </p:pic>
+    </p:spTree>
+    <p:extLst>
+      <p:ext uri="{BB962C8B-B14F-4D97-AF65-F5344CB8AC3E}">
+        <p14:creationId xmlns:p14="http://schemas.microsoft.com/office/powerpoint/2010/main" val="1836767828"/>
+      </p:ext>
+    </p:extLst>
+  </p:cSld>
+  <p:clrMapOvr>
+    <a:masterClrMapping/>
+  </p:clrMapOvr>
+</p:sld>
+</file>
+
+<file path=ppt/slides/slide7.xml><?xml version="1.0" encoding="utf-8"?>
+<p:sld xmlns:a="http://schemas.openxmlformats.org/drawingml/2006/main" xmlns:r="http://schemas.openxmlformats.org/officeDocument/2006/relationships" xmlns:p="http://schemas.openxmlformats.org/presentationml/2006/main">
+  <p:cSld>
+    <p:spTree>
+      <p:nvGrpSpPr>
+        <p:cNvPr id="1" name=""/>
+        <p:cNvGrpSpPr/>
+        <p:nvPr/>
+      </p:nvGrpSpPr>
+      <p:grpSpPr>
+        <a:xfrm>
+          <a:off x="0" y="0"/>
+          <a:ext cx="0" cy="0"/>
+          <a:chOff x="0" y="0"/>
+          <a:chExt cx="0" cy="0"/>
+        </a:xfrm>
+      </p:grpSpPr>
+      <p:sp>
+        <p:nvSpPr>
+          <p:cNvPr id="2" name="タイトル 1">
+            <a:extLst>
+              <a:ext uri="{FF2B5EF4-FFF2-40B4-BE49-F238E27FC236}">
+                <a16:creationId xmlns:a16="http://schemas.microsoft.com/office/drawing/2014/main" id="{8964CFFE-6C30-BA3A-71C0-196841DEC1CB}"/>
+              </a:ext>
+            </a:extLst>
+          </p:cNvPr>
+          <p:cNvSpPr>
+            <a:spLocks noGrp="1"/>
+          </p:cNvSpPr>
+          <p:nvPr>
+            <p:ph type="title"/>
+          </p:nvPr>
+        </p:nvSpPr>
+        <p:spPr/>
+        <p:txBody>
+          <a:bodyPr>
+            <a:normAutofit fontScale="90000"/>
+          </a:bodyPr>
+          <a:lstStyle/>
+          <a:p>
+            <a:r>
+              <a:rPr kumimoji="1" lang="en-US" altLang="ja-JP" dirty="0"/>
+              <a:t>EF: </a:t>
+            </a:r>
+            <a:r>
+              <a:rPr kumimoji="1" lang="en-US" altLang="ja-JP" dirty="0" err="1"/>
+              <a:t>HeIIa</a:t>
+            </a:r>
+            <a:r>
+              <a:rPr kumimoji="1" lang="en-US" altLang="ja-JP" dirty="0"/>
+              <a:t>, PE20, Slit6</a:t>
+            </a:r>
+            <a:endParaRPr kumimoji="1" lang="ja-JP" altLang="en-US"/>
+          </a:p>
+        </p:txBody>
+      </p:sp>
+      <p:pic>
+        <p:nvPicPr>
+          <p:cNvPr id="5" name="図 4">
+            <a:extLst>
+              <a:ext uri="{FF2B5EF4-FFF2-40B4-BE49-F238E27FC236}">
+                <a16:creationId xmlns:a16="http://schemas.microsoft.com/office/drawing/2014/main" id="{0D88F5D3-DC44-ACE4-3EA1-B38264C333A9}"/>
+              </a:ext>
+            </a:extLst>
+          </p:cNvPr>
+          <p:cNvPicPr>
+            <a:picLocks noChangeAspect="1"/>
+          </p:cNvPicPr>
+          <p:nvPr/>
+        </p:nvPicPr>
+        <p:blipFill>
+          <a:blip r:embed="rId3"/>
+          <a:stretch>
+            <a:fillRect/>
+          </a:stretch>
+        </p:blipFill>
+        <p:spPr>
+          <a:xfrm>
+            <a:off x="378052" y="931905"/>
+            <a:ext cx="11435895" cy="5926095"/>
+          </a:xfrm>
+          <a:prstGeom prst="rect">
+            <a:avLst/>
+          </a:prstGeom>
+        </p:spPr>
+      </p:pic>
+    </p:spTree>
+    <p:extLst>
+      <p:ext uri="{BB962C8B-B14F-4D97-AF65-F5344CB8AC3E}">
+        <p14:creationId xmlns:p14="http://schemas.microsoft.com/office/powerpoint/2010/main" val="3784449718"/>
+      </p:ext>
+    </p:extLst>
+  </p:cSld>
+  <p:clrMapOvr>
+    <a:masterClrMapping/>
+  </p:clrMapOvr>
+</p:sld>
+</file>
+
+<file path=ppt/slides/slide8.xml><?xml version="1.0" encoding="utf-8"?>
+<p:sld xmlns:a="http://schemas.openxmlformats.org/drawingml/2006/main" xmlns:r="http://schemas.openxmlformats.org/officeDocument/2006/relationships" xmlns:p="http://schemas.openxmlformats.org/presentationml/2006/main">
+  <p:cSld>
+    <p:spTree>
+      <p:nvGrpSpPr>
+        <p:cNvPr id="1" name=""/>
+        <p:cNvGrpSpPr/>
+        <p:nvPr/>
+      </p:nvGrpSpPr>
+      <p:grpSpPr>
+        <a:xfrm>
+          <a:off x="0" y="0"/>
+          <a:ext cx="0" cy="0"/>
+          <a:chOff x="0" y="0"/>
+          <a:chExt cx="0" cy="0"/>
+        </a:xfrm>
+      </p:grpSpPr>
+      <p:sp>
+        <p:nvSpPr>
+          <p:cNvPr id="2" name="タイトル 1">
+            <a:extLst>
+              <a:ext uri="{FF2B5EF4-FFF2-40B4-BE49-F238E27FC236}">
+                <a16:creationId xmlns:a16="http://schemas.microsoft.com/office/drawing/2014/main" id="{03FB0C3A-6D15-1872-C7D3-F1CD131B1DB5}"/>
+              </a:ext>
+            </a:extLst>
+          </p:cNvPr>
+          <p:cNvSpPr>
+            <a:spLocks noGrp="1"/>
+          </p:cNvSpPr>
+          <p:nvPr>
+            <p:ph type="title"/>
+          </p:nvPr>
+        </p:nvSpPr>
+        <p:spPr/>
+        <p:txBody>
+          <a:bodyPr>
+            <a:normAutofit fontScale="90000"/>
+          </a:bodyPr>
+          <a:lstStyle/>
+          <a:p>
+            <a:r>
+              <a:rPr kumimoji="1" lang="en-US" altLang="ja-JP" dirty="0"/>
+              <a:t>EF: </a:t>
+            </a:r>
+            <a:r>
+              <a:rPr kumimoji="1" lang="en-US" altLang="ja-JP" dirty="0" err="1"/>
+              <a:t>HeIIa</a:t>
+            </a:r>
+            <a:r>
+              <a:rPr kumimoji="1" lang="en-US" altLang="ja-JP" dirty="0"/>
+              <a:t>, PE10, Slit6</a:t>
+            </a:r>
+            <a:endParaRPr kumimoji="1" lang="ja-JP" altLang="en-US"/>
+          </a:p>
+        </p:txBody>
+      </p:sp>
+      <p:pic>
+        <p:nvPicPr>
+          <p:cNvPr id="4" name="図 3">
+            <a:extLst>
+              <a:ext uri="{FF2B5EF4-FFF2-40B4-BE49-F238E27FC236}">
+                <a16:creationId xmlns:a16="http://schemas.microsoft.com/office/drawing/2014/main" id="{34C06DC4-9364-EEE4-63AD-203575365FE5}"/>
+              </a:ext>
+            </a:extLst>
+          </p:cNvPr>
+          <p:cNvPicPr>
+            <a:picLocks noChangeAspect="1"/>
+          </p:cNvPicPr>
+          <p:nvPr/>
+        </p:nvPicPr>
+        <p:blipFill>
+          <a:blip r:embed="rId3"/>
+          <a:stretch>
+            <a:fillRect/>
+          </a:stretch>
+        </p:blipFill>
+        <p:spPr>
+          <a:xfrm>
+            <a:off x="279399" y="915456"/>
+            <a:ext cx="11054452" cy="5787423"/>
+          </a:xfrm>
+          <a:prstGeom prst="rect">
+            <a:avLst/>
+          </a:prstGeom>
+        </p:spPr>
+      </p:pic>
+    </p:spTree>
+    <p:extLst>
+      <p:ext uri="{BB962C8B-B14F-4D97-AF65-F5344CB8AC3E}">
+        <p14:creationId xmlns:p14="http://schemas.microsoft.com/office/powerpoint/2010/main" val="3970312694"/>
+      </p:ext>
+    </p:extLst>
+  </p:cSld>
+  <p:clrMapOvr>
+    <a:masterClrMapping/>
+  </p:clrMapOvr>
+</p:sld>
+</file>
+
+<file path=ppt/slides/slide9.xml><?xml version="1.0" encoding="utf-8"?>
+<p:sld xmlns:a="http://schemas.openxmlformats.org/drawingml/2006/main" xmlns:r="http://schemas.openxmlformats.org/officeDocument/2006/relationships" xmlns:p="http://schemas.openxmlformats.org/presentationml/2006/main">
+  <p:cSld>
+    <p:spTree>
+      <p:nvGrpSpPr>
+        <p:cNvPr id="1" name=""/>
+        <p:cNvGrpSpPr/>
+        <p:nvPr/>
+      </p:nvGrpSpPr>
+      <p:grpSpPr>
+        <a:xfrm>
+          <a:off x="0" y="0"/>
+          <a:ext cx="0" cy="0"/>
+          <a:chOff x="0" y="0"/>
+          <a:chExt cx="0" cy="0"/>
+        </a:xfrm>
+      </p:grpSpPr>
+      <p:sp>
+        <p:nvSpPr>
+          <p:cNvPr id="2" name="タイトル 1">
+            <a:extLst>
+              <a:ext uri="{FF2B5EF4-FFF2-40B4-BE49-F238E27FC236}">
+                <a16:creationId xmlns:a16="http://schemas.microsoft.com/office/drawing/2014/main" id="{9FF216D8-FEDE-A1F4-AE9F-A11DC0F22E82}"/>
+              </a:ext>
+            </a:extLst>
+          </p:cNvPr>
+          <p:cNvSpPr>
+            <a:spLocks noGrp="1"/>
+          </p:cNvSpPr>
+          <p:nvPr>
+            <p:ph type="title"/>
+          </p:nvPr>
+        </p:nvSpPr>
+        <p:spPr/>
+        <p:txBody>
+          <a:bodyPr>
+            <a:normAutofit fontScale="90000"/>
+          </a:bodyPr>
+          <a:lstStyle/>
+          <a:p>
+            <a:r>
+              <a:rPr kumimoji="1" lang="en-US" altLang="ja-JP" dirty="0"/>
+              <a:t>EF: HeIa, PE10, Slit6</a:t>
+            </a:r>
+            <a:endParaRPr kumimoji="1" lang="ja-JP" altLang="en-US"/>
+          </a:p>
+        </p:txBody>
+      </p:sp>
+      <p:pic>
+        <p:nvPicPr>
+          <p:cNvPr id="3" name="図 2">
+            <a:extLst>
+              <a:ext uri="{FF2B5EF4-FFF2-40B4-BE49-F238E27FC236}">
+                <a16:creationId xmlns:a16="http://schemas.microsoft.com/office/drawing/2014/main" id="{B411680F-FFC8-DFC6-3644-3B3C077D826C}"/>
+              </a:ext>
+            </a:extLst>
+          </p:cNvPr>
+          <p:cNvPicPr>
+            <a:picLocks noChangeAspect="1"/>
+          </p:cNvPicPr>
+          <p:nvPr/>
+        </p:nvPicPr>
+        <p:blipFill>
+          <a:blip r:embed="rId2"/>
+          <a:stretch>
+            <a:fillRect/>
+          </a:stretch>
+        </p:blipFill>
+        <p:spPr>
+          <a:xfrm>
+            <a:off x="411998" y="1011143"/>
+            <a:ext cx="11025752" cy="5691736"/>
+          </a:xfrm>
+          <a:prstGeom prst="rect">
+            <a:avLst/>
+          </a:prstGeom>
+        </p:spPr>
+      </p:pic>
+    </p:spTree>
+    <p:extLst>
+      <p:ext uri="{BB962C8B-B14F-4D97-AF65-F5344CB8AC3E}">
+        <p14:creationId xmlns:p14="http://schemas.microsoft.com/office/powerpoint/2010/main" val="3652748112"/>
       </p:ext>
     </p:extLst>
   </p:cSld>
@@ -9870,4 +11688,319 @@
     </a:ext>
   </a:extLst>
 </a:theme>
+</file>
+
+<file path=ppt/theme/theme2.xml><?xml version="1.0" encoding="utf-8"?>
+<a:theme xmlns:a="http://schemas.openxmlformats.org/drawingml/2006/main" name="Office テーマ">
+  <a:themeElements>
+    <a:clrScheme name="Office">
+      <a:dk1>
+        <a:sysClr val="windowText" lastClr="000000"/>
+      </a:dk1>
+      <a:lt1>
+        <a:sysClr val="window" lastClr="FFFFFF"/>
+      </a:lt1>
+      <a:dk2>
+        <a:srgbClr val="0E2841"/>
+      </a:dk2>
+      <a:lt2>
+        <a:srgbClr val="E8E8E8"/>
+      </a:lt2>
+      <a:accent1>
+        <a:srgbClr val="156082"/>
+      </a:accent1>
+      <a:accent2>
+        <a:srgbClr val="E97132"/>
+      </a:accent2>
+      <a:accent3>
+        <a:srgbClr val="196B24"/>
+      </a:accent3>
+      <a:accent4>
+        <a:srgbClr val="0F9ED5"/>
+      </a:accent4>
+      <a:accent5>
+        <a:srgbClr val="A02B93"/>
+      </a:accent5>
+      <a:accent6>
+        <a:srgbClr val="4EA72E"/>
+      </a:accent6>
+      <a:hlink>
+        <a:srgbClr val="467886"/>
+      </a:hlink>
+      <a:folHlink>
+        <a:srgbClr val="96607D"/>
+      </a:folHlink>
+    </a:clrScheme>
+    <a:fontScheme name="Office">
+      <a:majorFont>
+        <a:latin typeface="游ゴシック Light" panose="02110004020202020204"/>
+        <a:ea typeface=""/>
+        <a:cs typeface=""/>
+        <a:font script="Jpan" typeface="游ゴシック Light"/>
+        <a:font script="Hang" typeface="맑은 고딕"/>
+        <a:font script="Hans" typeface="等线 Light"/>
+        <a:font script="Hant" typeface="新細明體"/>
+        <a:font script="Arab" typeface="Times New Roman"/>
+        <a:font script="Hebr" typeface="Times New Roman"/>
+        <a:font script="Thai" typeface="Angsana New"/>
+        <a:font script="Ethi" typeface="Nyala"/>
+        <a:font script="Beng" typeface="Vrinda"/>
+        <a:font script="Gujr" typeface="Shruti"/>
+        <a:font script="Khmr" typeface="MoolBoran"/>
+        <a:font script="Knda" typeface="Tunga"/>
+        <a:font script="Guru" typeface="Raavi"/>
+        <a:font script="Cans" typeface="Euphemia"/>
+        <a:font script="Cher" typeface="Plantagenet Cherokee"/>
+        <a:font script="Yiii" typeface="Microsoft Yi Baiti"/>
+        <a:font script="Tibt" typeface="Microsoft Himalaya"/>
+        <a:font script="Thaa" typeface="MV Boli"/>
+        <a:font script="Deva" typeface="Mangal"/>
+        <a:font script="Telu" typeface="Gautami"/>
+        <a:font script="Taml" typeface="Latha"/>
+        <a:font script="Syrc" typeface="Estrangelo Edessa"/>
+        <a:font script="Orya" typeface="Kalinga"/>
+        <a:font script="Mlym" typeface="Kartika"/>
+        <a:font script="Laoo" typeface="DokChampa"/>
+        <a:font script="Sinh" typeface="Iskoola Pota"/>
+        <a:font script="Mong" typeface="Mongolian Baiti"/>
+        <a:font script="Viet" typeface="Times New Roman"/>
+        <a:font script="Uigh" typeface="Microsoft Uighur"/>
+        <a:font script="Geor" typeface="Sylfaen"/>
+        <a:font script="Armn" typeface="Arial"/>
+        <a:font script="Bugi" typeface="Leelawadee UI"/>
+        <a:font script="Bopo" typeface="Microsoft JhengHei"/>
+        <a:font script="Java" typeface="Javanese Text"/>
+        <a:font script="Lisu" typeface="Segoe UI"/>
+        <a:font script="Mymr" typeface="Myanmar Text"/>
+        <a:font script="Nkoo" typeface="Ebrima"/>
+        <a:font script="Olck" typeface="Nirmala UI"/>
+        <a:font script="Osma" typeface="Ebrima"/>
+        <a:font script="Phag" typeface="Phagspa"/>
+        <a:font script="Syrn" typeface="Estrangelo Edessa"/>
+        <a:font script="Syrj" typeface="Estrangelo Edessa"/>
+        <a:font script="Syre" typeface="Estrangelo Edessa"/>
+        <a:font script="Sora" typeface="Nirmala UI"/>
+        <a:font script="Tale" typeface="Microsoft Tai Le"/>
+        <a:font script="Talu" typeface="Microsoft New Tai Lue"/>
+        <a:font script="Tfng" typeface="Ebrima"/>
+      </a:majorFont>
+      <a:minorFont>
+        <a:latin typeface="游ゴシック" panose="02110004020202020204"/>
+        <a:ea typeface=""/>
+        <a:cs typeface=""/>
+        <a:font script="Jpan" typeface="游ゴシック"/>
+        <a:font script="Hang" typeface="맑은 고딕"/>
+        <a:font script="Hans" typeface="等线"/>
+        <a:font script="Hant" typeface="新細明體"/>
+        <a:font script="Arab" typeface="Arial"/>
+        <a:font script="Hebr" typeface="Arial"/>
+        <a:font script="Thai" typeface="Cordia New"/>
+        <a:font script="Ethi" typeface="Nyala"/>
+        <a:font script="Beng" typeface="Vrinda"/>
+        <a:font script="Gujr" typeface="Shruti"/>
+        <a:font script="Khmr" typeface="DaunPenh"/>
+        <a:font script="Knda" typeface="Tunga"/>
+        <a:font script="Guru" typeface="Raavi"/>
+        <a:font script="Cans" typeface="Euphemia"/>
+        <a:font script="Cher" typeface="Plantagenet Cherokee"/>
+        <a:font script="Yiii" typeface="Microsoft Yi Baiti"/>
+        <a:font script="Tibt" typeface="Microsoft Himalaya"/>
+        <a:font script="Thaa" typeface="MV Boli"/>
+        <a:font script="Deva" typeface="Mangal"/>
+        <a:font script="Telu" typeface="Gautami"/>
+        <a:font script="Taml" typeface="Latha"/>
+        <a:font script="Syrc" typeface="Estrangelo Edessa"/>
+        <a:font script="Orya" typeface="Kalinga"/>
+        <a:font script="Mlym" typeface="Kartika"/>
+        <a:font script="Laoo" typeface="DokChampa"/>
+        <a:font script="Sinh" typeface="Iskoola Pota"/>
+        <a:font script="Mong" typeface="Mongolian Baiti"/>
+        <a:font script="Viet" typeface="Arial"/>
+        <a:font script="Uigh" typeface="Microsoft Uighur"/>
+        <a:font script="Geor" typeface="Sylfaen"/>
+        <a:font script="Armn" typeface="Arial"/>
+        <a:font script="Bugi" typeface="Leelawadee UI"/>
+        <a:font script="Bopo" typeface="Microsoft JhengHei"/>
+        <a:font script="Java" typeface="Javanese Text"/>
+        <a:font script="Lisu" typeface="Segoe UI"/>
+        <a:font script="Mymr" typeface="Myanmar Text"/>
+        <a:font script="Nkoo" typeface="Ebrima"/>
+        <a:font script="Olck" typeface="Nirmala UI"/>
+        <a:font script="Osma" typeface="Ebrima"/>
+        <a:font script="Phag" typeface="Phagspa"/>
+        <a:font script="Syrn" typeface="Estrangelo Edessa"/>
+        <a:font script="Syrj" typeface="Estrangelo Edessa"/>
+        <a:font script="Syre" typeface="Estrangelo Edessa"/>
+        <a:font script="Sora" typeface="Nirmala UI"/>
+        <a:font script="Tale" typeface="Microsoft Tai Le"/>
+        <a:font script="Talu" typeface="Microsoft New Tai Lue"/>
+        <a:font script="Tfng" typeface="Ebrima"/>
+      </a:minorFont>
+    </a:fontScheme>
+    <a:fmtScheme name="Office">
+      <a:fillStyleLst>
+        <a:solidFill>
+          <a:schemeClr val="phClr"/>
+        </a:solidFill>
+        <a:gradFill rotWithShape="1">
+          <a:gsLst>
+            <a:gs pos="0">
+              <a:schemeClr val="phClr">
+                <a:lumMod val="110000"/>
+                <a:satMod val="105000"/>
+                <a:tint val="67000"/>
+              </a:schemeClr>
+            </a:gs>
+            <a:gs pos="50000">
+              <a:schemeClr val="phClr">
+                <a:lumMod val="105000"/>
+                <a:satMod val="103000"/>
+                <a:tint val="73000"/>
+              </a:schemeClr>
+            </a:gs>
+            <a:gs pos="100000">
+              <a:schemeClr val="phClr">
+                <a:lumMod val="105000"/>
+                <a:satMod val="109000"/>
+                <a:tint val="81000"/>
+              </a:schemeClr>
+            </a:gs>
+          </a:gsLst>
+          <a:lin ang="5400000" scaled="0"/>
+        </a:gradFill>
+        <a:gradFill rotWithShape="1">
+          <a:gsLst>
+            <a:gs pos="0">
+              <a:schemeClr val="phClr">
+                <a:satMod val="103000"/>
+                <a:lumMod val="102000"/>
+                <a:tint val="94000"/>
+              </a:schemeClr>
+            </a:gs>
+            <a:gs pos="50000">
+              <a:schemeClr val="phClr">
+                <a:satMod val="110000"/>
+                <a:lumMod val="100000"/>
+                <a:shade val="100000"/>
+              </a:schemeClr>
+            </a:gs>
+            <a:gs pos="100000">
+              <a:schemeClr val="phClr">
+                <a:lumMod val="99000"/>
+                <a:satMod val="120000"/>
+                <a:shade val="78000"/>
+              </a:schemeClr>
+            </a:gs>
+          </a:gsLst>
+          <a:lin ang="5400000" scaled="0"/>
+        </a:gradFill>
+      </a:fillStyleLst>
+      <a:lnStyleLst>
+        <a:ln w="12700" cap="flat" cmpd="sng" algn="ctr">
+          <a:solidFill>
+            <a:schemeClr val="phClr"/>
+          </a:solidFill>
+          <a:prstDash val="solid"/>
+          <a:miter lim="800000"/>
+        </a:ln>
+        <a:ln w="19050" cap="flat" cmpd="sng" algn="ctr">
+          <a:solidFill>
+            <a:schemeClr val="phClr"/>
+          </a:solidFill>
+          <a:prstDash val="solid"/>
+          <a:miter lim="800000"/>
+        </a:ln>
+        <a:ln w="25400" cap="flat" cmpd="sng" algn="ctr">
+          <a:solidFill>
+            <a:schemeClr val="phClr"/>
+          </a:solidFill>
+          <a:prstDash val="solid"/>
+          <a:miter lim="800000"/>
+        </a:ln>
+      </a:lnStyleLst>
+      <a:effectStyleLst>
+        <a:effectStyle>
+          <a:effectLst/>
+        </a:effectStyle>
+        <a:effectStyle>
+          <a:effectLst/>
+        </a:effectStyle>
+        <a:effectStyle>
+          <a:effectLst>
+            <a:outerShdw blurRad="57150" dist="19050" dir="5400000" algn="ctr" rotWithShape="0">
+              <a:srgbClr val="000000">
+                <a:alpha val="63000"/>
+              </a:srgbClr>
+            </a:outerShdw>
+          </a:effectLst>
+        </a:effectStyle>
+      </a:effectStyleLst>
+      <a:bgFillStyleLst>
+        <a:solidFill>
+          <a:schemeClr val="phClr"/>
+        </a:solidFill>
+        <a:solidFill>
+          <a:schemeClr val="phClr">
+            <a:tint val="95000"/>
+            <a:satMod val="170000"/>
+          </a:schemeClr>
+        </a:solidFill>
+        <a:gradFill rotWithShape="1">
+          <a:gsLst>
+            <a:gs pos="0">
+              <a:schemeClr val="phClr">
+                <a:tint val="93000"/>
+                <a:satMod val="150000"/>
+                <a:shade val="98000"/>
+                <a:lumMod val="102000"/>
+              </a:schemeClr>
+            </a:gs>
+            <a:gs pos="50000">
+              <a:schemeClr val="phClr">
+                <a:tint val="98000"/>
+                <a:satMod val="130000"/>
+                <a:shade val="90000"/>
+                <a:lumMod val="103000"/>
+              </a:schemeClr>
+            </a:gs>
+            <a:gs pos="100000">
+              <a:schemeClr val="phClr">
+                <a:shade val="63000"/>
+                <a:satMod val="120000"/>
+              </a:schemeClr>
+            </a:gs>
+          </a:gsLst>
+          <a:lin ang="5400000" scaled="0"/>
+        </a:gradFill>
+      </a:bgFillStyleLst>
+    </a:fmtScheme>
+  </a:themeElements>
+  <a:objectDefaults>
+    <a:lnDef>
+      <a:spPr/>
+      <a:bodyPr/>
+      <a:lstStyle/>
+      <a:style>
+        <a:lnRef idx="2">
+          <a:schemeClr val="accent1"/>
+        </a:lnRef>
+        <a:fillRef idx="0">
+          <a:schemeClr val="accent1"/>
+        </a:fillRef>
+        <a:effectRef idx="1">
+          <a:schemeClr val="accent1"/>
+        </a:effectRef>
+        <a:fontRef idx="minor">
+          <a:schemeClr val="tx1"/>
+        </a:fontRef>
+      </a:style>
+    </a:lnDef>
+  </a:objectDefaults>
+  <a:extraClrSchemeLst/>
+  <a:extLst>
+    <a:ext uri="{05A4C25C-085E-4340-85A3-A5531E510DB2}">
+      <thm15:themeFamily xmlns:thm15="http://schemas.microsoft.com/office/thememl/2012/main" name="Office Theme" id="{2E142A2C-CD16-42D6-873A-C26D2A0506FA}" vid="{1BDDFF52-6CD6-40A5-AB3C-68EB2F1E4D0A}"/>
+    </a:ext>
+  </a:extLst>
+</a:theme>
 </file>